--- a/Arpan_Japan (1).pptx
+++ b/Arpan_Japan (1).pptx
@@ -1,19 +1,20 @@
 
 <file path=ppt/presentation.xml><?xml version="1.0" encoding="utf-8"?>
-<p:presentation xmlns:a="http://schemas.openxmlformats.org/drawingml/2006/main" xmlns:r="http://schemas.openxmlformats.org/officeDocument/2006/relationships" xmlns:p="http://schemas.openxmlformats.org/presentationml/2006/main" saveSubsetFonts="1">
+<p:presentation xmlns:a="http://schemas.openxmlformats.org/drawingml/2006/main" xmlns:r="http://schemas.openxmlformats.org/officeDocument/2006/relationships" xmlns:p="http://schemas.openxmlformats.org/presentationml/2006/main">
   <p:sldMasterIdLst>
-    <p:sldMasterId id="2147483748" r:id="rId1"/>
+    <p:sldMasterId id="2147483648" r:id="rId1"/>
   </p:sldMasterIdLst>
   <p:sldIdLst>
-    <p:sldId id="260" r:id="rId2"/>
-    <p:sldId id="256" r:id="rId3"/>
-    <p:sldId id="259" r:id="rId4"/>
-    <p:sldId id="257" r:id="rId5"/>
-    <p:sldId id="258" r:id="rId6"/>
-    <p:sldId id="261" r:id="rId7"/>
-    <p:sldId id="263" r:id="rId8"/>
-    <p:sldId id="262" r:id="rId9"/>
-    <p:sldId id="264" r:id="rId10"/>
+    <p:sldId id="260" r:id="rId3"/>
+    <p:sldId id="256" r:id="rId4"/>
+    <p:sldId id="259" r:id="rId5"/>
+    <p:sldId id="257" r:id="rId6"/>
+    <p:sldId id="269" r:id="rId7"/>
+    <p:sldId id="258" r:id="rId8"/>
+    <p:sldId id="261" r:id="rId9"/>
+    <p:sldId id="263" r:id="rId10"/>
+    <p:sldId id="262" r:id="rId11"/>
+    <p:sldId id="264" r:id="rId12"/>
   </p:sldIdLst>
   <p:sldSz cx="12192000" cy="6858000"/>
   <p:notesSz cx="6858000" cy="9144000"/>
@@ -112,11 +113,6 @@
       </a:defRPr>
     </a:lvl9pPr>
   </p:defaultTextStyle>
-  <p:extLst>
-    <p:ext uri="{EFAFB233-063F-42B5-8137-9DF3F51BA10A}">
-      <p15:sldGuideLst xmlns:p15="http://schemas.microsoft.com/office/powerpoint/2012/main"/>
-    </p:ext>
-  </p:extLst>
 </p:presentation>
 </file>
 
@@ -127,24 +123,51 @@
   <dgm:catLst>
     <dgm:cat type="accent1" pri="11400"/>
   </dgm:catLst>
-  <dgm:styleLbl name="node0">
-    <dgm:fillClrLst meth="cycle">
+  <dgm:styleLbl name="alignAcc1">
+    <dgm:fillClrLst meth="repeat">
+      <a:schemeClr val="lt1">
+        <a:alpha val="90000"/>
+      </a:schemeClr>
+    </dgm:fillClrLst>
+    <dgm:linClrLst meth="cycle">
       <a:schemeClr val="accent1">
-        <a:shade val="60000"/>
+        <a:shade val="50000"/>
+      </a:schemeClr>
+      <a:schemeClr val="accent1">
+        <a:tint val="55000"/>
+      </a:schemeClr>
+    </dgm:linClrLst>
+    <dgm:effectClrLst/>
+    <dgm:txLinClrLst/>
+    <dgm:txFillClrLst meth="repeat">
+      <a:schemeClr val="dk1"/>
+    </dgm:txFillClrLst>
+    <dgm:txEffectClrLst/>
+  </dgm:styleLbl>
+  <dgm:styleLbl name="alignAccFollowNode1">
+    <dgm:fillClrLst meth="repeat">
+      <a:schemeClr val="accent1">
+        <a:alpha val="90000"/>
+        <a:tint val="55000"/>
       </a:schemeClr>
     </dgm:fillClrLst>
     <dgm:linClrLst meth="repeat">
-      <a:schemeClr val="lt1"/>
+      <a:schemeClr val="accent1">
+        <a:alpha val="90000"/>
+        <a:tint val="55000"/>
+      </a:schemeClr>
     </dgm:linClrLst>
     <dgm:effectClrLst/>
     <dgm:txLinClrLst/>
-    <dgm:txFillClrLst/>
+    <dgm:txFillClrLst meth="repeat">
+      <a:schemeClr val="dk1"/>
+    </dgm:txFillClrLst>
     <dgm:txEffectClrLst/>
   </dgm:styleLbl>
-  <dgm:styleLbl name="node1">
-    <dgm:fillClrLst meth="cycle">
+  <dgm:styleLbl name="alignImgPlace1">
+    <dgm:fillClrLst>
       <a:schemeClr val="accent1">
-        <a:shade val="50000"/>
+        <a:tint val="50000"/>
       </a:schemeClr>
       <a:schemeClr val="accent1">
         <a:tint val="55000"/>
@@ -155,7 +178,9 @@
     </dgm:linClrLst>
     <dgm:effectClrLst/>
     <dgm:txLinClrLst/>
-    <dgm:txFillClrLst/>
+    <dgm:txFillClrLst meth="repeat">
+      <a:schemeClr val="lt1"/>
+    </dgm:txFillClrLst>
     <dgm:txEffectClrLst/>
   </dgm:styleLbl>
   <dgm:styleLbl name="alignNode1">
@@ -178,245 +203,6 @@
     <dgm:effectClrLst/>
     <dgm:txLinClrLst/>
     <dgm:txFillClrLst/>
-    <dgm:txEffectClrLst/>
-  </dgm:styleLbl>
-  <dgm:styleLbl name="lnNode1">
-    <dgm:fillClrLst meth="cycle">
-      <a:schemeClr val="accent1">
-        <a:shade val="50000"/>
-      </a:schemeClr>
-      <a:schemeClr val="accent1">
-        <a:tint val="55000"/>
-      </a:schemeClr>
-    </dgm:fillClrLst>
-    <dgm:linClrLst meth="repeat">
-      <a:schemeClr val="lt1"/>
-    </dgm:linClrLst>
-    <dgm:effectClrLst/>
-    <dgm:txLinClrLst/>
-    <dgm:txFillClrLst/>
-    <dgm:txEffectClrLst/>
-  </dgm:styleLbl>
-  <dgm:styleLbl name="vennNode1">
-    <dgm:fillClrLst meth="cycle">
-      <a:schemeClr val="accent1">
-        <a:shade val="80000"/>
-        <a:alpha val="50000"/>
-      </a:schemeClr>
-      <a:schemeClr val="accent1">
-        <a:tint val="50000"/>
-        <a:alpha val="50000"/>
-      </a:schemeClr>
-    </dgm:fillClrLst>
-    <dgm:linClrLst meth="repeat">
-      <a:schemeClr val="lt1"/>
-    </dgm:linClrLst>
-    <dgm:effectClrLst/>
-    <dgm:txLinClrLst/>
-    <dgm:txFillClrLst/>
-    <dgm:txEffectClrLst/>
-  </dgm:styleLbl>
-  <dgm:styleLbl name="node2">
-    <dgm:fillClrLst>
-      <a:schemeClr val="accent1">
-        <a:shade val="80000"/>
-      </a:schemeClr>
-    </dgm:fillClrLst>
-    <dgm:linClrLst meth="repeat">
-      <a:schemeClr val="lt1"/>
-    </dgm:linClrLst>
-    <dgm:effectClrLst/>
-    <dgm:txLinClrLst/>
-    <dgm:txFillClrLst/>
-    <dgm:txEffectClrLst/>
-  </dgm:styleLbl>
-  <dgm:styleLbl name="node3">
-    <dgm:fillClrLst>
-      <a:schemeClr val="accent1">
-        <a:tint val="99000"/>
-      </a:schemeClr>
-    </dgm:fillClrLst>
-    <dgm:linClrLst meth="repeat">
-      <a:schemeClr val="lt1"/>
-    </dgm:linClrLst>
-    <dgm:effectClrLst/>
-    <dgm:txLinClrLst/>
-    <dgm:txFillClrLst/>
-    <dgm:txEffectClrLst/>
-  </dgm:styleLbl>
-  <dgm:styleLbl name="node4">
-    <dgm:fillClrLst>
-      <a:schemeClr val="accent1">
-        <a:tint val="70000"/>
-      </a:schemeClr>
-    </dgm:fillClrLst>
-    <dgm:linClrLst meth="repeat">
-      <a:schemeClr val="lt1"/>
-    </dgm:linClrLst>
-    <dgm:effectClrLst/>
-    <dgm:txLinClrLst/>
-    <dgm:txFillClrLst/>
-    <dgm:txEffectClrLst/>
-  </dgm:styleLbl>
-  <dgm:styleLbl name="fgImgPlace1">
-    <dgm:fillClrLst>
-      <a:schemeClr val="accent1">
-        <a:tint val="50000"/>
-      </a:schemeClr>
-      <a:schemeClr val="accent1">
-        <a:tint val="55000"/>
-      </a:schemeClr>
-    </dgm:fillClrLst>
-    <dgm:linClrLst meth="repeat">
-      <a:schemeClr val="lt1"/>
-    </dgm:linClrLst>
-    <dgm:effectClrLst/>
-    <dgm:txLinClrLst/>
-    <dgm:txFillClrLst meth="repeat">
-      <a:schemeClr val="lt1"/>
-    </dgm:txFillClrLst>
-    <dgm:txEffectClrLst/>
-  </dgm:styleLbl>
-  <dgm:styleLbl name="alignImgPlace1">
-    <dgm:fillClrLst>
-      <a:schemeClr val="accent1">
-        <a:tint val="50000"/>
-      </a:schemeClr>
-      <a:schemeClr val="accent1">
-        <a:tint val="55000"/>
-      </a:schemeClr>
-    </dgm:fillClrLst>
-    <dgm:linClrLst meth="repeat">
-      <a:schemeClr val="lt1"/>
-    </dgm:linClrLst>
-    <dgm:effectClrLst/>
-    <dgm:txLinClrLst/>
-    <dgm:txFillClrLst meth="repeat">
-      <a:schemeClr val="lt1"/>
-    </dgm:txFillClrLst>
-    <dgm:txEffectClrLst/>
-  </dgm:styleLbl>
-  <dgm:styleLbl name="bgImgPlace1">
-    <dgm:fillClrLst>
-      <a:schemeClr val="accent1">
-        <a:tint val="50000"/>
-      </a:schemeClr>
-      <a:schemeClr val="accent1">
-        <a:tint val="55000"/>
-      </a:schemeClr>
-    </dgm:fillClrLst>
-    <dgm:linClrLst meth="repeat">
-      <a:schemeClr val="lt1"/>
-    </dgm:linClrLst>
-    <dgm:effectClrLst/>
-    <dgm:txLinClrLst/>
-    <dgm:txFillClrLst meth="repeat">
-      <a:schemeClr val="lt1"/>
-    </dgm:txFillClrLst>
-    <dgm:txEffectClrLst/>
-  </dgm:styleLbl>
-  <dgm:styleLbl name="sibTrans2D1">
-    <dgm:fillClrLst meth="cycle">
-      <a:schemeClr val="accent1">
-        <a:shade val="90000"/>
-      </a:schemeClr>
-      <a:schemeClr val="accent1">
-        <a:tint val="50000"/>
-      </a:schemeClr>
-    </dgm:fillClrLst>
-    <dgm:linClrLst meth="cycle">
-      <a:schemeClr val="accent1">
-        <a:shade val="90000"/>
-      </a:schemeClr>
-      <a:schemeClr val="accent1">
-        <a:tint val="50000"/>
-      </a:schemeClr>
-    </dgm:linClrLst>
-    <dgm:effectClrLst/>
-    <dgm:txLinClrLst/>
-    <dgm:txFillClrLst/>
-    <dgm:txEffectClrLst/>
-  </dgm:styleLbl>
-  <dgm:styleLbl name="fgSibTrans2D1">
-    <dgm:fillClrLst meth="cycle">
-      <a:schemeClr val="accent1">
-        <a:shade val="90000"/>
-      </a:schemeClr>
-      <a:schemeClr val="accent1">
-        <a:tint val="50000"/>
-      </a:schemeClr>
-    </dgm:fillClrLst>
-    <dgm:linClrLst meth="cycle">
-      <a:schemeClr val="accent1">
-        <a:shade val="90000"/>
-      </a:schemeClr>
-      <a:schemeClr val="accent1">
-        <a:tint val="50000"/>
-      </a:schemeClr>
-    </dgm:linClrLst>
-    <dgm:effectClrLst/>
-    <dgm:txLinClrLst/>
-    <dgm:txFillClrLst/>
-    <dgm:txEffectClrLst/>
-  </dgm:styleLbl>
-  <dgm:styleLbl name="bgSibTrans2D1">
-    <dgm:fillClrLst meth="cycle">
-      <a:schemeClr val="accent1">
-        <a:shade val="90000"/>
-      </a:schemeClr>
-      <a:schemeClr val="accent1">
-        <a:tint val="50000"/>
-      </a:schemeClr>
-    </dgm:fillClrLst>
-    <dgm:linClrLst meth="cycle">
-      <a:schemeClr val="accent1">
-        <a:shade val="90000"/>
-      </a:schemeClr>
-      <a:schemeClr val="accent1">
-        <a:tint val="50000"/>
-      </a:schemeClr>
-    </dgm:linClrLst>
-    <dgm:effectClrLst/>
-    <dgm:txLinClrLst/>
-    <dgm:txFillClrLst/>
-    <dgm:txEffectClrLst/>
-  </dgm:styleLbl>
-  <dgm:styleLbl name="sibTrans1D1">
-    <dgm:fillClrLst meth="cycle">
-      <a:schemeClr val="accent1">
-        <a:shade val="90000"/>
-      </a:schemeClr>
-      <a:schemeClr val="accent1">
-        <a:tint val="50000"/>
-      </a:schemeClr>
-    </dgm:fillClrLst>
-    <dgm:linClrLst meth="cycle">
-      <a:schemeClr val="accent1">
-        <a:shade val="90000"/>
-      </a:schemeClr>
-      <a:schemeClr val="accent1">
-        <a:tint val="50000"/>
-      </a:schemeClr>
-    </dgm:linClrLst>
-    <dgm:effectClrLst/>
-    <dgm:txLinClrLst/>
-    <dgm:txFillClrLst meth="repeat">
-      <a:schemeClr val="tx1"/>
-    </dgm:txFillClrLst>
-    <dgm:txEffectClrLst/>
-  </dgm:styleLbl>
-  <dgm:styleLbl name="callout">
-    <dgm:fillClrLst meth="repeat">
-      <a:schemeClr val="accent1"/>
-    </dgm:fillClrLst>
-    <dgm:linClrLst meth="repeat">
-      <a:schemeClr val="accent1"/>
-    </dgm:linClrLst>
-    <dgm:effectClrLst/>
-    <dgm:txLinClrLst/>
-    <dgm:txFillClrLst meth="repeat">
-      <a:schemeClr val="tx1"/>
-    </dgm:txFillClrLst>
     <dgm:txEffectClrLst/>
   </dgm:styleLbl>
   <dgm:styleLbl name="asst0">
@@ -489,10 +275,156 @@
     <dgm:txFillClrLst/>
     <dgm:txEffectClrLst/>
   </dgm:styleLbl>
-  <dgm:styleLbl name="parChTrans2D1">
+  <dgm:styleLbl name="bgAcc1">
+    <dgm:fillClrLst meth="repeat">
+      <a:schemeClr val="lt1">
+        <a:alpha val="90000"/>
+      </a:schemeClr>
+    </dgm:fillClrLst>
+    <dgm:linClrLst meth="cycle">
+      <a:schemeClr val="accent1">
+        <a:shade val="50000"/>
+      </a:schemeClr>
+      <a:schemeClr val="accent1">
+        <a:tint val="55000"/>
+      </a:schemeClr>
+    </dgm:linClrLst>
+    <dgm:effectClrLst/>
+    <dgm:txLinClrLst/>
+    <dgm:txFillClrLst meth="repeat">
+      <a:schemeClr val="dk1"/>
+    </dgm:txFillClrLst>
+    <dgm:txEffectClrLst/>
+  </dgm:styleLbl>
+  <dgm:styleLbl name="bgAccFollowNode1">
     <dgm:fillClrLst meth="repeat">
       <a:schemeClr val="accent1">
-        <a:tint val="60000"/>
+        <a:alpha val="90000"/>
+        <a:tint val="55000"/>
+      </a:schemeClr>
+    </dgm:fillClrLst>
+    <dgm:linClrLst meth="repeat">
+      <a:schemeClr val="lt1"/>
+    </dgm:linClrLst>
+    <dgm:effectClrLst/>
+    <dgm:txLinClrLst/>
+    <dgm:txFillClrLst meth="repeat">
+      <a:schemeClr val="dk1"/>
+    </dgm:txFillClrLst>
+    <dgm:txEffectClrLst/>
+  </dgm:styleLbl>
+  <dgm:styleLbl name="bgImgPlace1">
+    <dgm:fillClrLst>
+      <a:schemeClr val="accent1">
+        <a:tint val="50000"/>
+      </a:schemeClr>
+      <a:schemeClr val="accent1">
+        <a:tint val="55000"/>
+      </a:schemeClr>
+    </dgm:fillClrLst>
+    <dgm:linClrLst meth="repeat">
+      <a:schemeClr val="lt1"/>
+    </dgm:linClrLst>
+    <dgm:effectClrLst/>
+    <dgm:txLinClrLst/>
+    <dgm:txFillClrLst meth="repeat">
+      <a:schemeClr val="lt1"/>
+    </dgm:txFillClrLst>
+    <dgm:txEffectClrLst/>
+  </dgm:styleLbl>
+  <dgm:styleLbl name="bgShp">
+    <dgm:fillClrLst meth="repeat">
+      <a:schemeClr val="accent1">
+        <a:tint val="55000"/>
+      </a:schemeClr>
+    </dgm:fillClrLst>
+    <dgm:linClrLst meth="repeat">
+      <a:schemeClr val="dk1"/>
+    </dgm:linClrLst>
+    <dgm:effectClrLst/>
+    <dgm:txLinClrLst/>
+    <dgm:txFillClrLst meth="repeat">
+      <a:schemeClr val="dk1"/>
+    </dgm:txFillClrLst>
+    <dgm:txEffectClrLst/>
+  </dgm:styleLbl>
+  <dgm:styleLbl name="bgSibTrans2D1">
+    <dgm:fillClrLst meth="cycle">
+      <a:schemeClr val="accent1">
+        <a:shade val="90000"/>
+      </a:schemeClr>
+      <a:schemeClr val="accent1">
+        <a:tint val="50000"/>
+      </a:schemeClr>
+    </dgm:fillClrLst>
+    <dgm:linClrLst meth="cycle">
+      <a:schemeClr val="accent1">
+        <a:shade val="90000"/>
+      </a:schemeClr>
+      <a:schemeClr val="accent1">
+        <a:tint val="50000"/>
+      </a:schemeClr>
+    </dgm:linClrLst>
+    <dgm:effectClrLst/>
+    <dgm:txLinClrLst/>
+    <dgm:txFillClrLst/>
+    <dgm:txEffectClrLst/>
+  </dgm:styleLbl>
+  <dgm:styleLbl name="callout">
+    <dgm:fillClrLst meth="repeat">
+      <a:schemeClr val="accent1"/>
+    </dgm:fillClrLst>
+    <dgm:linClrLst meth="repeat">
+      <a:schemeClr val="accent1"/>
+    </dgm:linClrLst>
+    <dgm:effectClrLst/>
+    <dgm:txLinClrLst/>
+    <dgm:txFillClrLst meth="repeat">
+      <a:schemeClr val="tx1"/>
+    </dgm:txFillClrLst>
+    <dgm:txEffectClrLst/>
+  </dgm:styleLbl>
+  <dgm:styleLbl name="conFgAcc1">
+    <dgm:fillClrLst meth="repeat">
+      <a:schemeClr val="lt1">
+        <a:alpha val="90000"/>
+      </a:schemeClr>
+    </dgm:fillClrLst>
+    <dgm:linClrLst meth="cycle">
+      <a:schemeClr val="accent1">
+        <a:shade val="50000"/>
+      </a:schemeClr>
+      <a:schemeClr val="accent1">
+        <a:tint val="55000"/>
+      </a:schemeClr>
+    </dgm:linClrLst>
+    <dgm:effectClrLst/>
+    <dgm:txLinClrLst/>
+    <dgm:txFillClrLst meth="repeat">
+      <a:schemeClr val="dk1"/>
+    </dgm:txFillClrLst>
+    <dgm:txEffectClrLst/>
+  </dgm:styleLbl>
+  <dgm:styleLbl name="dkBgShp">
+    <dgm:fillClrLst meth="repeat">
+      <a:schemeClr val="accent1">
+        <a:shade val="90000"/>
+      </a:schemeClr>
+    </dgm:fillClrLst>
+    <dgm:linClrLst meth="repeat">
+      <a:schemeClr val="dk1"/>
+    </dgm:linClrLst>
+    <dgm:effectClrLst/>
+    <dgm:txLinClrLst/>
+    <dgm:txFillClrLst meth="repeat">
+      <a:schemeClr val="lt1"/>
+    </dgm:txFillClrLst>
+    <dgm:txEffectClrLst/>
+  </dgm:styleLbl>
+  <dgm:styleLbl name="fgAcc0">
+    <dgm:fillClrLst meth="repeat">
+      <a:schemeClr val="lt1">
+        <a:alpha val="90000"/>
       </a:schemeClr>
     </dgm:fillClrLst>
     <dgm:linClrLst meth="repeat">
@@ -502,13 +434,36 @@
     </dgm:linClrLst>
     <dgm:effectClrLst/>
     <dgm:txLinClrLst/>
-    <dgm:txFillClrLst/>
+    <dgm:txFillClrLst meth="repeat">
+      <a:schemeClr val="dk1"/>
+    </dgm:txFillClrLst>
     <dgm:txEffectClrLst/>
   </dgm:styleLbl>
-  <dgm:styleLbl name="parChTrans2D2">
+  <dgm:styleLbl name="fgAcc1">
     <dgm:fillClrLst meth="repeat">
+      <a:schemeClr val="lt1">
+        <a:alpha val="90000"/>
+      </a:schemeClr>
+    </dgm:fillClrLst>
+    <dgm:linClrLst meth="cycle">
       <a:schemeClr val="accent1">
-        <a:tint val="90000"/>
+        <a:shade val="50000"/>
+      </a:schemeClr>
+      <a:schemeClr val="accent1">
+        <a:tint val="55000"/>
+      </a:schemeClr>
+    </dgm:linClrLst>
+    <dgm:effectClrLst/>
+    <dgm:txLinClrLst/>
+    <dgm:txFillClrLst meth="repeat">
+      <a:schemeClr val="dk1"/>
+    </dgm:txFillClrLst>
+    <dgm:txEffectClrLst/>
+  </dgm:styleLbl>
+  <dgm:styleLbl name="fgAcc2">
+    <dgm:fillClrLst meth="repeat">
+      <a:schemeClr val="lt1">
+        <a:alpha val="90000"/>
       </a:schemeClr>
     </dgm:fillClrLst>
     <dgm:linClrLst meth="repeat">
@@ -518,13 +473,15 @@
     </dgm:linClrLst>
     <dgm:effectClrLst/>
     <dgm:txLinClrLst/>
-    <dgm:txFillClrLst/>
+    <dgm:txFillClrLst meth="repeat">
+      <a:schemeClr val="dk1"/>
+    </dgm:txFillClrLst>
     <dgm:txEffectClrLst/>
   </dgm:styleLbl>
-  <dgm:styleLbl name="parChTrans2D3">
+  <dgm:styleLbl name="fgAcc3">
     <dgm:fillClrLst meth="repeat">
-      <a:schemeClr val="accent1">
-        <a:tint val="70000"/>
+      <a:schemeClr val="lt1">
+        <a:alpha val="90000"/>
       </a:schemeClr>
     </dgm:fillClrLst>
     <dgm:linClrLst meth="repeat">
@@ -534,13 +491,15 @@
     </dgm:linClrLst>
     <dgm:effectClrLst/>
     <dgm:txLinClrLst/>
-    <dgm:txFillClrLst/>
+    <dgm:txFillClrLst meth="repeat">
+      <a:schemeClr val="dk1"/>
+    </dgm:txFillClrLst>
     <dgm:txEffectClrLst/>
   </dgm:styleLbl>
-  <dgm:styleLbl name="parChTrans2D4">
+  <dgm:styleLbl name="fgAcc4">
     <dgm:fillClrLst meth="repeat">
-      <a:schemeClr val="accent1">
-        <a:tint val="50000"/>
+      <a:schemeClr val="lt1">
+        <a:alpha val="90000"/>
       </a:schemeClr>
     </dgm:fillClrLst>
     <dgm:linClrLst meth="repeat">
@@ -553,6 +512,173 @@
     <dgm:txFillClrLst meth="repeat">
       <a:schemeClr val="dk1"/>
     </dgm:txFillClrLst>
+    <dgm:txEffectClrLst/>
+  </dgm:styleLbl>
+  <dgm:styleLbl name="fgAccFollowNode1">
+    <dgm:fillClrLst meth="repeat">
+      <a:schemeClr val="accent1">
+        <a:alpha val="90000"/>
+        <a:tint val="55000"/>
+      </a:schemeClr>
+    </dgm:fillClrLst>
+    <dgm:linClrLst meth="repeat">
+      <a:schemeClr val="accent1">
+        <a:alpha val="90000"/>
+        <a:tint val="55000"/>
+      </a:schemeClr>
+    </dgm:linClrLst>
+    <dgm:effectClrLst/>
+    <dgm:txLinClrLst/>
+    <dgm:txFillClrLst meth="repeat">
+      <a:schemeClr val="dk1"/>
+    </dgm:txFillClrLst>
+    <dgm:txEffectClrLst/>
+  </dgm:styleLbl>
+  <dgm:styleLbl name="fgImgPlace1">
+    <dgm:fillClrLst>
+      <a:schemeClr val="accent1">
+        <a:tint val="50000"/>
+      </a:schemeClr>
+      <a:schemeClr val="accent1">
+        <a:tint val="55000"/>
+      </a:schemeClr>
+    </dgm:fillClrLst>
+    <dgm:linClrLst meth="repeat">
+      <a:schemeClr val="lt1"/>
+    </dgm:linClrLst>
+    <dgm:effectClrLst/>
+    <dgm:txLinClrLst/>
+    <dgm:txFillClrLst meth="repeat">
+      <a:schemeClr val="lt1"/>
+    </dgm:txFillClrLst>
+    <dgm:txEffectClrLst/>
+  </dgm:styleLbl>
+  <dgm:styleLbl name="fgShp">
+    <dgm:fillClrLst meth="repeat">
+      <a:schemeClr val="accent1">
+        <a:tint val="55000"/>
+      </a:schemeClr>
+    </dgm:fillClrLst>
+    <dgm:linClrLst meth="repeat">
+      <a:schemeClr val="lt1"/>
+    </dgm:linClrLst>
+    <dgm:effectClrLst/>
+    <dgm:txLinClrLst/>
+    <dgm:txFillClrLst meth="repeat">
+      <a:schemeClr val="dk1"/>
+    </dgm:txFillClrLst>
+    <dgm:txEffectClrLst/>
+  </dgm:styleLbl>
+  <dgm:styleLbl name="fgSibTrans2D1">
+    <dgm:fillClrLst meth="cycle">
+      <a:schemeClr val="accent1">
+        <a:shade val="90000"/>
+      </a:schemeClr>
+      <a:schemeClr val="accent1">
+        <a:tint val="50000"/>
+      </a:schemeClr>
+    </dgm:fillClrLst>
+    <dgm:linClrLst meth="cycle">
+      <a:schemeClr val="accent1">
+        <a:shade val="90000"/>
+      </a:schemeClr>
+      <a:schemeClr val="accent1">
+        <a:tint val="50000"/>
+      </a:schemeClr>
+    </dgm:linClrLst>
+    <dgm:effectClrLst/>
+    <dgm:txLinClrLst/>
+    <dgm:txFillClrLst/>
+    <dgm:txEffectClrLst/>
+  </dgm:styleLbl>
+  <dgm:styleLbl name="lnNode1">
+    <dgm:fillClrLst meth="cycle">
+      <a:schemeClr val="accent1">
+        <a:shade val="50000"/>
+      </a:schemeClr>
+      <a:schemeClr val="accent1">
+        <a:tint val="55000"/>
+      </a:schemeClr>
+    </dgm:fillClrLst>
+    <dgm:linClrLst meth="repeat">
+      <a:schemeClr val="lt1"/>
+    </dgm:linClrLst>
+    <dgm:effectClrLst/>
+    <dgm:txLinClrLst/>
+    <dgm:txFillClrLst/>
+    <dgm:txEffectClrLst/>
+  </dgm:styleLbl>
+  <dgm:styleLbl name="node0">
+    <dgm:fillClrLst meth="cycle">
+      <a:schemeClr val="accent1">
+        <a:shade val="60000"/>
+      </a:schemeClr>
+    </dgm:fillClrLst>
+    <dgm:linClrLst meth="repeat">
+      <a:schemeClr val="lt1"/>
+    </dgm:linClrLst>
+    <dgm:effectClrLst/>
+    <dgm:txLinClrLst/>
+    <dgm:txFillClrLst/>
+    <dgm:txEffectClrLst/>
+  </dgm:styleLbl>
+  <dgm:styleLbl name="node1">
+    <dgm:fillClrLst meth="cycle">
+      <a:schemeClr val="accent1">
+        <a:shade val="50000"/>
+      </a:schemeClr>
+      <a:schemeClr val="accent1">
+        <a:tint val="55000"/>
+      </a:schemeClr>
+    </dgm:fillClrLst>
+    <dgm:linClrLst meth="repeat">
+      <a:schemeClr val="lt1"/>
+    </dgm:linClrLst>
+    <dgm:effectClrLst/>
+    <dgm:txLinClrLst/>
+    <dgm:txFillClrLst/>
+    <dgm:txEffectClrLst/>
+  </dgm:styleLbl>
+  <dgm:styleLbl name="node2">
+    <dgm:fillClrLst>
+      <a:schemeClr val="accent1">
+        <a:shade val="80000"/>
+      </a:schemeClr>
+    </dgm:fillClrLst>
+    <dgm:linClrLst meth="repeat">
+      <a:schemeClr val="lt1"/>
+    </dgm:linClrLst>
+    <dgm:effectClrLst/>
+    <dgm:txLinClrLst/>
+    <dgm:txFillClrLst/>
+    <dgm:txEffectClrLst/>
+  </dgm:styleLbl>
+  <dgm:styleLbl name="node3">
+    <dgm:fillClrLst>
+      <a:schemeClr val="accent1">
+        <a:tint val="99000"/>
+      </a:schemeClr>
+    </dgm:fillClrLst>
+    <dgm:linClrLst meth="repeat">
+      <a:schemeClr val="lt1"/>
+    </dgm:linClrLst>
+    <dgm:effectClrLst/>
+    <dgm:txLinClrLst/>
+    <dgm:txFillClrLst/>
+    <dgm:txEffectClrLst/>
+  </dgm:styleLbl>
+  <dgm:styleLbl name="node4">
+    <dgm:fillClrLst>
+      <a:schemeClr val="accent1">
+        <a:tint val="70000"/>
+      </a:schemeClr>
+    </dgm:fillClrLst>
+    <dgm:linClrLst meth="repeat">
+      <a:schemeClr val="lt1"/>
+    </dgm:linClrLst>
+    <dgm:effectClrLst/>
+    <dgm:txLinClrLst/>
+    <dgm:txFillClrLst/>
     <dgm:txEffectClrLst/>
   </dgm:styleLbl>
   <dgm:styleLbl name="parChTrans1D1">
@@ -627,18 +753,63 @@
     </dgm:txFillClrLst>
     <dgm:txEffectClrLst/>
   </dgm:styleLbl>
-  <dgm:styleLbl name="fgAcc1">
+  <dgm:styleLbl name="parChTrans2D1">
     <dgm:fillClrLst meth="repeat">
-      <a:schemeClr val="lt1">
-        <a:alpha val="90000"/>
+      <a:schemeClr val="accent1">
+        <a:tint val="60000"/>
       </a:schemeClr>
     </dgm:fillClrLst>
-    <dgm:linClrLst meth="cycle">
+    <dgm:linClrLst meth="repeat">
       <a:schemeClr val="accent1">
-        <a:shade val="50000"/>
+        <a:shade val="80000"/>
       </a:schemeClr>
+    </dgm:linClrLst>
+    <dgm:effectClrLst/>
+    <dgm:txLinClrLst/>
+    <dgm:txFillClrLst/>
+    <dgm:txEffectClrLst/>
+  </dgm:styleLbl>
+  <dgm:styleLbl name="parChTrans2D2">
+    <dgm:fillClrLst meth="repeat">
       <a:schemeClr val="accent1">
-        <a:tint val="55000"/>
+        <a:tint val="90000"/>
+      </a:schemeClr>
+    </dgm:fillClrLst>
+    <dgm:linClrLst meth="repeat">
+      <a:schemeClr val="accent1">
+        <a:tint val="90000"/>
+      </a:schemeClr>
+    </dgm:linClrLst>
+    <dgm:effectClrLst/>
+    <dgm:txLinClrLst/>
+    <dgm:txFillClrLst/>
+    <dgm:txEffectClrLst/>
+  </dgm:styleLbl>
+  <dgm:styleLbl name="parChTrans2D3">
+    <dgm:fillClrLst meth="repeat">
+      <a:schemeClr val="accent1">
+        <a:tint val="70000"/>
+      </a:schemeClr>
+    </dgm:fillClrLst>
+    <dgm:linClrLst meth="repeat">
+      <a:schemeClr val="accent1">
+        <a:tint val="70000"/>
+      </a:schemeClr>
+    </dgm:linClrLst>
+    <dgm:effectClrLst/>
+    <dgm:txLinClrLst/>
+    <dgm:txFillClrLst/>
+    <dgm:txEffectClrLst/>
+  </dgm:styleLbl>
+  <dgm:styleLbl name="parChTrans2D4">
+    <dgm:fillClrLst meth="repeat">
+      <a:schemeClr val="accent1">
+        <a:tint val="50000"/>
+      </a:schemeClr>
+    </dgm:fillClrLst>
+    <dgm:linClrLst meth="repeat">
+      <a:schemeClr val="accent1">
+        <a:tint val="50000"/>
       </a:schemeClr>
     </dgm:linClrLst>
     <dgm:effectClrLst/>
@@ -648,19 +819,76 @@
     </dgm:txFillClrLst>
     <dgm:txEffectClrLst/>
   </dgm:styleLbl>
-  <dgm:styleLbl name="conFgAcc1">
+  <dgm:styleLbl name="revTx">
     <dgm:fillClrLst meth="repeat">
       <a:schemeClr val="lt1">
-        <a:alpha val="90000"/>
+        <a:alpha val="0"/>
+      </a:schemeClr>
+    </dgm:fillClrLst>
+    <dgm:linClrLst meth="repeat">
+      <a:schemeClr val="dk1">
+        <a:alpha val="0"/>
+      </a:schemeClr>
+    </dgm:linClrLst>
+    <dgm:effectClrLst/>
+    <dgm:txLinClrLst/>
+    <dgm:txFillClrLst meth="repeat">
+      <a:schemeClr val="tx1"/>
+    </dgm:txFillClrLst>
+    <dgm:txEffectClrLst/>
+  </dgm:styleLbl>
+  <dgm:styleLbl name="sibTrans1D1">
+    <dgm:fillClrLst meth="cycle">
+      <a:schemeClr val="accent1">
+        <a:shade val="90000"/>
+      </a:schemeClr>
+      <a:schemeClr val="accent1">
+        <a:tint val="50000"/>
       </a:schemeClr>
     </dgm:fillClrLst>
     <dgm:linClrLst meth="cycle">
       <a:schemeClr val="accent1">
-        <a:shade val="50000"/>
+        <a:shade val="90000"/>
       </a:schemeClr>
       <a:schemeClr val="accent1">
-        <a:tint val="55000"/>
+        <a:tint val="50000"/>
       </a:schemeClr>
+    </dgm:linClrLst>
+    <dgm:effectClrLst/>
+    <dgm:txLinClrLst/>
+    <dgm:txFillClrLst meth="repeat">
+      <a:schemeClr val="tx1"/>
+    </dgm:txFillClrLst>
+    <dgm:txEffectClrLst/>
+  </dgm:styleLbl>
+  <dgm:styleLbl name="sibTrans2D1">
+    <dgm:fillClrLst meth="cycle">
+      <a:schemeClr val="accent1">
+        <a:shade val="90000"/>
+      </a:schemeClr>
+      <a:schemeClr val="accent1">
+        <a:tint val="50000"/>
+      </a:schemeClr>
+    </dgm:fillClrLst>
+    <dgm:linClrLst meth="cycle">
+      <a:schemeClr val="accent1">
+        <a:shade val="90000"/>
+      </a:schemeClr>
+      <a:schemeClr val="accent1">
+        <a:tint val="50000"/>
+      </a:schemeClr>
+    </dgm:linClrLst>
+    <dgm:effectClrLst/>
+    <dgm:txLinClrLst/>
+    <dgm:txFillClrLst/>
+    <dgm:txEffectClrLst/>
+  </dgm:styleLbl>
+  <dgm:styleLbl name="solidAlignAcc1">
+    <dgm:fillClrLst meth="repeat">
+      <a:schemeClr val="lt1"/>
+    </dgm:fillClrLst>
+    <dgm:linClrLst meth="repeat">
+      <a:schemeClr val="accent1"/>
     </dgm:linClrLst>
     <dgm:effectClrLst/>
     <dgm:txLinClrLst/>
@@ -669,11 +897,23 @@
     </dgm:txFillClrLst>
     <dgm:txEffectClrLst/>
   </dgm:styleLbl>
-  <dgm:styleLbl name="alignAcc1">
+  <dgm:styleLbl name="solidBgAcc1">
     <dgm:fillClrLst meth="repeat">
-      <a:schemeClr val="lt1">
-        <a:alpha val="90000"/>
-      </a:schemeClr>
+      <a:schemeClr val="lt1"/>
+    </dgm:fillClrLst>
+    <dgm:linClrLst meth="repeat">
+      <a:schemeClr val="accent1"/>
+    </dgm:linClrLst>
+    <dgm:effectClrLst/>
+    <dgm:txLinClrLst/>
+    <dgm:txFillClrLst meth="repeat">
+      <a:schemeClr val="dk1"/>
+    </dgm:txFillClrLst>
+    <dgm:txEffectClrLst/>
+  </dgm:styleLbl>
+  <dgm:styleLbl name="solidFgAcc1">
+    <dgm:fillClrLst meth="repeat">
+      <a:schemeClr val="lt1"/>
     </dgm:fillClrLst>
     <dgm:linClrLst meth="cycle">
       <a:schemeClr val="accent1">
@@ -706,235 +946,6 @@
     </dgm:txFillClrLst>
     <dgm:txEffectClrLst/>
   </dgm:styleLbl>
-  <dgm:styleLbl name="bgAcc1">
-    <dgm:fillClrLst meth="repeat">
-      <a:schemeClr val="lt1">
-        <a:alpha val="90000"/>
-      </a:schemeClr>
-    </dgm:fillClrLst>
-    <dgm:linClrLst meth="cycle">
-      <a:schemeClr val="accent1">
-        <a:shade val="50000"/>
-      </a:schemeClr>
-      <a:schemeClr val="accent1">
-        <a:tint val="55000"/>
-      </a:schemeClr>
-    </dgm:linClrLst>
-    <dgm:effectClrLst/>
-    <dgm:txLinClrLst/>
-    <dgm:txFillClrLst meth="repeat">
-      <a:schemeClr val="dk1"/>
-    </dgm:txFillClrLst>
-    <dgm:txEffectClrLst/>
-  </dgm:styleLbl>
-  <dgm:styleLbl name="solidFgAcc1">
-    <dgm:fillClrLst meth="repeat">
-      <a:schemeClr val="lt1"/>
-    </dgm:fillClrLst>
-    <dgm:linClrLst meth="cycle">
-      <a:schemeClr val="accent1">
-        <a:shade val="50000"/>
-      </a:schemeClr>
-      <a:schemeClr val="accent1">
-        <a:tint val="55000"/>
-      </a:schemeClr>
-    </dgm:linClrLst>
-    <dgm:effectClrLst/>
-    <dgm:txLinClrLst/>
-    <dgm:txFillClrLst meth="repeat">
-      <a:schemeClr val="dk1"/>
-    </dgm:txFillClrLst>
-    <dgm:txEffectClrLst/>
-  </dgm:styleLbl>
-  <dgm:styleLbl name="solidAlignAcc1">
-    <dgm:fillClrLst meth="repeat">
-      <a:schemeClr val="lt1"/>
-    </dgm:fillClrLst>
-    <dgm:linClrLst meth="repeat">
-      <a:schemeClr val="accent1"/>
-    </dgm:linClrLst>
-    <dgm:effectClrLst/>
-    <dgm:txLinClrLst/>
-    <dgm:txFillClrLst meth="repeat">
-      <a:schemeClr val="dk1"/>
-    </dgm:txFillClrLst>
-    <dgm:txEffectClrLst/>
-  </dgm:styleLbl>
-  <dgm:styleLbl name="solidBgAcc1">
-    <dgm:fillClrLst meth="repeat">
-      <a:schemeClr val="lt1"/>
-    </dgm:fillClrLst>
-    <dgm:linClrLst meth="repeat">
-      <a:schemeClr val="accent1"/>
-    </dgm:linClrLst>
-    <dgm:effectClrLst/>
-    <dgm:txLinClrLst/>
-    <dgm:txFillClrLst meth="repeat">
-      <a:schemeClr val="dk1"/>
-    </dgm:txFillClrLst>
-    <dgm:txEffectClrLst/>
-  </dgm:styleLbl>
-  <dgm:styleLbl name="fgAccFollowNode1">
-    <dgm:fillClrLst meth="repeat">
-      <a:schemeClr val="accent1">
-        <a:alpha val="90000"/>
-        <a:tint val="55000"/>
-      </a:schemeClr>
-    </dgm:fillClrLst>
-    <dgm:linClrLst meth="repeat">
-      <a:schemeClr val="accent1">
-        <a:alpha val="90000"/>
-        <a:tint val="55000"/>
-      </a:schemeClr>
-    </dgm:linClrLst>
-    <dgm:effectClrLst/>
-    <dgm:txLinClrLst/>
-    <dgm:txFillClrLst meth="repeat">
-      <a:schemeClr val="dk1"/>
-    </dgm:txFillClrLst>
-    <dgm:txEffectClrLst/>
-  </dgm:styleLbl>
-  <dgm:styleLbl name="alignAccFollowNode1">
-    <dgm:fillClrLst meth="repeat">
-      <a:schemeClr val="accent1">
-        <a:alpha val="90000"/>
-        <a:tint val="55000"/>
-      </a:schemeClr>
-    </dgm:fillClrLst>
-    <dgm:linClrLst meth="repeat">
-      <a:schemeClr val="accent1">
-        <a:alpha val="90000"/>
-        <a:tint val="55000"/>
-      </a:schemeClr>
-    </dgm:linClrLst>
-    <dgm:effectClrLst/>
-    <dgm:txLinClrLst/>
-    <dgm:txFillClrLst meth="repeat">
-      <a:schemeClr val="dk1"/>
-    </dgm:txFillClrLst>
-    <dgm:txEffectClrLst/>
-  </dgm:styleLbl>
-  <dgm:styleLbl name="bgAccFollowNode1">
-    <dgm:fillClrLst meth="repeat">
-      <a:schemeClr val="accent1">
-        <a:alpha val="90000"/>
-        <a:tint val="55000"/>
-      </a:schemeClr>
-    </dgm:fillClrLst>
-    <dgm:linClrLst meth="repeat">
-      <a:schemeClr val="lt1"/>
-    </dgm:linClrLst>
-    <dgm:effectClrLst/>
-    <dgm:txLinClrLst/>
-    <dgm:txFillClrLst meth="repeat">
-      <a:schemeClr val="dk1"/>
-    </dgm:txFillClrLst>
-    <dgm:txEffectClrLst/>
-  </dgm:styleLbl>
-  <dgm:styleLbl name="fgAcc0">
-    <dgm:fillClrLst meth="repeat">
-      <a:schemeClr val="lt1">
-        <a:alpha val="90000"/>
-      </a:schemeClr>
-    </dgm:fillClrLst>
-    <dgm:linClrLst meth="repeat">
-      <a:schemeClr val="accent1">
-        <a:shade val="80000"/>
-      </a:schemeClr>
-    </dgm:linClrLst>
-    <dgm:effectClrLst/>
-    <dgm:txLinClrLst/>
-    <dgm:txFillClrLst meth="repeat">
-      <a:schemeClr val="dk1"/>
-    </dgm:txFillClrLst>
-    <dgm:txEffectClrLst/>
-  </dgm:styleLbl>
-  <dgm:styleLbl name="fgAcc2">
-    <dgm:fillClrLst meth="repeat">
-      <a:schemeClr val="lt1">
-        <a:alpha val="90000"/>
-      </a:schemeClr>
-    </dgm:fillClrLst>
-    <dgm:linClrLst meth="repeat">
-      <a:schemeClr val="accent1">
-        <a:tint val="90000"/>
-      </a:schemeClr>
-    </dgm:linClrLst>
-    <dgm:effectClrLst/>
-    <dgm:txLinClrLst/>
-    <dgm:txFillClrLst meth="repeat">
-      <a:schemeClr val="dk1"/>
-    </dgm:txFillClrLst>
-    <dgm:txEffectClrLst/>
-  </dgm:styleLbl>
-  <dgm:styleLbl name="fgAcc3">
-    <dgm:fillClrLst meth="repeat">
-      <a:schemeClr val="lt1">
-        <a:alpha val="90000"/>
-      </a:schemeClr>
-    </dgm:fillClrLst>
-    <dgm:linClrLst meth="repeat">
-      <a:schemeClr val="accent1">
-        <a:tint val="70000"/>
-      </a:schemeClr>
-    </dgm:linClrLst>
-    <dgm:effectClrLst/>
-    <dgm:txLinClrLst/>
-    <dgm:txFillClrLst meth="repeat">
-      <a:schemeClr val="dk1"/>
-    </dgm:txFillClrLst>
-    <dgm:txEffectClrLst/>
-  </dgm:styleLbl>
-  <dgm:styleLbl name="fgAcc4">
-    <dgm:fillClrLst meth="repeat">
-      <a:schemeClr val="lt1">
-        <a:alpha val="90000"/>
-      </a:schemeClr>
-    </dgm:fillClrLst>
-    <dgm:linClrLst meth="repeat">
-      <a:schemeClr val="accent1">
-        <a:tint val="50000"/>
-      </a:schemeClr>
-    </dgm:linClrLst>
-    <dgm:effectClrLst/>
-    <dgm:txLinClrLst/>
-    <dgm:txFillClrLst meth="repeat">
-      <a:schemeClr val="dk1"/>
-    </dgm:txFillClrLst>
-    <dgm:txEffectClrLst/>
-  </dgm:styleLbl>
-  <dgm:styleLbl name="bgShp">
-    <dgm:fillClrLst meth="repeat">
-      <a:schemeClr val="accent1">
-        <a:tint val="55000"/>
-      </a:schemeClr>
-    </dgm:fillClrLst>
-    <dgm:linClrLst meth="repeat">
-      <a:schemeClr val="dk1"/>
-    </dgm:linClrLst>
-    <dgm:effectClrLst/>
-    <dgm:txLinClrLst/>
-    <dgm:txFillClrLst meth="repeat">
-      <a:schemeClr val="dk1"/>
-    </dgm:txFillClrLst>
-    <dgm:txEffectClrLst/>
-  </dgm:styleLbl>
-  <dgm:styleLbl name="dkBgShp">
-    <dgm:fillClrLst meth="repeat">
-      <a:schemeClr val="accent1">
-        <a:shade val="90000"/>
-      </a:schemeClr>
-    </dgm:fillClrLst>
-    <dgm:linClrLst meth="repeat">
-      <a:schemeClr val="dk1"/>
-    </dgm:linClrLst>
-    <dgm:effectClrLst/>
-    <dgm:txLinClrLst/>
-    <dgm:txFillClrLst meth="repeat">
-      <a:schemeClr val="lt1"/>
-    </dgm:txFillClrLst>
-    <dgm:txEffectClrLst/>
-  </dgm:styleLbl>
   <dgm:styleLbl name="trBgShp">
     <dgm:fillClrLst meth="repeat">
       <a:schemeClr val="accent1">
@@ -952,10 +963,15 @@
     </dgm:txFillClrLst>
     <dgm:txEffectClrLst/>
   </dgm:styleLbl>
-  <dgm:styleLbl name="fgShp">
-    <dgm:fillClrLst meth="repeat">
+  <dgm:styleLbl name="vennNode1">
+    <dgm:fillClrLst meth="cycle">
       <a:schemeClr val="accent1">
-        <a:tint val="55000"/>
+        <a:shade val="80000"/>
+        <a:alpha val="50000"/>
+      </a:schemeClr>
+      <a:schemeClr val="accent1">
+        <a:tint val="50000"/>
+        <a:alpha val="50000"/>
       </a:schemeClr>
     </dgm:fillClrLst>
     <dgm:linClrLst meth="repeat">
@@ -963,27 +979,7 @@
     </dgm:linClrLst>
     <dgm:effectClrLst/>
     <dgm:txLinClrLst/>
-    <dgm:txFillClrLst meth="repeat">
-      <a:schemeClr val="dk1"/>
-    </dgm:txFillClrLst>
-    <dgm:txEffectClrLst/>
-  </dgm:styleLbl>
-  <dgm:styleLbl name="revTx">
-    <dgm:fillClrLst meth="repeat">
-      <a:schemeClr val="lt1">
-        <a:alpha val="0"/>
-      </a:schemeClr>
-    </dgm:fillClrLst>
-    <dgm:linClrLst meth="repeat">
-      <a:schemeClr val="dk1">
-        <a:alpha val="0"/>
-      </a:schemeClr>
-    </dgm:linClrLst>
-    <dgm:effectClrLst/>
-    <dgm:txLinClrLst/>
-    <dgm:txFillClrLst meth="repeat">
-      <a:schemeClr val="tx1"/>
-    </dgm:txFillClrLst>
+    <dgm:txFillClrLst/>
     <dgm:txEffectClrLst/>
   </dgm:styleLbl>
 </dgm:colorsDef>
@@ -1018,7 +1014,7 @@
         </a:p>
       </dgm:t>
     </dgm:pt>
-    <dgm:pt modelId="{8DAD2D49-E4DD-4CE3-87C2-88174AF23766}" type="parTrans" cxnId="{8A044473-C56B-48E5-8BFD-040C462854F0}">
+    <dgm:pt modelId="{8DAD2D49-E4DD-4CE3-87C2-88174AF23766}" cxnId="{F8259468-AC07-45DC-B89C-F4B4AA00734B}" type="parTrans">
       <dgm:prSet/>
       <dgm:spPr/>
       <dgm:t>
@@ -1029,7 +1025,7 @@
         </a:p>
       </dgm:t>
     </dgm:pt>
-    <dgm:pt modelId="{F9A253D2-6D09-4969-A9B4-B0525065A266}" type="sibTrans" cxnId="{8A044473-C56B-48E5-8BFD-040C462854F0}">
+    <dgm:pt modelId="{F9A253D2-6D09-4969-A9B4-B0525065A266}" cxnId="{F8259468-AC07-45DC-B89C-F4B4AA00734B}" type="sibTrans">
       <dgm:prSet/>
       <dgm:spPr/>
       <dgm:t>
@@ -1055,7 +1051,7 @@
         </a:p>
       </dgm:t>
     </dgm:pt>
-    <dgm:pt modelId="{1E1609D1-BB95-4265-B047-B9D9F259E5C8}" type="parTrans" cxnId="{9F036E58-62E8-4DBD-ACB2-362239C652AF}">
+    <dgm:pt modelId="{1E1609D1-BB95-4265-B047-B9D9F259E5C8}" cxnId="{CF2492EA-C3B8-427A-8C45-DB965B9EC79C}" type="parTrans">
       <dgm:prSet/>
       <dgm:spPr/>
       <dgm:t>
@@ -1066,7 +1062,44 @@
         </a:p>
       </dgm:t>
     </dgm:pt>
-    <dgm:pt modelId="{6B58E90C-C540-42FE-A1A4-86B03801960D}" type="sibTrans" cxnId="{9F036E58-62E8-4DBD-ACB2-362239C652AF}">
+    <dgm:pt modelId="{6B58E90C-C540-42FE-A1A4-86B03801960D}" cxnId="{CF2492EA-C3B8-427A-8C45-DB965B9EC79C}" type="sibTrans">
+      <dgm:prSet/>
+      <dgm:spPr/>
+      <dgm:t>
+        <a:bodyPr/>
+        <a:lstStyle/>
+        <a:p>
+          <a:endParaRPr lang="en-US"/>
+        </a:p>
+      </dgm:t>
+    </dgm:pt>
+    <dgm:pt modelId="{FC16C62B-5E31-458F-8FE7-72A441194C46}">
+      <dgm:prSet phldrT="[Text]" custT="1"/>
+      <dgm:spPr/>
+      <dgm:t>
+        <a:bodyPr/>
+        <a:lstStyle/>
+        <a:p>
+          <a:r>
+            <a:rPr lang="en-US" sz="1400" b="0" i="0" dirty="0" smtClean="0"/>
+            <a:t>Often used in narrative storytelling</a:t>
+          </a:r>
+          <a:endParaRPr lang="en-US" sz="1400" dirty="0"/>
+        </a:p>
+      </dgm:t>
+    </dgm:pt>
+    <dgm:pt modelId="{C2B8992C-0863-425C-B815-5638207C7793}" cxnId="{417C99B2-115C-49A1-8D9B-306732953428}" type="parTrans">
+      <dgm:prSet/>
+      <dgm:spPr/>
+      <dgm:t>
+        <a:bodyPr/>
+        <a:lstStyle/>
+        <a:p>
+          <a:endParaRPr lang="en-US"/>
+        </a:p>
+      </dgm:t>
+    </dgm:pt>
+    <dgm:pt modelId="{5F40931F-0866-4A24-B297-A2A6E3986E7D}" cxnId="{417C99B2-115C-49A1-8D9B-306732953428}" type="sibTrans">
       <dgm:prSet/>
       <dgm:spPr/>
       <dgm:t>
@@ -1078,21 +1111,35 @@
       </dgm:t>
     </dgm:pt>
     <dgm:pt modelId="{5BA40FE2-D47A-4811-B7C8-B8C3911AAA26}">
-      <dgm:prSet phldrT="[Text]" custT="1"/>
+      <dgm:prSet phldrT="[Text]" phldr="0" custT="1"/>
       <dgm:spPr/>
       <dgm:t>
-        <a:bodyPr/>
-        <a:lstStyle/>
+        <a:bodyPr vert="horz" wrap="square"/>
         <a:p>
+          <a:pPr>
+            <a:lnSpc>
+              <a:spcPct val="100000"/>
+            </a:lnSpc>
+            <a:spcBef>
+              <a:spcPct val="0"/>
+            </a:spcBef>
+            <a:spcAft>
+              <a:spcPct val="35000"/>
+            </a:spcAft>
+          </a:pPr>
           <a:r>
             <a:rPr lang="en-US" sz="1600" dirty="0" err="1" smtClean="0"/>
             <a:t>Hyoshigi</a:t>
+          </a:r>
+          <a:r>
+            <a:rPr lang="en-US" sz="1400" dirty="0"/>
+            <a:t/>
           </a:r>
           <a:endParaRPr lang="en-US" sz="1400" dirty="0"/>
         </a:p>
       </dgm:t>
     </dgm:pt>
-    <dgm:pt modelId="{8E6F9EF6-C656-450D-B257-D16C66EE694F}" type="parTrans" cxnId="{0088644A-2BFB-4B92-B990-992882754824}">
+    <dgm:pt modelId="{8E6F9EF6-C656-450D-B257-D16C66EE694F}" cxnId="{E44E3BE0-6EA0-460B-B8FC-DACEE9429A90}" type="parTrans">
       <dgm:prSet/>
       <dgm:spPr/>
       <dgm:t>
@@ -1103,7 +1150,7 @@
         </a:p>
       </dgm:t>
     </dgm:pt>
-    <dgm:pt modelId="{6676A604-980B-46D2-B095-86864A56A42F}" type="sibTrans" cxnId="{0088644A-2BFB-4B92-B990-992882754824}">
+    <dgm:pt modelId="{6676A604-980B-46D2-B095-86864A56A42F}" cxnId="{E44E3BE0-6EA0-460B-B8FC-DACEE9429A90}" type="sibTrans">
       <dgm:prSet/>
       <dgm:spPr/>
       <dgm:t>
@@ -1114,42 +1161,87 @@
         </a:p>
       </dgm:t>
     </dgm:pt>
-    <dgm:pt modelId="{7AE5CB74-B365-4514-BDB7-7C069F9A5BFC}">
-      <dgm:prSet phldrT="[Text]" custT="1"/>
+    <dgm:pt modelId="{1327C497-9572-4477-A90A-6EB8541EF0D3}">
+      <dgm:prSet phldr="0" custT="1"/>
       <dgm:spPr/>
       <dgm:t>
-        <a:bodyPr/>
-        <a:lstStyle/>
+        <a:bodyPr vert="horz" wrap="square"/>
         <a:p>
+          <a:pPr>
+            <a:lnSpc>
+              <a:spcPct val="100000"/>
+            </a:lnSpc>
+            <a:spcBef>
+              <a:spcPct val="0"/>
+            </a:spcBef>
+            <a:spcAft>
+              <a:spcPct val="15000"/>
+            </a:spcAft>
+          </a:pPr>
           <a:r>
             <a:rPr lang="en-US" sz="1100" b="0" i="0" dirty="0" smtClean="0"/>
             <a:t> Consisting of two pieces of wood connected by a thin ornamental rope. </a:t>
+          </a:r>
+          <a:r>
+            <a:rPr lang="en-US" sz="1100" dirty="0"/>
+            <a:t/>
           </a:r>
           <a:endParaRPr lang="en-US" sz="1100" dirty="0"/>
         </a:p>
       </dgm:t>
     </dgm:pt>
-    <dgm:pt modelId="{B12045DC-9142-4FC9-9ED6-6CFF293230A3}" type="parTrans" cxnId="{077FC95A-3747-4BC4-A550-D59F850DE44B}">
+    <dgm:pt modelId="{F89CF766-B01C-486C-9052-F13AF7C53CD0}" cxnId="{D12810E9-D2E2-4107-BC38-4A38B6B6B775}" type="parTrans">
       <dgm:prSet/>
       <dgm:spPr/>
+    </dgm:pt>
+    <dgm:pt modelId="{06F16433-06EC-4035-ABD1-FC8EC014A8DB}" cxnId="{D12810E9-D2E2-4107-BC38-4A38B6B6B775}" type="sibTrans">
+      <dgm:prSet/>
+      <dgm:spPr/>
+    </dgm:pt>
+    <dgm:pt modelId="{9357673F-9615-47E1-9113-11167FFD9E22}">
+      <dgm:prSet phldr="0" custT="1"/>
+      <dgm:spPr/>
       <dgm:t>
-        <a:bodyPr/>
-        <a:lstStyle/>
+        <a:bodyPr vert="horz" wrap="square"/>
         <a:p>
-          <a:endParaRPr lang="en-US"/>
+          <a:pPr>
+            <a:lnSpc>
+              <a:spcPct val="100000"/>
+            </a:lnSpc>
+            <a:spcBef>
+              <a:spcPct val="0"/>
+            </a:spcBef>
+            <a:spcAft>
+              <a:spcPct val="15000"/>
+            </a:spcAft>
+          </a:pPr>
+          <a:r>
+            <a:rPr lang="en-US" sz="1100" b="0" i="0" dirty="0" smtClean="0"/>
+            <a:t> </a:t>
+          </a:r>
+          <a:r>
+            <a:rPr lang="en-IN" altLang="en-US" sz="1100" b="0" i="0" dirty="0" smtClean="0"/>
+            <a:t>U</a:t>
+          </a:r>
+          <a:r>
+            <a:rPr lang="en-US" sz="1100" b="0" i="0" dirty="0" smtClean="0"/>
+            <a:t>sed in traditional theaters in Japan to announce the beginning of a performance.</a:t>
+          </a:r>
+          <a:r>
+            <a:rPr lang="en-US" sz="1100" dirty="0"/>
+            <a:t/>
+          </a:r>
+          <a:endParaRPr lang="en-US" sz="1100" dirty="0"/>
         </a:p>
       </dgm:t>
     </dgm:pt>
-    <dgm:pt modelId="{DE05A809-9F61-48A5-8D96-D9DE9392F3A3}" type="sibTrans" cxnId="{077FC95A-3747-4BC4-A550-D59F850DE44B}">
+    <dgm:pt modelId="{903C424A-B5C6-4967-8BBB-27882E422ABA}" cxnId="{552B0810-C521-44D7-9F5A-6C029A9C7D3E}" type="parTrans">
       <dgm:prSet/>
       <dgm:spPr/>
-      <dgm:t>
-        <a:bodyPr/>
-        <a:lstStyle/>
-        <a:p>
-          <a:endParaRPr lang="en-US"/>
-        </a:p>
-      </dgm:t>
+    </dgm:pt>
+    <dgm:pt modelId="{367030EF-B5F1-4717-AA27-EDAB24A7FA9A}" cxnId="{552B0810-C521-44D7-9F5A-6C029A9C7D3E}" type="sibTrans">
+      <dgm:prSet/>
+      <dgm:spPr/>
     </dgm:pt>
     <dgm:pt modelId="{082C48A3-3EA9-4CD6-ADA0-117B0641E237}">
       <dgm:prSet phldrT="[Text]" custT="1"/>
@@ -1166,7 +1258,7 @@
         </a:p>
       </dgm:t>
     </dgm:pt>
-    <dgm:pt modelId="{29E6675F-6006-4F27-9F63-36A0497A8676}" type="parTrans" cxnId="{7560AE60-77A4-428A-852A-85760FEDB221}">
+    <dgm:pt modelId="{29E6675F-6006-4F27-9F63-36A0497A8676}" cxnId="{6C7418A8-3E0F-41F8-8ED0-009D37276925}" type="parTrans">
       <dgm:prSet/>
       <dgm:spPr/>
       <dgm:t>
@@ -1177,7 +1269,7 @@
         </a:p>
       </dgm:t>
     </dgm:pt>
-    <dgm:pt modelId="{92E34029-C197-4E39-8243-264DECC9F22F}" type="sibTrans" cxnId="{7560AE60-77A4-428A-852A-85760FEDB221}">
+    <dgm:pt modelId="{92E34029-C197-4E39-8243-264DECC9F22F}" cxnId="{6C7418A8-3E0F-41F8-8ED0-009D37276925}" type="sibTrans">
       <dgm:prSet/>
       <dgm:spPr/>
       <dgm:t>
@@ -1203,7 +1295,7 @@
         </a:p>
       </dgm:t>
     </dgm:pt>
-    <dgm:pt modelId="{7804BC05-DA99-4BF1-A5D2-6944E7F84498}" type="parTrans" cxnId="{7E8122B0-DFE2-496B-BD51-CF31E269C756}">
+    <dgm:pt modelId="{7804BC05-DA99-4BF1-A5D2-6944E7F84498}" cxnId="{656BCCC3-7490-4E58-BB99-D7A577D73F13}" type="parTrans">
       <dgm:prSet/>
       <dgm:spPr/>
       <dgm:t>
@@ -1214,7 +1306,7 @@
         </a:p>
       </dgm:t>
     </dgm:pt>
-    <dgm:pt modelId="{BEB0C490-3A12-4794-B021-24BA67D6C1F4}" type="sibTrans" cxnId="{7E8122B0-DFE2-496B-BD51-CF31E269C756}">
+    <dgm:pt modelId="{BEB0C490-3A12-4794-B021-24BA67D6C1F4}" cxnId="{656BCCC3-7490-4E58-BB99-D7A577D73F13}" type="sibTrans">
       <dgm:prSet/>
       <dgm:spPr/>
       <dgm:t>
@@ -1240,7 +1332,7 @@
         </a:p>
       </dgm:t>
     </dgm:pt>
-    <dgm:pt modelId="{F2A498E7-72C1-429E-9F68-CE3D99399AF9}" type="parTrans" cxnId="{155CDD4E-C60C-4AE0-8873-66B2FD61456F}">
+    <dgm:pt modelId="{F2A498E7-72C1-429E-9F68-CE3D99399AF9}" cxnId="{6B4F7D97-C10E-426B-9D13-7028132BAF11}" type="parTrans">
       <dgm:prSet/>
       <dgm:spPr/>
       <dgm:t>
@@ -1251,7 +1343,7 @@
         </a:p>
       </dgm:t>
     </dgm:pt>
-    <dgm:pt modelId="{2FD2C5A8-7354-4920-9D11-0E31197683B5}" type="sibTrans" cxnId="{155CDD4E-C60C-4AE0-8873-66B2FD61456F}">
+    <dgm:pt modelId="{2FD2C5A8-7354-4920-9D11-0E31197683B5}" cxnId="{6B4F7D97-C10E-426B-9D13-7028132BAF11}" type="sibTrans">
       <dgm:prSet/>
       <dgm:spPr/>
       <dgm:t>
@@ -1281,7 +1373,7 @@
         </a:p>
       </dgm:t>
     </dgm:pt>
-    <dgm:pt modelId="{51D43371-0E1F-401C-A358-BFD6995B8B57}" type="parTrans" cxnId="{21957737-ACE8-4CD9-BC00-544BA3981019}">
+    <dgm:pt modelId="{51D43371-0E1F-401C-A358-BFD6995B8B57}" cxnId="{AB2E59C4-40A8-4A54-B3C8-BE2F3C57F142}" type="parTrans">
       <dgm:prSet/>
       <dgm:spPr/>
       <dgm:t>
@@ -1292,7 +1384,7 @@
         </a:p>
       </dgm:t>
     </dgm:pt>
-    <dgm:pt modelId="{4D938202-FD48-4F15-9749-ACF6B33A4BFE}" type="sibTrans" cxnId="{21957737-ACE8-4CD9-BC00-544BA3981019}">
+    <dgm:pt modelId="{4D938202-FD48-4F15-9749-ACF6B33A4BFE}" cxnId="{AB2E59C4-40A8-4A54-B3C8-BE2F3C57F142}" type="sibTrans">
       <dgm:prSet/>
       <dgm:spPr/>
       <dgm:t>
@@ -1318,7 +1410,7 @@
         </a:p>
       </dgm:t>
     </dgm:pt>
-    <dgm:pt modelId="{6A61D32A-0E7D-44C0-A8DD-03E1C659D184}" type="parTrans" cxnId="{136F9958-565C-47A7-B155-CFF8F33586E5}">
+    <dgm:pt modelId="{6A61D32A-0E7D-44C0-A8DD-03E1C659D184}" cxnId="{21A07541-FE36-44F3-8E82-0036CE6618FD}" type="parTrans">
       <dgm:prSet/>
       <dgm:spPr/>
       <dgm:t>
@@ -1329,7 +1421,7 @@
         </a:p>
       </dgm:t>
     </dgm:pt>
-    <dgm:pt modelId="{E66FAF31-D979-4D2D-A585-5BF90A8D4CDF}" type="sibTrans" cxnId="{136F9958-565C-47A7-B155-CFF8F33586E5}">
+    <dgm:pt modelId="{E66FAF31-D979-4D2D-A585-5BF90A8D4CDF}" cxnId="{21A07541-FE36-44F3-8E82-0036CE6618FD}" type="sibTrans">
       <dgm:prSet/>
       <dgm:spPr/>
       <dgm:t>
@@ -1359,7 +1451,7 @@
         </a:p>
       </dgm:t>
     </dgm:pt>
-    <dgm:pt modelId="{08129550-D094-4662-B21B-18BA72801BD8}" type="parTrans" cxnId="{8C347AF7-32B5-4E17-9BB8-3CB3FD983558}">
+    <dgm:pt modelId="{08129550-D094-4662-B21B-18BA72801BD8}" cxnId="{89E6605F-AC53-4A45-B004-B98B5951BFC4}" type="parTrans">
       <dgm:prSet/>
       <dgm:spPr/>
       <dgm:t>
@@ -1370,7 +1462,52 @@
         </a:p>
       </dgm:t>
     </dgm:pt>
-    <dgm:pt modelId="{28CE9608-BA66-4495-A075-AD65099ADE1F}" type="sibTrans" cxnId="{8C347AF7-32B5-4E17-9BB8-3CB3FD983558}">
+    <dgm:pt modelId="{28CE9608-BA66-4495-A075-AD65099ADE1F}" cxnId="{89E6605F-AC53-4A45-B004-B98B5951BFC4}" type="sibTrans">
+      <dgm:prSet/>
+      <dgm:spPr/>
+      <dgm:t>
+        <a:bodyPr/>
+        <a:lstStyle/>
+        <a:p>
+          <a:endParaRPr lang="en-US"/>
+        </a:p>
+      </dgm:t>
+    </dgm:pt>
+    <dgm:pt modelId="{34DD99C2-0CBC-431F-988A-FA1CC7F1265A}">
+      <dgm:prSet phldrT="[Text]" custT="1"/>
+      <dgm:spPr/>
+      <dgm:t>
+        <a:bodyPr/>
+        <a:lstStyle/>
+        <a:p>
+          <a:r>
+            <a:rPr lang="en-US" sz="1200" b="0" i="0" dirty="0" smtClean="0"/>
+            <a:t> 180 centimeters length, and made from </a:t>
+          </a:r>
+          <a:r>
+            <a:rPr lang="en-US" sz="1200" b="0" i="0" dirty="0" err="1" smtClean="0"/>
+            <a:t>kiri</a:t>
+          </a:r>
+          <a:r>
+            <a:rPr lang="en-US" sz="1200" b="0" i="0" dirty="0" smtClean="0"/>
+            <a:t> wood. 13 strings.</a:t>
+          </a:r>
+          <a:endParaRPr lang="en-US" sz="1200" dirty="0"/>
+        </a:p>
+      </dgm:t>
+    </dgm:pt>
+    <dgm:pt modelId="{80194129-432F-4FE8-84CA-649B085D17F0}" cxnId="{13728E0E-8676-496B-A71A-A8CF6EF8ADE8}" type="parTrans">
+      <dgm:prSet/>
+      <dgm:spPr/>
+      <dgm:t>
+        <a:bodyPr/>
+        <a:lstStyle/>
+        <a:p>
+          <a:endParaRPr lang="en-US"/>
+        </a:p>
+      </dgm:t>
+    </dgm:pt>
+    <dgm:pt modelId="{96B985B5-77C9-4EEE-817F-09C1D61672BE}" cxnId="{13728E0E-8676-496B-A71A-A8CF6EF8ADE8}" type="sibTrans">
       <dgm:prSet/>
       <dgm:spPr/>
       <dgm:t>
@@ -1396,7 +1533,7 @@
         </a:p>
       </dgm:t>
     </dgm:pt>
-    <dgm:pt modelId="{9828315F-E049-49B2-B719-A383495D49C0}" type="parTrans" cxnId="{ED823E03-93EE-40EC-BCFA-76092441EABF}">
+    <dgm:pt modelId="{9828315F-E049-49B2-B719-A383495D49C0}" cxnId="{F88A18E0-3536-4846-BC76-7D54AF64FD90}" type="parTrans">
       <dgm:prSet/>
       <dgm:spPr/>
       <dgm:t>
@@ -1407,7 +1544,7 @@
         </a:p>
       </dgm:t>
     </dgm:pt>
-    <dgm:pt modelId="{906D3D09-CC13-40A1-880F-5374D5BF6BF2}" type="sibTrans" cxnId="{ED823E03-93EE-40EC-BCFA-76092441EABF}">
+    <dgm:pt modelId="{906D3D09-CC13-40A1-880F-5374D5BF6BF2}" cxnId="{F88A18E0-3536-4846-BC76-7D54AF64FD90}" type="sibTrans">
       <dgm:prSet/>
       <dgm:spPr/>
       <dgm:t>
@@ -1441,7 +1578,7 @@
         </a:p>
       </dgm:t>
     </dgm:pt>
-    <dgm:pt modelId="{07633E30-F69C-4886-87F3-292A37DE3F57}" type="parTrans" cxnId="{A55BECEA-4E36-4425-B42F-7FFD06EBFA05}">
+    <dgm:pt modelId="{07633E30-F69C-4886-87F3-292A37DE3F57}" cxnId="{E6AF2053-7406-4FFF-8AB3-4E4DDC72D585}" type="parTrans">
       <dgm:prSet/>
       <dgm:spPr/>
       <dgm:t>
@@ -1452,7 +1589,7 @@
         </a:p>
       </dgm:t>
     </dgm:pt>
-    <dgm:pt modelId="{65C303B3-198A-4347-BD6B-54B69D003ECD}" type="sibTrans" cxnId="{A55BECEA-4E36-4425-B42F-7FFD06EBFA05}">
+    <dgm:pt modelId="{65C303B3-198A-4347-BD6B-54B69D003ECD}" cxnId="{E6AF2053-7406-4FFF-8AB3-4E4DDC72D585}" type="sibTrans">
       <dgm:prSet/>
       <dgm:spPr/>
       <dgm:t>
@@ -1482,7 +1619,7 @@
         </a:p>
       </dgm:t>
     </dgm:pt>
-    <dgm:pt modelId="{06B9D014-6298-44ED-8E1A-18ABD3982378}" type="parTrans" cxnId="{02F2AD96-9F02-4566-8EDC-974E762AA617}">
+    <dgm:pt modelId="{06B9D014-6298-44ED-8E1A-18ABD3982378}" cxnId="{85B2A2D7-26A6-4644-8768-26813DD2F15C}" type="parTrans">
       <dgm:prSet/>
       <dgm:spPr/>
       <dgm:t>
@@ -1493,7 +1630,7 @@
         </a:p>
       </dgm:t>
     </dgm:pt>
-    <dgm:pt modelId="{7149079A-988D-47DB-95A6-11527E08024C}" type="sibTrans" cxnId="{02F2AD96-9F02-4566-8EDC-974E762AA617}">
+    <dgm:pt modelId="{7149079A-988D-47DB-95A6-11527E08024C}" cxnId="{85B2A2D7-26A6-4644-8768-26813DD2F15C}" type="sibTrans">
       <dgm:prSet/>
       <dgm:spPr/>
       <dgm:t>
@@ -1531,7 +1668,7 @@
         </a:p>
       </dgm:t>
     </dgm:pt>
-    <dgm:pt modelId="{D282C0D6-A0D9-47CD-97E7-55F9EFCE8159}" type="parTrans" cxnId="{F03A5253-B8A3-4D92-9F4D-E5FD6A580CF2}">
+    <dgm:pt modelId="{D282C0D6-A0D9-47CD-97E7-55F9EFCE8159}" cxnId="{F003E1CF-8832-4F98-82CE-CDC5FE8771AD}" type="parTrans">
       <dgm:prSet/>
       <dgm:spPr/>
       <dgm:t>
@@ -1542,126 +1679,7 @@
         </a:p>
       </dgm:t>
     </dgm:pt>
-    <dgm:pt modelId="{D47E9ADA-72BD-46D0-BDC8-5EE4FCBD9001}" type="sibTrans" cxnId="{F03A5253-B8A3-4D92-9F4D-E5FD6A580CF2}">
-      <dgm:prSet/>
-      <dgm:spPr/>
-      <dgm:t>
-        <a:bodyPr/>
-        <a:lstStyle/>
-        <a:p>
-          <a:endParaRPr lang="en-US"/>
-        </a:p>
-      </dgm:t>
-    </dgm:pt>
-    <dgm:pt modelId="{FC16C62B-5E31-458F-8FE7-72A441194C46}">
-      <dgm:prSet phldrT="[Text]" custT="1"/>
-      <dgm:spPr/>
-      <dgm:t>
-        <a:bodyPr/>
-        <a:lstStyle/>
-        <a:p>
-          <a:r>
-            <a:rPr lang="en-US" sz="1400" b="0" i="0" dirty="0" smtClean="0"/>
-            <a:t>Often used in narrative storytelling</a:t>
-          </a:r>
-          <a:endParaRPr lang="en-US" sz="1400" dirty="0"/>
-        </a:p>
-      </dgm:t>
-    </dgm:pt>
-    <dgm:pt modelId="{C2B8992C-0863-425C-B815-5638207C7793}" type="parTrans" cxnId="{F63E6A5B-A79E-4359-AD5D-82D91A229428}">
-      <dgm:prSet/>
-      <dgm:spPr/>
-      <dgm:t>
-        <a:bodyPr/>
-        <a:lstStyle/>
-        <a:p>
-          <a:endParaRPr lang="en-US"/>
-        </a:p>
-      </dgm:t>
-    </dgm:pt>
-    <dgm:pt modelId="{5F40931F-0866-4A24-B297-A2A6E3986E7D}" type="sibTrans" cxnId="{F63E6A5B-A79E-4359-AD5D-82D91A229428}">
-      <dgm:prSet/>
-      <dgm:spPr/>
-      <dgm:t>
-        <a:bodyPr/>
-        <a:lstStyle/>
-        <a:p>
-          <a:endParaRPr lang="en-US"/>
-        </a:p>
-      </dgm:t>
-    </dgm:pt>
-    <dgm:pt modelId="{671AFD37-B7B0-42DF-A86E-5171FCDCC7EB}">
-      <dgm:prSet phldrT="[Text]" custT="1"/>
-      <dgm:spPr/>
-      <dgm:t>
-        <a:bodyPr/>
-        <a:lstStyle/>
-        <a:p>
-          <a:r>
-            <a:rPr lang="en-US" sz="1100" b="0" i="0" dirty="0" smtClean="0"/>
-            <a:t> They are used in traditional theaters in Japan to announce the beginning of a performance.</a:t>
-          </a:r>
-          <a:endParaRPr lang="en-US" sz="1100" dirty="0"/>
-        </a:p>
-      </dgm:t>
-    </dgm:pt>
-    <dgm:pt modelId="{EA3D4B88-FCA5-478C-827F-5EF4DBD34907}" type="parTrans" cxnId="{9F966678-DB63-4B40-A13E-D827C40BA26C}">
-      <dgm:prSet/>
-      <dgm:spPr/>
-      <dgm:t>
-        <a:bodyPr/>
-        <a:lstStyle/>
-        <a:p>
-          <a:endParaRPr lang="en-US"/>
-        </a:p>
-      </dgm:t>
-    </dgm:pt>
-    <dgm:pt modelId="{CA274424-BCEC-4893-B029-1F0A5EA806E3}" type="sibTrans" cxnId="{9F966678-DB63-4B40-A13E-D827C40BA26C}">
-      <dgm:prSet/>
-      <dgm:spPr/>
-      <dgm:t>
-        <a:bodyPr/>
-        <a:lstStyle/>
-        <a:p>
-          <a:endParaRPr lang="en-US"/>
-        </a:p>
-      </dgm:t>
-    </dgm:pt>
-    <dgm:pt modelId="{34DD99C2-0CBC-431F-988A-FA1CC7F1265A}">
-      <dgm:prSet phldrT="[Text]" custT="1"/>
-      <dgm:spPr/>
-      <dgm:t>
-        <a:bodyPr/>
-        <a:lstStyle/>
-        <a:p>
-          <a:r>
-            <a:rPr lang="en-US" sz="1200" b="0" i="0" dirty="0" smtClean="0"/>
-            <a:t> 180 centimeters length, and made from </a:t>
-          </a:r>
-          <a:r>
-            <a:rPr lang="en-US" sz="1200" b="0" i="0" dirty="0" err="1" smtClean="0"/>
-            <a:t>kiri</a:t>
-          </a:r>
-          <a:r>
-            <a:rPr lang="en-US" sz="1200" b="0" i="0" dirty="0" smtClean="0"/>
-            <a:t> wood. 13 strings.</a:t>
-          </a:r>
-          <a:endParaRPr lang="en-US" sz="1200" dirty="0"/>
-        </a:p>
-      </dgm:t>
-    </dgm:pt>
-    <dgm:pt modelId="{80194129-432F-4FE8-84CA-649B085D17F0}" type="parTrans" cxnId="{85FE3D65-5B1C-457B-ABD0-A566D01F9480}">
-      <dgm:prSet/>
-      <dgm:spPr/>
-      <dgm:t>
-        <a:bodyPr/>
-        <a:lstStyle/>
-        <a:p>
-          <a:endParaRPr lang="en-US"/>
-        </a:p>
-      </dgm:t>
-    </dgm:pt>
-    <dgm:pt modelId="{96B985B5-77C9-4EEE-817F-09C1D61672BE}" type="sibTrans" cxnId="{85FE3D65-5B1C-457B-ABD0-A566D01F9480}">
+    <dgm:pt modelId="{D47E9ADA-72BD-46D0-BDC8-5EE4FCBD9001}" cxnId="{F003E1CF-8832-4F98-82CE-CDC5FE8771AD}" type="sibTrans">
       <dgm:prSet/>
       <dgm:spPr/>
       <dgm:t>
@@ -1711,16 +1729,9 @@
       <dgm:prSet presAssocID="{B49805AA-1E37-4340-BC9E-E71C5F743E0D}" presName="rect2" presStyleLbl="fgImgPlace1" presStyleIdx="0" presStyleCnt="7"/>
       <dgm:spPr>
         <a:blipFill>
-          <a:blip xmlns:r="http://schemas.openxmlformats.org/officeDocument/2006/relationships" r:embed="rId1">
-            <a:extLst>
-              <a:ext uri="{28A0092B-C50C-407E-A947-70E740481C1C}">
-                <a14:useLocalDpi xmlns:a14="http://schemas.microsoft.com/office/drawing/2010/main" val="0"/>
-              </a:ext>
-            </a:extLst>
-          </a:blip>
-          <a:srcRect/>
+          <a:blip xmlns:r="http://schemas.openxmlformats.org/officeDocument/2006/relationships" r:embed="rId1"/>
           <a:stretch>
-            <a:fillRect t="-10000" b="-10000"/>
+            <a:fillRect/>
           </a:stretch>
         </a:blipFill>
       </dgm:spPr>
@@ -1923,16 +1934,9 @@
       <dgm:prSet presAssocID="{D71F1070-A30C-45F8-A392-A076410FF549}" presName="rect2" presStyleLbl="fgImgPlace1" presStyleIdx="5" presStyleCnt="7"/>
       <dgm:spPr>
         <a:blipFill>
-          <a:blip xmlns:r="http://schemas.openxmlformats.org/officeDocument/2006/relationships" r:embed="rId6">
-            <a:extLst>
-              <a:ext uri="{28A0092B-C50C-407E-A947-70E740481C1C}">
-                <a14:useLocalDpi xmlns:a14="http://schemas.microsoft.com/office/drawing/2010/main" val="0"/>
-              </a:ext>
-            </a:extLst>
-          </a:blip>
-          <a:srcRect/>
+          <a:blip xmlns:r="http://schemas.openxmlformats.org/officeDocument/2006/relationships" r:embed="rId6"/>
           <a:stretch>
-            <a:fillRect t="-93000" b="-93000"/>
+            <a:fillRect/>
           </a:stretch>
         </a:blipFill>
       </dgm:spPr>
@@ -1980,74 +1984,74 @@
     </dgm:pt>
   </dgm:ptLst>
   <dgm:cxnLst>
-    <dgm:cxn modelId="{809690CD-2F15-4085-8B41-82B2EDC51F37}" type="presOf" srcId="{08E9E181-E367-419E-AD23-EF9BB81F92AE}" destId="{6581FC7B-D13B-4A56-A339-04D1B046F02E}" srcOrd="0" destOrd="1" presId="urn:microsoft.com/office/officeart/2008/layout/PictureStrips"/>
-    <dgm:cxn modelId="{F63E6A5B-A79E-4359-AD5D-82D91A229428}" srcId="{B49805AA-1E37-4340-BC9E-E71C5F743E0D}" destId="{FC16C62B-5E31-458F-8FE7-72A441194C46}" srcOrd="1" destOrd="0" parTransId="{C2B8992C-0863-425C-B815-5638207C7793}" sibTransId="{5F40931F-0866-4A24-B297-A2A6E3986E7D}"/>
-    <dgm:cxn modelId="{077FC95A-3747-4BC4-A550-D59F850DE44B}" srcId="{5BA40FE2-D47A-4811-B7C8-B8C3911AAA26}" destId="{7AE5CB74-B365-4514-BDB7-7C069F9A5BFC}" srcOrd="0" destOrd="0" parTransId="{B12045DC-9142-4FC9-9ED6-6CFF293230A3}" sibTransId="{DE05A809-9F61-48A5-8D96-D9DE9392F3A3}"/>
-    <dgm:cxn modelId="{21957737-ACE8-4CD9-BC00-544BA3981019}" srcId="{62531FA5-02E0-403B-8DF0-D209596B579B}" destId="{348F0660-0C0D-4B57-B6D1-7843978D31A8}" srcOrd="0" destOrd="0" parTransId="{51D43371-0E1F-401C-A358-BFD6995B8B57}" sibTransId="{4D938202-FD48-4F15-9749-ACF6B33A4BFE}"/>
-    <dgm:cxn modelId="{136F9958-565C-47A7-B155-CFF8F33586E5}" srcId="{26A23481-02B6-440A-A0B2-B9785EE00DBA}" destId="{29334493-4A1C-4BB1-92D0-4908812C6CD9}" srcOrd="4" destOrd="0" parTransId="{6A61D32A-0E7D-44C0-A8DD-03E1C659D184}" sibTransId="{E66FAF31-D979-4D2D-A585-5BF90A8D4CDF}"/>
-    <dgm:cxn modelId="{5BFD2E17-A719-4FF9-AE46-26A9EBBF0BD5}" type="presOf" srcId="{7AE5CB74-B365-4514-BDB7-7C069F9A5BFC}" destId="{10AEAD18-9B2A-4276-959B-B4A770317AE4}" srcOrd="0" destOrd="1" presId="urn:microsoft.com/office/officeart/2008/layout/PictureStrips"/>
-    <dgm:cxn modelId="{17EBEFC6-FA83-4CEC-A3B2-FB3AA0D09BBB}" type="presOf" srcId="{082C48A3-3EA9-4CD6-ADA0-117B0641E237}" destId="{B67927B6-A1A6-4DA7-9E74-41E95A0098FF}" srcOrd="0" destOrd="0" presId="urn:microsoft.com/office/officeart/2008/layout/PictureStrips"/>
-    <dgm:cxn modelId="{73B7040C-0736-49D9-8A15-33928FBD092A}" type="presOf" srcId="{34DD99C2-0CBC-431F-988A-FA1CC7F1265A}" destId="{71652793-E8C2-44EE-883E-C5AE6ADB241E}" srcOrd="0" destOrd="2" presId="urn:microsoft.com/office/officeart/2008/layout/PictureStrips"/>
-    <dgm:cxn modelId="{F03A5253-B8A3-4D92-9F4D-E5FD6A580CF2}" srcId="{C0C25320-000B-4726-ABC1-314F36AEAAB4}" destId="{2AF43883-5C46-4F94-A008-B6A013749A3E}" srcOrd="0" destOrd="0" parTransId="{D282C0D6-A0D9-47CD-97E7-55F9EFCE8159}" sibTransId="{D47E9ADA-72BD-46D0-BDC8-5EE4FCBD9001}"/>
-    <dgm:cxn modelId="{0088644A-2BFB-4B92-B990-992882754824}" srcId="{26A23481-02B6-440A-A0B2-B9785EE00DBA}" destId="{5BA40FE2-D47A-4811-B7C8-B8C3911AAA26}" srcOrd="1" destOrd="0" parTransId="{8E6F9EF6-C656-450D-B257-D16C66EE694F}" sibTransId="{6676A604-980B-46D2-B095-86864A56A42F}"/>
-    <dgm:cxn modelId="{7560AE60-77A4-428A-852A-85760FEDB221}" srcId="{26A23481-02B6-440A-A0B2-B9785EE00DBA}" destId="{082C48A3-3EA9-4CD6-ADA0-117B0641E237}" srcOrd="2" destOrd="0" parTransId="{29E6675F-6006-4F27-9F63-36A0497A8676}" sibTransId="{92E34029-C197-4E39-8243-264DECC9F22F}"/>
-    <dgm:cxn modelId="{C73EA296-7B6B-44C0-888A-23E48A8F0746}" type="presOf" srcId="{B49805AA-1E37-4340-BC9E-E71C5F743E0D}" destId="{2C83306E-BE84-48C5-8DA7-7EDC270E4655}" srcOrd="0" destOrd="0" presId="urn:microsoft.com/office/officeart/2008/layout/PictureStrips"/>
-    <dgm:cxn modelId="{65E7C3D9-5EB2-4C23-B810-A2AF528AEEBD}" type="presOf" srcId="{D71F1070-A30C-45F8-A392-A076410FF549}" destId="{6581FC7B-D13B-4A56-A339-04D1B046F02E}" srcOrd="0" destOrd="0" presId="urn:microsoft.com/office/officeart/2008/layout/PictureStrips"/>
-    <dgm:cxn modelId="{7E8122B0-DFE2-496B-BD51-CF31E269C756}" srcId="{082C48A3-3EA9-4CD6-ADA0-117B0641E237}" destId="{763BE7E3-73E4-4351-A841-2BDD84E5017A}" srcOrd="0" destOrd="0" parTransId="{7804BC05-DA99-4BF1-A5D2-6944E7F84498}" sibTransId="{BEB0C490-3A12-4794-B021-24BA67D6C1F4}"/>
-    <dgm:cxn modelId="{C14469AB-80B0-4D01-985C-FBEE08745276}" type="presOf" srcId="{2AF43883-5C46-4F94-A008-B6A013749A3E}" destId="{80324B09-7AA2-424A-BBD9-37EECE2F9CBB}" srcOrd="0" destOrd="1" presId="urn:microsoft.com/office/officeart/2008/layout/PictureStrips"/>
-    <dgm:cxn modelId="{8ACEBE02-A1A2-422B-9505-53D2A3044B77}" type="presOf" srcId="{5BA40FE2-D47A-4811-B7C8-B8C3911AAA26}" destId="{10AEAD18-9B2A-4276-959B-B4A770317AE4}" srcOrd="0" destOrd="0" presId="urn:microsoft.com/office/officeart/2008/layout/PictureStrips"/>
-    <dgm:cxn modelId="{CEFC8A03-AFC6-4ACA-93C7-5501187B32F0}" type="presOf" srcId="{BE0BBEB6-5A3E-41CF-BAB0-02E254E56AE5}" destId="{71652793-E8C2-44EE-883E-C5AE6ADB241E}" srcOrd="0" destOrd="1" presId="urn:microsoft.com/office/officeart/2008/layout/PictureStrips"/>
-    <dgm:cxn modelId="{E023502E-90A9-48AB-8820-B4D86492A7AC}" type="presOf" srcId="{29334493-4A1C-4BB1-92D0-4908812C6CD9}" destId="{71652793-E8C2-44EE-883E-C5AE6ADB241E}" srcOrd="0" destOrd="0" presId="urn:microsoft.com/office/officeart/2008/layout/PictureStrips"/>
-    <dgm:cxn modelId="{A32EEF7A-5F9A-4B32-BF10-506BB62E318C}" type="presOf" srcId="{763BE7E3-73E4-4351-A841-2BDD84E5017A}" destId="{B67927B6-A1A6-4DA7-9E74-41E95A0098FF}" srcOrd="0" destOrd="1" presId="urn:microsoft.com/office/officeart/2008/layout/PictureStrips"/>
-    <dgm:cxn modelId="{82A1AABB-2CF7-4343-9B0A-481CCDFB640E}" type="presOf" srcId="{671AFD37-B7B0-42DF-A86E-5171FCDCC7EB}" destId="{10AEAD18-9B2A-4276-959B-B4A770317AE4}" srcOrd="0" destOrd="2" presId="urn:microsoft.com/office/officeart/2008/layout/PictureStrips"/>
-    <dgm:cxn modelId="{ED823E03-93EE-40EC-BCFA-76092441EABF}" srcId="{26A23481-02B6-440A-A0B2-B9785EE00DBA}" destId="{D71F1070-A30C-45F8-A392-A076410FF549}" srcOrd="5" destOrd="0" parTransId="{9828315F-E049-49B2-B719-A383495D49C0}" sibTransId="{906D3D09-CC13-40A1-880F-5374D5BF6BF2}"/>
-    <dgm:cxn modelId="{9F966678-DB63-4B40-A13E-D827C40BA26C}" srcId="{5BA40FE2-D47A-4811-B7C8-B8C3911AAA26}" destId="{671AFD37-B7B0-42DF-A86E-5171FCDCC7EB}" srcOrd="1" destOrd="0" parTransId="{EA3D4B88-FCA5-478C-827F-5EF4DBD34907}" sibTransId="{CA274424-BCEC-4893-B029-1F0A5EA806E3}"/>
-    <dgm:cxn modelId="{8A044473-C56B-48E5-8BFD-040C462854F0}" srcId="{26A23481-02B6-440A-A0B2-B9785EE00DBA}" destId="{B49805AA-1E37-4340-BC9E-E71C5F743E0D}" srcOrd="0" destOrd="0" parTransId="{8DAD2D49-E4DD-4CE3-87C2-88174AF23766}" sibTransId="{F9A253D2-6D09-4969-A9B4-B0525065A266}"/>
-    <dgm:cxn modelId="{85FE3D65-5B1C-457B-ABD0-A566D01F9480}" srcId="{29334493-4A1C-4BB1-92D0-4908812C6CD9}" destId="{34DD99C2-0CBC-431F-988A-FA1CC7F1265A}" srcOrd="1" destOrd="0" parTransId="{80194129-432F-4FE8-84CA-649B085D17F0}" sibTransId="{96B985B5-77C9-4EEE-817F-09C1D61672BE}"/>
-    <dgm:cxn modelId="{02F2AD96-9F02-4566-8EDC-974E762AA617}" srcId="{26A23481-02B6-440A-A0B2-B9785EE00DBA}" destId="{C0C25320-000B-4726-ABC1-314F36AEAAB4}" srcOrd="6" destOrd="0" parTransId="{06B9D014-6298-44ED-8E1A-18ABD3982378}" sibTransId="{7149079A-988D-47DB-95A6-11527E08024C}"/>
-    <dgm:cxn modelId="{3B07EAFC-1BC4-4947-B50A-37426432D4DA}" type="presOf" srcId="{FC16C62B-5E31-458F-8FE7-72A441194C46}" destId="{2C83306E-BE84-48C5-8DA7-7EDC270E4655}" srcOrd="0" destOrd="2" presId="urn:microsoft.com/office/officeart/2008/layout/PictureStrips"/>
-    <dgm:cxn modelId="{A5C17CC3-5EA7-41EA-A485-B5CDE2A48FB6}" type="presOf" srcId="{1760B30F-5EC0-4769-A968-B3367A7FE86F}" destId="{2C83306E-BE84-48C5-8DA7-7EDC270E4655}" srcOrd="0" destOrd="1" presId="urn:microsoft.com/office/officeart/2008/layout/PictureStrips"/>
-    <dgm:cxn modelId="{2D5B5915-DEA8-4D1E-A29F-20F11390953E}" type="presOf" srcId="{348F0660-0C0D-4B57-B6D1-7843978D31A8}" destId="{74FD87E6-A3C3-4AA1-ABEF-4D14E8EAA35B}" srcOrd="0" destOrd="1" presId="urn:microsoft.com/office/officeart/2008/layout/PictureStrips"/>
-    <dgm:cxn modelId="{A55BECEA-4E36-4425-B42F-7FFD06EBFA05}" srcId="{D71F1070-A30C-45F8-A392-A076410FF549}" destId="{08E9E181-E367-419E-AD23-EF9BB81F92AE}" srcOrd="0" destOrd="0" parTransId="{07633E30-F69C-4886-87F3-292A37DE3F57}" sibTransId="{65C303B3-198A-4347-BD6B-54B69D003ECD}"/>
-    <dgm:cxn modelId="{5D3548D9-C6BD-4F03-A687-D5FE7C64A330}" type="presOf" srcId="{62531FA5-02E0-403B-8DF0-D209596B579B}" destId="{74FD87E6-A3C3-4AA1-ABEF-4D14E8EAA35B}" srcOrd="0" destOrd="0" presId="urn:microsoft.com/office/officeart/2008/layout/PictureStrips"/>
-    <dgm:cxn modelId="{9F036E58-62E8-4DBD-ACB2-362239C652AF}" srcId="{B49805AA-1E37-4340-BC9E-E71C5F743E0D}" destId="{1760B30F-5EC0-4769-A968-B3367A7FE86F}" srcOrd="0" destOrd="0" parTransId="{1E1609D1-BB95-4265-B047-B9D9F259E5C8}" sibTransId="{6B58E90C-C540-42FE-A1A4-86B03801960D}"/>
-    <dgm:cxn modelId="{03B00DDE-E920-4498-BF7B-7D97C9531DB1}" type="presOf" srcId="{26A23481-02B6-440A-A0B2-B9785EE00DBA}" destId="{B8D3511F-9CE9-49B1-AAEC-047129AB2C3D}" srcOrd="0" destOrd="0" presId="urn:microsoft.com/office/officeart/2008/layout/PictureStrips"/>
-    <dgm:cxn modelId="{8C347AF7-32B5-4E17-9BB8-3CB3FD983558}" srcId="{29334493-4A1C-4BB1-92D0-4908812C6CD9}" destId="{BE0BBEB6-5A3E-41CF-BAB0-02E254E56AE5}" srcOrd="0" destOrd="0" parTransId="{08129550-D094-4662-B21B-18BA72801BD8}" sibTransId="{28CE9608-BA66-4495-A075-AD65099ADE1F}"/>
-    <dgm:cxn modelId="{2C373529-4378-40B4-9DED-CD3B7939F387}" type="presOf" srcId="{C0C25320-000B-4726-ABC1-314F36AEAAB4}" destId="{80324B09-7AA2-424A-BBD9-37EECE2F9CBB}" srcOrd="0" destOrd="0" presId="urn:microsoft.com/office/officeart/2008/layout/PictureStrips"/>
-    <dgm:cxn modelId="{155CDD4E-C60C-4AE0-8873-66B2FD61456F}" srcId="{26A23481-02B6-440A-A0B2-B9785EE00DBA}" destId="{62531FA5-02E0-403B-8DF0-D209596B579B}" srcOrd="3" destOrd="0" parTransId="{F2A498E7-72C1-429E-9F68-CE3D99399AF9}" sibTransId="{2FD2C5A8-7354-4920-9D11-0E31197683B5}"/>
-    <dgm:cxn modelId="{AA468164-3D6D-4C3B-9215-D2B3544818B7}" type="presParOf" srcId="{B8D3511F-9CE9-49B1-AAEC-047129AB2C3D}" destId="{51831166-B301-4E88-96B5-C05B89223755}" srcOrd="0" destOrd="0" presId="urn:microsoft.com/office/officeart/2008/layout/PictureStrips"/>
-    <dgm:cxn modelId="{A2B38EA7-FE4A-46CD-9563-D6D168668159}" type="presParOf" srcId="{51831166-B301-4E88-96B5-C05B89223755}" destId="{2C83306E-BE84-48C5-8DA7-7EDC270E4655}" srcOrd="0" destOrd="0" presId="urn:microsoft.com/office/officeart/2008/layout/PictureStrips"/>
-    <dgm:cxn modelId="{940AAE68-B8A1-4AFB-B1FE-7141F319B0A1}" type="presParOf" srcId="{51831166-B301-4E88-96B5-C05B89223755}" destId="{2546778B-9C6A-40BD-B596-618128EA9433}" srcOrd="1" destOrd="0" presId="urn:microsoft.com/office/officeart/2008/layout/PictureStrips"/>
-    <dgm:cxn modelId="{82713759-42F6-4CA2-A91E-B438D8598614}" type="presParOf" srcId="{B8D3511F-9CE9-49B1-AAEC-047129AB2C3D}" destId="{F7C4C72D-DCD6-405F-B9CF-E920C2FAF164}" srcOrd="1" destOrd="0" presId="urn:microsoft.com/office/officeart/2008/layout/PictureStrips"/>
-    <dgm:cxn modelId="{4F5C6E43-EF98-4F24-B08A-14AE70E19FAC}" type="presParOf" srcId="{B8D3511F-9CE9-49B1-AAEC-047129AB2C3D}" destId="{ED099623-4822-41D2-A0D5-4641A627E86C}" srcOrd="2" destOrd="0" presId="urn:microsoft.com/office/officeart/2008/layout/PictureStrips"/>
-    <dgm:cxn modelId="{EFA96B62-F1A4-4723-87B9-13050D43AA98}" type="presParOf" srcId="{ED099623-4822-41D2-A0D5-4641A627E86C}" destId="{10AEAD18-9B2A-4276-959B-B4A770317AE4}" srcOrd="0" destOrd="0" presId="urn:microsoft.com/office/officeart/2008/layout/PictureStrips"/>
-    <dgm:cxn modelId="{31DC0F6F-5522-40BF-A358-B014AD66B148}" type="presParOf" srcId="{ED099623-4822-41D2-A0D5-4641A627E86C}" destId="{4B37A465-6A93-41A2-B112-CF0E88109B6F}" srcOrd="1" destOrd="0" presId="urn:microsoft.com/office/officeart/2008/layout/PictureStrips"/>
-    <dgm:cxn modelId="{1C363698-DDC4-444E-9FC3-5ED369F5691E}" type="presParOf" srcId="{B8D3511F-9CE9-49B1-AAEC-047129AB2C3D}" destId="{F5ABA07A-D9A5-4BAB-8DFD-A6B83346EB2E}" srcOrd="3" destOrd="0" presId="urn:microsoft.com/office/officeart/2008/layout/PictureStrips"/>
-    <dgm:cxn modelId="{86F6361A-52E7-4D38-A2EF-95E010F2D2B9}" type="presParOf" srcId="{B8D3511F-9CE9-49B1-AAEC-047129AB2C3D}" destId="{C5E49963-651B-4C08-87F6-8105FA500600}" srcOrd="4" destOrd="0" presId="urn:microsoft.com/office/officeart/2008/layout/PictureStrips"/>
-    <dgm:cxn modelId="{CA24C642-A8C6-4301-9E4B-658DE82601A4}" type="presParOf" srcId="{C5E49963-651B-4C08-87F6-8105FA500600}" destId="{B67927B6-A1A6-4DA7-9E74-41E95A0098FF}" srcOrd="0" destOrd="0" presId="urn:microsoft.com/office/officeart/2008/layout/PictureStrips"/>
-    <dgm:cxn modelId="{F5DF7834-F364-4FA9-BA91-A5B89B0956E1}" type="presParOf" srcId="{C5E49963-651B-4C08-87F6-8105FA500600}" destId="{4127E1B5-DC3F-4F5E-8FF5-B8454B907C69}" srcOrd="1" destOrd="0" presId="urn:microsoft.com/office/officeart/2008/layout/PictureStrips"/>
-    <dgm:cxn modelId="{2A089DC1-ADF9-48FB-83CD-13BF6062580F}" type="presParOf" srcId="{B8D3511F-9CE9-49B1-AAEC-047129AB2C3D}" destId="{A3D39E79-8CBB-4058-83E0-C7002FA80995}" srcOrd="5" destOrd="0" presId="urn:microsoft.com/office/officeart/2008/layout/PictureStrips"/>
-    <dgm:cxn modelId="{7A1E2146-8D49-48EB-BC1D-623E8A80A5C9}" type="presParOf" srcId="{B8D3511F-9CE9-49B1-AAEC-047129AB2C3D}" destId="{2E0617D9-5AB4-4EBD-8911-4FD7BB1B69C5}" srcOrd="6" destOrd="0" presId="urn:microsoft.com/office/officeart/2008/layout/PictureStrips"/>
-    <dgm:cxn modelId="{81EC5C37-BA86-4CF3-9605-F4305A56BA18}" type="presParOf" srcId="{2E0617D9-5AB4-4EBD-8911-4FD7BB1B69C5}" destId="{74FD87E6-A3C3-4AA1-ABEF-4D14E8EAA35B}" srcOrd="0" destOrd="0" presId="urn:microsoft.com/office/officeart/2008/layout/PictureStrips"/>
-    <dgm:cxn modelId="{4F1F3AFC-9F7A-457B-AE63-AAB9FFF3B556}" type="presParOf" srcId="{2E0617D9-5AB4-4EBD-8911-4FD7BB1B69C5}" destId="{A135EF09-5694-45BD-A264-E5C25A56FB9E}" srcOrd="1" destOrd="0" presId="urn:microsoft.com/office/officeart/2008/layout/PictureStrips"/>
-    <dgm:cxn modelId="{E1674879-6C7C-4998-93D6-5D2EB9E2C87F}" type="presParOf" srcId="{B8D3511F-9CE9-49B1-AAEC-047129AB2C3D}" destId="{50B18380-2C3B-4A0D-A191-AB04C639FBC1}" srcOrd="7" destOrd="0" presId="urn:microsoft.com/office/officeart/2008/layout/PictureStrips"/>
-    <dgm:cxn modelId="{DC017B92-8070-4782-A5A4-A8784C72A145}" type="presParOf" srcId="{B8D3511F-9CE9-49B1-AAEC-047129AB2C3D}" destId="{D82EE89F-13D1-4DAF-8D3A-FD5706CB7BBB}" srcOrd="8" destOrd="0" presId="urn:microsoft.com/office/officeart/2008/layout/PictureStrips"/>
-    <dgm:cxn modelId="{AC1C175F-AD11-4D2F-91D1-0B155D32C489}" type="presParOf" srcId="{D82EE89F-13D1-4DAF-8D3A-FD5706CB7BBB}" destId="{71652793-E8C2-44EE-883E-C5AE6ADB241E}" srcOrd="0" destOrd="0" presId="urn:microsoft.com/office/officeart/2008/layout/PictureStrips"/>
-    <dgm:cxn modelId="{FB56EA8E-001C-4FBD-A6EC-59B5429F5D9B}" type="presParOf" srcId="{D82EE89F-13D1-4DAF-8D3A-FD5706CB7BBB}" destId="{13FB5037-89AE-4EDE-B73E-CE04BAC4D1AE}" srcOrd="1" destOrd="0" presId="urn:microsoft.com/office/officeart/2008/layout/PictureStrips"/>
-    <dgm:cxn modelId="{5B959094-505C-4FCF-AD18-AE8864C47C37}" type="presParOf" srcId="{B8D3511F-9CE9-49B1-AAEC-047129AB2C3D}" destId="{B126D8FD-4F48-401A-A9D9-69BBB4B334C7}" srcOrd="9" destOrd="0" presId="urn:microsoft.com/office/officeart/2008/layout/PictureStrips"/>
-    <dgm:cxn modelId="{3D8F7311-406F-43BA-83C2-21EF53436587}" type="presParOf" srcId="{B8D3511F-9CE9-49B1-AAEC-047129AB2C3D}" destId="{4AAD5E38-FA5D-499C-B157-978A38E1D33E}" srcOrd="10" destOrd="0" presId="urn:microsoft.com/office/officeart/2008/layout/PictureStrips"/>
-    <dgm:cxn modelId="{CDD92C1A-0359-42D6-BE66-DBBA3580D91E}" type="presParOf" srcId="{4AAD5E38-FA5D-499C-B157-978A38E1D33E}" destId="{6581FC7B-D13B-4A56-A339-04D1B046F02E}" srcOrd="0" destOrd="0" presId="urn:microsoft.com/office/officeart/2008/layout/PictureStrips"/>
-    <dgm:cxn modelId="{996D5772-9FC9-40A9-BC18-BA50039467BB}" type="presParOf" srcId="{4AAD5E38-FA5D-499C-B157-978A38E1D33E}" destId="{3A61C843-A546-4552-9AE8-B0D366651432}" srcOrd="1" destOrd="0" presId="urn:microsoft.com/office/officeart/2008/layout/PictureStrips"/>
-    <dgm:cxn modelId="{1AE73C0A-0D6B-4E82-9EE7-8BB15E0A8292}" type="presParOf" srcId="{B8D3511F-9CE9-49B1-AAEC-047129AB2C3D}" destId="{A8DA7931-3E1C-43A2-84AF-C0A736CCABA3}" srcOrd="11" destOrd="0" presId="urn:microsoft.com/office/officeart/2008/layout/PictureStrips"/>
-    <dgm:cxn modelId="{8C01534A-FE7E-47D5-997A-BA35D0EBB275}" type="presParOf" srcId="{B8D3511F-9CE9-49B1-AAEC-047129AB2C3D}" destId="{02A2EB3B-7510-4D58-8562-7FAF926DB3CD}" srcOrd="12" destOrd="0" presId="urn:microsoft.com/office/officeart/2008/layout/PictureStrips"/>
-    <dgm:cxn modelId="{AA33FC1B-B211-4DC4-8462-189DDA5C3E02}" type="presParOf" srcId="{02A2EB3B-7510-4D58-8562-7FAF926DB3CD}" destId="{80324B09-7AA2-424A-BBD9-37EECE2F9CBB}" srcOrd="0" destOrd="0" presId="urn:microsoft.com/office/officeart/2008/layout/PictureStrips"/>
-    <dgm:cxn modelId="{DB1C5A6C-AE1C-43AA-91A7-6D1C086919BE}" type="presParOf" srcId="{02A2EB3B-7510-4D58-8562-7FAF926DB3CD}" destId="{0CD775F1-1046-4777-AE79-CECB4BCDDA46}" srcOrd="1" destOrd="0" presId="urn:microsoft.com/office/officeart/2008/layout/PictureStrips"/>
+    <dgm:cxn modelId="{F8259468-AC07-45DC-B89C-F4B4AA00734B}" srcId="{26A23481-02B6-440A-A0B2-B9785EE00DBA}" destId="{B49805AA-1E37-4340-BC9E-E71C5F743E0D}" srcOrd="0" destOrd="0" parTransId="{8DAD2D49-E4DD-4CE3-87C2-88174AF23766}" sibTransId="{F9A253D2-6D09-4969-A9B4-B0525065A266}"/>
+    <dgm:cxn modelId="{CF2492EA-C3B8-427A-8C45-DB965B9EC79C}" srcId="{B49805AA-1E37-4340-BC9E-E71C5F743E0D}" destId="{1760B30F-5EC0-4769-A968-B3367A7FE86F}" srcOrd="0" destOrd="0" parTransId="{1E1609D1-BB95-4265-B047-B9D9F259E5C8}" sibTransId="{6B58E90C-C540-42FE-A1A4-86B03801960D}"/>
+    <dgm:cxn modelId="{417C99B2-115C-49A1-8D9B-306732953428}" srcId="{B49805AA-1E37-4340-BC9E-E71C5F743E0D}" destId="{FC16C62B-5E31-458F-8FE7-72A441194C46}" srcOrd="1" destOrd="0" parTransId="{C2B8992C-0863-425C-B815-5638207C7793}" sibTransId="{5F40931F-0866-4A24-B297-A2A6E3986E7D}"/>
+    <dgm:cxn modelId="{E44E3BE0-6EA0-460B-B8FC-DACEE9429A90}" srcId="{26A23481-02B6-440A-A0B2-B9785EE00DBA}" destId="{5BA40FE2-D47A-4811-B7C8-B8C3911AAA26}" srcOrd="1" destOrd="0" parTransId="{8E6F9EF6-C656-450D-B257-D16C66EE694F}" sibTransId="{6676A604-980B-46D2-B095-86864A56A42F}"/>
+    <dgm:cxn modelId="{D12810E9-D2E2-4107-BC38-4A38B6B6B775}" srcId="{5BA40FE2-D47A-4811-B7C8-B8C3911AAA26}" destId="{1327C497-9572-4477-A90A-6EB8541EF0D3}" srcOrd="0" destOrd="1" parTransId="{F89CF766-B01C-486C-9052-F13AF7C53CD0}" sibTransId="{06F16433-06EC-4035-ABD1-FC8EC014A8DB}"/>
+    <dgm:cxn modelId="{552B0810-C521-44D7-9F5A-6C029A9C7D3E}" srcId="{5BA40FE2-D47A-4811-B7C8-B8C3911AAA26}" destId="{9357673F-9615-47E1-9113-11167FFD9E22}" srcOrd="1" destOrd="1" parTransId="{903C424A-B5C6-4967-8BBB-27882E422ABA}" sibTransId="{367030EF-B5F1-4717-AA27-EDAB24A7FA9A}"/>
+    <dgm:cxn modelId="{6C7418A8-3E0F-41F8-8ED0-009D37276925}" srcId="{26A23481-02B6-440A-A0B2-B9785EE00DBA}" destId="{082C48A3-3EA9-4CD6-ADA0-117B0641E237}" srcOrd="2" destOrd="0" parTransId="{29E6675F-6006-4F27-9F63-36A0497A8676}" sibTransId="{92E34029-C197-4E39-8243-264DECC9F22F}"/>
+    <dgm:cxn modelId="{656BCCC3-7490-4E58-BB99-D7A577D73F13}" srcId="{082C48A3-3EA9-4CD6-ADA0-117B0641E237}" destId="{763BE7E3-73E4-4351-A841-2BDD84E5017A}" srcOrd="0" destOrd="2" parTransId="{7804BC05-DA99-4BF1-A5D2-6944E7F84498}" sibTransId="{BEB0C490-3A12-4794-B021-24BA67D6C1F4}"/>
+    <dgm:cxn modelId="{6B4F7D97-C10E-426B-9D13-7028132BAF11}" srcId="{26A23481-02B6-440A-A0B2-B9785EE00DBA}" destId="{62531FA5-02E0-403B-8DF0-D209596B579B}" srcOrd="3" destOrd="0" parTransId="{F2A498E7-72C1-429E-9F68-CE3D99399AF9}" sibTransId="{2FD2C5A8-7354-4920-9D11-0E31197683B5}"/>
+    <dgm:cxn modelId="{AB2E59C4-40A8-4A54-B3C8-BE2F3C57F142}" srcId="{62531FA5-02E0-403B-8DF0-D209596B579B}" destId="{348F0660-0C0D-4B57-B6D1-7843978D31A8}" srcOrd="0" destOrd="3" parTransId="{51D43371-0E1F-401C-A358-BFD6995B8B57}" sibTransId="{4D938202-FD48-4F15-9749-ACF6B33A4BFE}"/>
+    <dgm:cxn modelId="{21A07541-FE36-44F3-8E82-0036CE6618FD}" srcId="{26A23481-02B6-440A-A0B2-B9785EE00DBA}" destId="{29334493-4A1C-4BB1-92D0-4908812C6CD9}" srcOrd="4" destOrd="0" parTransId="{6A61D32A-0E7D-44C0-A8DD-03E1C659D184}" sibTransId="{E66FAF31-D979-4D2D-A585-5BF90A8D4CDF}"/>
+    <dgm:cxn modelId="{89E6605F-AC53-4A45-B004-B98B5951BFC4}" srcId="{29334493-4A1C-4BB1-92D0-4908812C6CD9}" destId="{BE0BBEB6-5A3E-41CF-BAB0-02E254E56AE5}" srcOrd="0" destOrd="4" parTransId="{08129550-D094-4662-B21B-18BA72801BD8}" sibTransId="{28CE9608-BA66-4495-A075-AD65099ADE1F}"/>
+    <dgm:cxn modelId="{13728E0E-8676-496B-A71A-A8CF6EF8ADE8}" srcId="{29334493-4A1C-4BB1-92D0-4908812C6CD9}" destId="{34DD99C2-0CBC-431F-988A-FA1CC7F1265A}" srcOrd="1" destOrd="4" parTransId="{80194129-432F-4FE8-84CA-649B085D17F0}" sibTransId="{96B985B5-77C9-4EEE-817F-09C1D61672BE}"/>
+    <dgm:cxn modelId="{F88A18E0-3536-4846-BC76-7D54AF64FD90}" srcId="{26A23481-02B6-440A-A0B2-B9785EE00DBA}" destId="{D71F1070-A30C-45F8-A392-A076410FF549}" srcOrd="5" destOrd="0" parTransId="{9828315F-E049-49B2-B719-A383495D49C0}" sibTransId="{906D3D09-CC13-40A1-880F-5374D5BF6BF2}"/>
+    <dgm:cxn modelId="{E6AF2053-7406-4FFF-8AB3-4E4DDC72D585}" srcId="{D71F1070-A30C-45F8-A392-A076410FF549}" destId="{08E9E181-E367-419E-AD23-EF9BB81F92AE}" srcOrd="0" destOrd="5" parTransId="{07633E30-F69C-4886-87F3-292A37DE3F57}" sibTransId="{65C303B3-198A-4347-BD6B-54B69D003ECD}"/>
+    <dgm:cxn modelId="{85B2A2D7-26A6-4644-8768-26813DD2F15C}" srcId="{26A23481-02B6-440A-A0B2-B9785EE00DBA}" destId="{C0C25320-000B-4726-ABC1-314F36AEAAB4}" srcOrd="6" destOrd="0" parTransId="{06B9D014-6298-44ED-8E1A-18ABD3982378}" sibTransId="{7149079A-988D-47DB-95A6-11527E08024C}"/>
+    <dgm:cxn modelId="{F003E1CF-8832-4F98-82CE-CDC5FE8771AD}" srcId="{C0C25320-000B-4726-ABC1-314F36AEAAB4}" destId="{2AF43883-5C46-4F94-A008-B6A013749A3E}" srcOrd="0" destOrd="6" parTransId="{D282C0D6-A0D9-47CD-97E7-55F9EFCE8159}" sibTransId="{D47E9ADA-72BD-46D0-BDC8-5EE4FCBD9001}"/>
+    <dgm:cxn modelId="{118EC894-2945-47F0-8844-8A51DEB8C9CB}" type="presOf" srcId="{26A23481-02B6-440A-A0B2-B9785EE00DBA}" destId="{B8D3511F-9CE9-49B1-AAEC-047129AB2C3D}" srcOrd="0" destOrd="0" presId="urn:microsoft.com/office/officeart/2008/layout/PictureStrips"/>
+    <dgm:cxn modelId="{E6E65F00-3E04-4C88-B55E-36139FC1B9F2}" type="presParOf" srcId="{B8D3511F-9CE9-49B1-AAEC-047129AB2C3D}" destId="{51831166-B301-4E88-96B5-C05B89223755}" srcOrd="0" destOrd="0" presId="urn:microsoft.com/office/officeart/2008/layout/PictureStrips"/>
+    <dgm:cxn modelId="{2333BF3F-94CA-4CEB-B1E4-0AFEA76755E8}" type="presParOf" srcId="{51831166-B301-4E88-96B5-C05B89223755}" destId="{2C83306E-BE84-48C5-8DA7-7EDC270E4655}" srcOrd="0" destOrd="0" presId="urn:microsoft.com/office/officeart/2008/layout/PictureStrips"/>
+    <dgm:cxn modelId="{3F3B2D32-09E9-4E17-9ED7-1E8821110000}" type="presOf" srcId="{B49805AA-1E37-4340-BC9E-E71C5F743E0D}" destId="{2C83306E-BE84-48C5-8DA7-7EDC270E4655}" srcOrd="0" destOrd="0" presId="urn:microsoft.com/office/officeart/2008/layout/PictureStrips"/>
+    <dgm:cxn modelId="{2BC41FD6-CA18-43ED-A753-2F5C2A35FAD8}" type="presOf" srcId="{1760B30F-5EC0-4769-A968-B3367A7FE86F}" destId="{2C83306E-BE84-48C5-8DA7-7EDC270E4655}" srcOrd="0" destOrd="1" presId="urn:microsoft.com/office/officeart/2008/layout/PictureStrips"/>
+    <dgm:cxn modelId="{1582E4E4-66C4-4118-8427-44592F933153}" type="presOf" srcId="{FC16C62B-5E31-458F-8FE7-72A441194C46}" destId="{2C83306E-BE84-48C5-8DA7-7EDC270E4655}" srcOrd="0" destOrd="2" presId="urn:microsoft.com/office/officeart/2008/layout/PictureStrips"/>
+    <dgm:cxn modelId="{DC85CE01-9D72-4A06-A4C0-EFE87F083DFB}" type="presParOf" srcId="{51831166-B301-4E88-96B5-C05B89223755}" destId="{2546778B-9C6A-40BD-B596-618128EA9433}" srcOrd="1" destOrd="0" presId="urn:microsoft.com/office/officeart/2008/layout/PictureStrips"/>
+    <dgm:cxn modelId="{C18A5136-15A2-424A-86CD-3BCF58C75A71}" type="presParOf" srcId="{B8D3511F-9CE9-49B1-AAEC-047129AB2C3D}" destId="{F7C4C72D-DCD6-405F-B9CF-E920C2FAF164}" srcOrd="1" destOrd="0" presId="urn:microsoft.com/office/officeart/2008/layout/PictureStrips"/>
+    <dgm:cxn modelId="{933BE23B-7D83-4906-AC29-DDCCD230EF6B}" type="presParOf" srcId="{B8D3511F-9CE9-49B1-AAEC-047129AB2C3D}" destId="{ED099623-4822-41D2-A0D5-4641A627E86C}" srcOrd="2" destOrd="0" presId="urn:microsoft.com/office/officeart/2008/layout/PictureStrips"/>
+    <dgm:cxn modelId="{E37A073F-76EE-48C1-AF3A-D650D7BBD7FB}" type="presParOf" srcId="{ED099623-4822-41D2-A0D5-4641A627E86C}" destId="{10AEAD18-9B2A-4276-959B-B4A770317AE4}" srcOrd="0" destOrd="2" presId="urn:microsoft.com/office/officeart/2008/layout/PictureStrips"/>
+    <dgm:cxn modelId="{DCAF099A-E653-416F-A685-E0E5376FE92B}" type="presOf" srcId="{5BA40FE2-D47A-4811-B7C8-B8C3911AAA26}" destId="{10AEAD18-9B2A-4276-959B-B4A770317AE4}" srcOrd="0" destOrd="0" presId="urn:microsoft.com/office/officeart/2008/layout/PictureStrips"/>
+    <dgm:cxn modelId="{1C9C5491-A69B-4135-B61C-1A81A4F5E877}" type="presOf" srcId="{1327C497-9572-4477-A90A-6EB8541EF0D3}" destId="{10AEAD18-9B2A-4276-959B-B4A770317AE4}" srcOrd="0" destOrd="1" presId="urn:microsoft.com/office/officeart/2008/layout/PictureStrips"/>
+    <dgm:cxn modelId="{A6232DEC-666A-4C20-BF6E-AE7979587471}" type="presOf" srcId="{9357673F-9615-47E1-9113-11167FFD9E22}" destId="{10AEAD18-9B2A-4276-959B-B4A770317AE4}" srcOrd="0" destOrd="2" presId="urn:microsoft.com/office/officeart/2008/layout/PictureStrips"/>
+    <dgm:cxn modelId="{ADD38E25-BFB6-4C9B-A474-C06B0B081DFF}" type="presParOf" srcId="{ED099623-4822-41D2-A0D5-4641A627E86C}" destId="{4B37A465-6A93-41A2-B112-CF0E88109B6F}" srcOrd="1" destOrd="2" presId="urn:microsoft.com/office/officeart/2008/layout/PictureStrips"/>
+    <dgm:cxn modelId="{EA201188-2FCF-4F9B-AE7E-59F4000ABC76}" type="presParOf" srcId="{B8D3511F-9CE9-49B1-AAEC-047129AB2C3D}" destId="{F5ABA07A-D9A5-4BAB-8DFD-A6B83346EB2E}" srcOrd="3" destOrd="0" presId="urn:microsoft.com/office/officeart/2008/layout/PictureStrips"/>
+    <dgm:cxn modelId="{A04B51DF-F42E-4E57-A818-45386B7D6C89}" type="presParOf" srcId="{B8D3511F-9CE9-49B1-AAEC-047129AB2C3D}" destId="{C5E49963-651B-4C08-87F6-8105FA500600}" srcOrd="4" destOrd="0" presId="urn:microsoft.com/office/officeart/2008/layout/PictureStrips"/>
+    <dgm:cxn modelId="{C903FB94-D3ED-4E13-B1AB-EC292503165A}" type="presParOf" srcId="{C5E49963-651B-4C08-87F6-8105FA500600}" destId="{B67927B6-A1A6-4DA7-9E74-41E95A0098FF}" srcOrd="0" destOrd="4" presId="urn:microsoft.com/office/officeart/2008/layout/PictureStrips"/>
+    <dgm:cxn modelId="{E31F5311-06C9-47E5-AACD-048966F4C14B}" type="presOf" srcId="{082C48A3-3EA9-4CD6-ADA0-117B0641E237}" destId="{B67927B6-A1A6-4DA7-9E74-41E95A0098FF}" srcOrd="0" destOrd="0" presId="urn:microsoft.com/office/officeart/2008/layout/PictureStrips"/>
+    <dgm:cxn modelId="{EA73B773-FAC7-405D-900C-41A77FB77222}" type="presOf" srcId="{763BE7E3-73E4-4351-A841-2BDD84E5017A}" destId="{B67927B6-A1A6-4DA7-9E74-41E95A0098FF}" srcOrd="0" destOrd="1" presId="urn:microsoft.com/office/officeart/2008/layout/PictureStrips"/>
+    <dgm:cxn modelId="{E3E4E2A4-2DAE-42FC-9DB0-3DAA0219B4C7}" type="presParOf" srcId="{C5E49963-651B-4C08-87F6-8105FA500600}" destId="{4127E1B5-DC3F-4F5E-8FF5-B8454B907C69}" srcOrd="1" destOrd="4" presId="urn:microsoft.com/office/officeart/2008/layout/PictureStrips"/>
+    <dgm:cxn modelId="{4C4A926D-5A1A-4062-8EEF-045FAE8F8487}" type="presParOf" srcId="{B8D3511F-9CE9-49B1-AAEC-047129AB2C3D}" destId="{A3D39E79-8CBB-4058-83E0-C7002FA80995}" srcOrd="5" destOrd="0" presId="urn:microsoft.com/office/officeart/2008/layout/PictureStrips"/>
+    <dgm:cxn modelId="{A9ACDC66-8EC6-41FE-818E-C61E96F655DF}" type="presParOf" srcId="{B8D3511F-9CE9-49B1-AAEC-047129AB2C3D}" destId="{2E0617D9-5AB4-4EBD-8911-4FD7BB1B69C5}" srcOrd="6" destOrd="0" presId="urn:microsoft.com/office/officeart/2008/layout/PictureStrips"/>
+    <dgm:cxn modelId="{6388A168-E860-428A-AECC-7FE4E772FD6C}" type="presParOf" srcId="{2E0617D9-5AB4-4EBD-8911-4FD7BB1B69C5}" destId="{74FD87E6-A3C3-4AA1-ABEF-4D14E8EAA35B}" srcOrd="0" destOrd="6" presId="urn:microsoft.com/office/officeart/2008/layout/PictureStrips"/>
+    <dgm:cxn modelId="{F7677944-B81F-4245-937B-352CBF76743D}" type="presOf" srcId="{62531FA5-02E0-403B-8DF0-D209596B579B}" destId="{74FD87E6-A3C3-4AA1-ABEF-4D14E8EAA35B}" srcOrd="0" destOrd="0" presId="urn:microsoft.com/office/officeart/2008/layout/PictureStrips"/>
+    <dgm:cxn modelId="{0B9FBA12-B6A0-4A55-BC0E-76914DB43F90}" type="presOf" srcId="{348F0660-0C0D-4B57-B6D1-7843978D31A8}" destId="{74FD87E6-A3C3-4AA1-ABEF-4D14E8EAA35B}" srcOrd="0" destOrd="1" presId="urn:microsoft.com/office/officeart/2008/layout/PictureStrips"/>
+    <dgm:cxn modelId="{83FB14F9-903C-40FA-A856-D1B61CA9CBB5}" type="presParOf" srcId="{2E0617D9-5AB4-4EBD-8911-4FD7BB1B69C5}" destId="{A135EF09-5694-45BD-A264-E5C25A56FB9E}" srcOrd="1" destOrd="6" presId="urn:microsoft.com/office/officeart/2008/layout/PictureStrips"/>
+    <dgm:cxn modelId="{707B8799-1EF1-42AE-B23D-10E3ECB6C0AC}" type="presParOf" srcId="{B8D3511F-9CE9-49B1-AAEC-047129AB2C3D}" destId="{50B18380-2C3B-4A0D-A191-AB04C639FBC1}" srcOrd="7" destOrd="0" presId="urn:microsoft.com/office/officeart/2008/layout/PictureStrips"/>
+    <dgm:cxn modelId="{243338DE-008F-41F1-B750-BB129E58A698}" type="presParOf" srcId="{B8D3511F-9CE9-49B1-AAEC-047129AB2C3D}" destId="{D82EE89F-13D1-4DAF-8D3A-FD5706CB7BBB}" srcOrd="8" destOrd="0" presId="urn:microsoft.com/office/officeart/2008/layout/PictureStrips"/>
+    <dgm:cxn modelId="{A42A1D2E-223F-493D-B633-0A7FD81BD53C}" type="presParOf" srcId="{D82EE89F-13D1-4DAF-8D3A-FD5706CB7BBB}" destId="{71652793-E8C2-44EE-883E-C5AE6ADB241E}" srcOrd="0" destOrd="8" presId="urn:microsoft.com/office/officeart/2008/layout/PictureStrips"/>
+    <dgm:cxn modelId="{1BA9C289-CE4D-45AC-B68B-5885396C7864}" type="presOf" srcId="{29334493-4A1C-4BB1-92D0-4908812C6CD9}" destId="{71652793-E8C2-44EE-883E-C5AE6ADB241E}" srcOrd="0" destOrd="0" presId="urn:microsoft.com/office/officeart/2008/layout/PictureStrips"/>
+    <dgm:cxn modelId="{BA94130C-4151-4311-87B4-58F7D64D779F}" type="presOf" srcId="{BE0BBEB6-5A3E-41CF-BAB0-02E254E56AE5}" destId="{71652793-E8C2-44EE-883E-C5AE6ADB241E}" srcOrd="0" destOrd="1" presId="urn:microsoft.com/office/officeart/2008/layout/PictureStrips"/>
+    <dgm:cxn modelId="{3156F5EB-C49B-4C7B-9637-BCED619AECC3}" type="presOf" srcId="{34DD99C2-0CBC-431F-988A-FA1CC7F1265A}" destId="{71652793-E8C2-44EE-883E-C5AE6ADB241E}" srcOrd="0" destOrd="2" presId="urn:microsoft.com/office/officeart/2008/layout/PictureStrips"/>
+    <dgm:cxn modelId="{F1B8F020-B06B-415A-9268-AE3705E2ACDA}" type="presParOf" srcId="{D82EE89F-13D1-4DAF-8D3A-FD5706CB7BBB}" destId="{13FB5037-89AE-4EDE-B73E-CE04BAC4D1AE}" srcOrd="1" destOrd="8" presId="urn:microsoft.com/office/officeart/2008/layout/PictureStrips"/>
+    <dgm:cxn modelId="{61DB49B0-551D-4C36-B9BB-19D3C7096886}" type="presParOf" srcId="{B8D3511F-9CE9-49B1-AAEC-047129AB2C3D}" destId="{B126D8FD-4F48-401A-A9D9-69BBB4B334C7}" srcOrd="9" destOrd="0" presId="urn:microsoft.com/office/officeart/2008/layout/PictureStrips"/>
+    <dgm:cxn modelId="{6CF98140-035C-48A4-90E3-A98BB6D75D70}" type="presParOf" srcId="{B8D3511F-9CE9-49B1-AAEC-047129AB2C3D}" destId="{4AAD5E38-FA5D-499C-B157-978A38E1D33E}" srcOrd="10" destOrd="0" presId="urn:microsoft.com/office/officeart/2008/layout/PictureStrips"/>
+    <dgm:cxn modelId="{9230105D-ABFA-4130-8C86-0CF99C18E1D2}" type="presParOf" srcId="{4AAD5E38-FA5D-499C-B157-978A38E1D33E}" destId="{6581FC7B-D13B-4A56-A339-04D1B046F02E}" srcOrd="0" destOrd="10" presId="urn:microsoft.com/office/officeart/2008/layout/PictureStrips"/>
+    <dgm:cxn modelId="{49050CE3-31E6-4D80-976C-84028D4CB5EC}" type="presOf" srcId="{D71F1070-A30C-45F8-A392-A076410FF549}" destId="{6581FC7B-D13B-4A56-A339-04D1B046F02E}" srcOrd="0" destOrd="0" presId="urn:microsoft.com/office/officeart/2008/layout/PictureStrips"/>
+    <dgm:cxn modelId="{9A155BE8-6A52-4213-8D0E-B936FA8B9548}" type="presOf" srcId="{08E9E181-E367-419E-AD23-EF9BB81F92AE}" destId="{6581FC7B-D13B-4A56-A339-04D1B046F02E}" srcOrd="0" destOrd="1" presId="urn:microsoft.com/office/officeart/2008/layout/PictureStrips"/>
+    <dgm:cxn modelId="{0810F092-0810-4416-800E-73E334209712}" type="presParOf" srcId="{4AAD5E38-FA5D-499C-B157-978A38E1D33E}" destId="{3A61C843-A546-4552-9AE8-B0D366651432}" srcOrd="1" destOrd="10" presId="urn:microsoft.com/office/officeart/2008/layout/PictureStrips"/>
+    <dgm:cxn modelId="{B8F9227C-7C5E-4771-A387-5ED65B787AFB}" type="presParOf" srcId="{B8D3511F-9CE9-49B1-AAEC-047129AB2C3D}" destId="{A8DA7931-3E1C-43A2-84AF-C0A736CCABA3}" srcOrd="11" destOrd="0" presId="urn:microsoft.com/office/officeart/2008/layout/PictureStrips"/>
+    <dgm:cxn modelId="{57C50266-F7AD-477D-A0EE-DE0554711B26}" type="presParOf" srcId="{B8D3511F-9CE9-49B1-AAEC-047129AB2C3D}" destId="{02A2EB3B-7510-4D58-8562-7FAF926DB3CD}" srcOrd="12" destOrd="0" presId="urn:microsoft.com/office/officeart/2008/layout/PictureStrips"/>
+    <dgm:cxn modelId="{0902C453-0433-402D-BB61-679ABFE70B48}" type="presParOf" srcId="{02A2EB3B-7510-4D58-8562-7FAF926DB3CD}" destId="{80324B09-7AA2-424A-BBD9-37EECE2F9CBB}" srcOrd="0" destOrd="12" presId="urn:microsoft.com/office/officeart/2008/layout/PictureStrips"/>
+    <dgm:cxn modelId="{9A87856F-D735-419B-AE40-2CBD312B20D5}" type="presOf" srcId="{C0C25320-000B-4726-ABC1-314F36AEAAB4}" destId="{80324B09-7AA2-424A-BBD9-37EECE2F9CBB}" srcOrd="0" destOrd="0" presId="urn:microsoft.com/office/officeart/2008/layout/PictureStrips"/>
+    <dgm:cxn modelId="{6FED7B3B-3368-48CC-B15D-A0621B1D7C7A}" type="presOf" srcId="{2AF43883-5C46-4F94-A008-B6A013749A3E}" destId="{80324B09-7AA2-424A-BBD9-37EECE2F9CBB}" srcOrd="0" destOrd="1" presId="urn:microsoft.com/office/officeart/2008/layout/PictureStrips"/>
+    <dgm:cxn modelId="{1D71B43C-AF4D-47D2-A7E2-D32D4545ACCA}" type="presParOf" srcId="{02A2EB3B-7510-4D58-8562-7FAF926DB3CD}" destId="{0CD775F1-1046-4777-AE79-CECB4BCDDA46}" srcOrd="1" destOrd="12" presId="urn:microsoft.com/office/officeart/2008/layout/PictureStrips"/>
   </dgm:cxnLst>
   <dgm:bg/>
   <dgm:whole/>
   <dgm:extLst>
     <a:ext uri="http://schemas.microsoft.com/office/drawing/2008/diagram">
-      <dsp:dataModelExt xmlns:dsp="http://schemas.microsoft.com/office/drawing/2008/diagram" relId="rId6" minVer="http://schemas.openxmlformats.org/drawingml/2006/diagram"/>
+      <dsp:dataModelExt xmlns:dsp="http://schemas.microsoft.com/office/drawing/2008/diagram" relId="rId5" minVer="http://schemas.openxmlformats.org/drawingml/2006/diagram"/>
     </a:ext>
   </dgm:extLst>
 </dgm:dataModel>
@@ -3226,7 +3230,9 @@
   <dgm:styleData>
     <dgm:dataModel>
       <dgm:ptLst>
-        <dgm:pt modelId="0" type="doc"/>
+        <dgm:pt modelId="0" type="doc">
+          <dgm:prSet qsTypeId="urn:microsoft.com/office/officeart/2005/8/quickstyle/simple5"/>
+        </dgm:pt>
         <dgm:pt modelId="10">
           <dgm:prSet phldr="1"/>
         </dgm:pt>
@@ -3397,15 +3403,503 @@
     <a:camera prst="orthographicFront"/>
     <a:lightRig rig="threePt" dir="t"/>
   </dgm:scene3d>
-  <dgm:styleLbl name="node0">
+  <dgm:styleLbl name="alignAcc1">
     <dgm:scene3d>
       <a:camera prst="orthographicFront"/>
       <a:lightRig rig="threePt" dir="t"/>
     </dgm:scene3d>
-    <dgm:sp3d/>
     <dgm:txPr/>
     <dgm:style>
       <a:lnRef idx="2">
+        <a:scrgbClr r="0" g="0" b="0"/>
+      </a:lnRef>
+      <a:fillRef idx="1">
+        <a:scrgbClr r="0" g="0" b="0"/>
+      </a:fillRef>
+      <a:effectRef idx="0">
+        <a:scrgbClr r="0" g="0" b="0"/>
+      </a:effectRef>
+      <a:fontRef idx="minor"/>
+    </dgm:style>
+  </dgm:styleLbl>
+  <dgm:styleLbl name="alignAccFollowNode1">
+    <dgm:scene3d>
+      <a:camera prst="orthographicFront"/>
+      <a:lightRig rig="threePt" dir="t"/>
+    </dgm:scene3d>
+    <dgm:txPr/>
+    <dgm:style>
+      <a:lnRef idx="2">
+        <a:scrgbClr r="0" g="0" b="0"/>
+      </a:lnRef>
+      <a:fillRef idx="1">
+        <a:scrgbClr r="0" g="0" b="0"/>
+      </a:fillRef>
+      <a:effectRef idx="0">
+        <a:scrgbClr r="0" g="0" b="0"/>
+      </a:effectRef>
+      <a:fontRef idx="minor"/>
+    </dgm:style>
+  </dgm:styleLbl>
+  <dgm:styleLbl name="alignImgPlace1">
+    <dgm:scene3d>
+      <a:camera prst="orthographicFront"/>
+      <a:lightRig rig="threePt" dir="t"/>
+    </dgm:scene3d>
+    <dgm:txPr/>
+    <dgm:style>
+      <a:lnRef idx="2">
+        <a:scrgbClr r="0" g="0" b="0"/>
+      </a:lnRef>
+      <a:fillRef idx="1">
+        <a:scrgbClr r="0" g="0" b="0"/>
+      </a:fillRef>
+      <a:effectRef idx="0">
+        <a:scrgbClr r="0" g="0" b="0"/>
+      </a:effectRef>
+      <a:fontRef idx="minor"/>
+    </dgm:style>
+  </dgm:styleLbl>
+  <dgm:styleLbl name="alignNode1">
+    <dgm:scene3d>
+      <a:camera prst="orthographicFront"/>
+      <a:lightRig rig="threePt" dir="t"/>
+    </dgm:scene3d>
+    <dgm:txPr/>
+    <dgm:style>
+      <a:lnRef idx="2">
+        <a:scrgbClr r="0" g="0" b="0"/>
+      </a:lnRef>
+      <a:fillRef idx="1">
+        <a:scrgbClr r="0" g="0" b="0"/>
+      </a:fillRef>
+      <a:effectRef idx="0">
+        <a:scrgbClr r="0" g="0" b="0"/>
+      </a:effectRef>
+      <a:fontRef idx="minor">
+        <a:schemeClr val="lt1"/>
+      </a:fontRef>
+    </dgm:style>
+  </dgm:styleLbl>
+  <dgm:styleLbl name="asst0">
+    <dgm:scene3d>
+      <a:camera prst="orthographicFront"/>
+      <a:lightRig rig="threePt" dir="t"/>
+    </dgm:scene3d>
+    <dgm:txPr/>
+    <dgm:style>
+      <a:lnRef idx="2">
+        <a:scrgbClr r="0" g="0" b="0"/>
+      </a:lnRef>
+      <a:fillRef idx="1">
+        <a:scrgbClr r="0" g="0" b="0"/>
+      </a:fillRef>
+      <a:effectRef idx="0">
+        <a:scrgbClr r="0" g="0" b="0"/>
+      </a:effectRef>
+      <a:fontRef idx="minor">
+        <a:schemeClr val="lt1"/>
+      </a:fontRef>
+    </dgm:style>
+  </dgm:styleLbl>
+  <dgm:styleLbl name="asst1">
+    <dgm:scene3d>
+      <a:camera prst="orthographicFront"/>
+      <a:lightRig rig="threePt" dir="t"/>
+    </dgm:scene3d>
+    <dgm:txPr/>
+    <dgm:style>
+      <a:lnRef idx="2">
+        <a:scrgbClr r="0" g="0" b="0"/>
+      </a:lnRef>
+      <a:fillRef idx="1">
+        <a:scrgbClr r="0" g="0" b="0"/>
+      </a:fillRef>
+      <a:effectRef idx="0">
+        <a:scrgbClr r="0" g="0" b="0"/>
+      </a:effectRef>
+      <a:fontRef idx="minor">
+        <a:schemeClr val="lt1"/>
+      </a:fontRef>
+    </dgm:style>
+  </dgm:styleLbl>
+  <dgm:styleLbl name="asst2">
+    <dgm:scene3d>
+      <a:camera prst="orthographicFront"/>
+      <a:lightRig rig="threePt" dir="t"/>
+    </dgm:scene3d>
+    <dgm:txPr/>
+    <dgm:style>
+      <a:lnRef idx="2">
+        <a:scrgbClr r="0" g="0" b="0"/>
+      </a:lnRef>
+      <a:fillRef idx="1">
+        <a:scrgbClr r="0" g="0" b="0"/>
+      </a:fillRef>
+      <a:effectRef idx="0">
+        <a:scrgbClr r="0" g="0" b="0"/>
+      </a:effectRef>
+      <a:fontRef idx="minor">
+        <a:schemeClr val="lt1"/>
+      </a:fontRef>
+    </dgm:style>
+  </dgm:styleLbl>
+  <dgm:styleLbl name="asst3">
+    <dgm:scene3d>
+      <a:camera prst="orthographicFront"/>
+      <a:lightRig rig="threePt" dir="t"/>
+    </dgm:scene3d>
+    <dgm:txPr/>
+    <dgm:style>
+      <a:lnRef idx="2">
+        <a:scrgbClr r="0" g="0" b="0"/>
+      </a:lnRef>
+      <a:fillRef idx="1">
+        <a:scrgbClr r="0" g="0" b="0"/>
+      </a:fillRef>
+      <a:effectRef idx="0">
+        <a:scrgbClr r="0" g="0" b="0"/>
+      </a:effectRef>
+      <a:fontRef idx="minor">
+        <a:schemeClr val="lt1"/>
+      </a:fontRef>
+    </dgm:style>
+  </dgm:styleLbl>
+  <dgm:styleLbl name="asst4">
+    <dgm:scene3d>
+      <a:camera prst="orthographicFront"/>
+      <a:lightRig rig="threePt" dir="t"/>
+    </dgm:scene3d>
+    <dgm:txPr/>
+    <dgm:style>
+      <a:lnRef idx="2">
+        <a:scrgbClr r="0" g="0" b="0"/>
+      </a:lnRef>
+      <a:fillRef idx="1">
+        <a:scrgbClr r="0" g="0" b="0"/>
+      </a:fillRef>
+      <a:effectRef idx="0">
+        <a:scrgbClr r="0" g="0" b="0"/>
+      </a:effectRef>
+      <a:fontRef idx="minor">
+        <a:schemeClr val="lt1"/>
+      </a:fontRef>
+    </dgm:style>
+  </dgm:styleLbl>
+  <dgm:styleLbl name="bgAcc1">
+    <dgm:scene3d>
+      <a:camera prst="orthographicFront"/>
+      <a:lightRig rig="threePt" dir="t"/>
+    </dgm:scene3d>
+    <dgm:txPr/>
+    <dgm:style>
+      <a:lnRef idx="2">
+        <a:scrgbClr r="0" g="0" b="0"/>
+      </a:lnRef>
+      <a:fillRef idx="1">
+        <a:scrgbClr r="0" g="0" b="0"/>
+      </a:fillRef>
+      <a:effectRef idx="0">
+        <a:scrgbClr r="0" g="0" b="0"/>
+      </a:effectRef>
+      <a:fontRef idx="minor"/>
+    </dgm:style>
+  </dgm:styleLbl>
+  <dgm:styleLbl name="bgAccFollowNode1">
+    <dgm:scene3d>
+      <a:camera prst="orthographicFront"/>
+      <a:lightRig rig="threePt" dir="t"/>
+    </dgm:scene3d>
+    <dgm:txPr/>
+    <dgm:style>
+      <a:lnRef idx="2">
+        <a:scrgbClr r="0" g="0" b="0"/>
+      </a:lnRef>
+      <a:fillRef idx="1">
+        <a:scrgbClr r="0" g="0" b="0"/>
+      </a:fillRef>
+      <a:effectRef idx="0">
+        <a:scrgbClr r="0" g="0" b="0"/>
+      </a:effectRef>
+      <a:fontRef idx="minor"/>
+    </dgm:style>
+  </dgm:styleLbl>
+  <dgm:styleLbl name="bgImgPlace1">
+    <dgm:scene3d>
+      <a:camera prst="orthographicFront"/>
+      <a:lightRig rig="threePt" dir="t"/>
+    </dgm:scene3d>
+    <dgm:txPr/>
+    <dgm:style>
+      <a:lnRef idx="2">
+        <a:scrgbClr r="0" g="0" b="0"/>
+      </a:lnRef>
+      <a:fillRef idx="1">
+        <a:scrgbClr r="0" g="0" b="0"/>
+      </a:fillRef>
+      <a:effectRef idx="0">
+        <a:scrgbClr r="0" g="0" b="0"/>
+      </a:effectRef>
+      <a:fontRef idx="minor"/>
+    </dgm:style>
+  </dgm:styleLbl>
+  <dgm:styleLbl name="bgShp">
+    <dgm:scene3d>
+      <a:camera prst="orthographicFront"/>
+      <a:lightRig rig="threePt" dir="t"/>
+    </dgm:scene3d>
+    <dgm:txPr/>
+    <dgm:style>
+      <a:lnRef idx="0">
+        <a:scrgbClr r="0" g="0" b="0"/>
+      </a:lnRef>
+      <a:fillRef idx="1">
+        <a:scrgbClr r="0" g="0" b="0"/>
+      </a:fillRef>
+      <a:effectRef idx="0">
+        <a:scrgbClr r="0" g="0" b="0"/>
+      </a:effectRef>
+      <a:fontRef idx="minor"/>
+    </dgm:style>
+  </dgm:styleLbl>
+  <dgm:styleLbl name="bgSibTrans2D1">
+    <dgm:scene3d>
+      <a:camera prst="orthographicFront"/>
+      <a:lightRig rig="threePt" dir="t"/>
+    </dgm:scene3d>
+    <dgm:txPr/>
+    <dgm:style>
+      <a:lnRef idx="0">
+        <a:scrgbClr r="0" g="0" b="0"/>
+      </a:lnRef>
+      <a:fillRef idx="1">
+        <a:scrgbClr r="0" g="0" b="0"/>
+      </a:fillRef>
+      <a:effectRef idx="0">
+        <a:scrgbClr r="0" g="0" b="0"/>
+      </a:effectRef>
+      <a:fontRef idx="minor">
+        <a:schemeClr val="lt1"/>
+      </a:fontRef>
+    </dgm:style>
+  </dgm:styleLbl>
+  <dgm:styleLbl name="callout">
+    <dgm:scene3d>
+      <a:camera prst="orthographicFront"/>
+      <a:lightRig rig="threePt" dir="t"/>
+    </dgm:scene3d>
+    <dgm:txPr/>
+    <dgm:style>
+      <a:lnRef idx="2">
+        <a:scrgbClr r="0" g="0" b="0"/>
+      </a:lnRef>
+      <a:fillRef idx="1">
+        <a:scrgbClr r="0" g="0" b="0"/>
+      </a:fillRef>
+      <a:effectRef idx="0">
+        <a:scrgbClr r="0" g="0" b="0"/>
+      </a:effectRef>
+      <a:fontRef idx="minor"/>
+    </dgm:style>
+  </dgm:styleLbl>
+  <dgm:styleLbl name="conFgAcc1">
+    <dgm:scene3d>
+      <a:camera prst="orthographicFront"/>
+      <a:lightRig rig="threePt" dir="t"/>
+    </dgm:scene3d>
+    <dgm:txPr/>
+    <dgm:style>
+      <a:lnRef idx="2">
+        <a:scrgbClr r="0" g="0" b="0"/>
+      </a:lnRef>
+      <a:fillRef idx="1">
+        <a:scrgbClr r="0" g="0" b="0"/>
+      </a:fillRef>
+      <a:effectRef idx="0">
+        <a:scrgbClr r="0" g="0" b="0"/>
+      </a:effectRef>
+      <a:fontRef idx="minor"/>
+    </dgm:style>
+  </dgm:styleLbl>
+  <dgm:styleLbl name="dkBgShp">
+    <dgm:scene3d>
+      <a:camera prst="orthographicFront"/>
+      <a:lightRig rig="threePt" dir="t"/>
+    </dgm:scene3d>
+    <dgm:txPr/>
+    <dgm:style>
+      <a:lnRef idx="0">
+        <a:scrgbClr r="0" g="0" b="0"/>
+      </a:lnRef>
+      <a:fillRef idx="1">
+        <a:scrgbClr r="0" g="0" b="0"/>
+      </a:fillRef>
+      <a:effectRef idx="0">
+        <a:scrgbClr r="0" g="0" b="0"/>
+      </a:effectRef>
+      <a:fontRef idx="minor"/>
+    </dgm:style>
+  </dgm:styleLbl>
+  <dgm:styleLbl name="fgAcc0">
+    <dgm:scene3d>
+      <a:camera prst="orthographicFront"/>
+      <a:lightRig rig="threePt" dir="t"/>
+    </dgm:scene3d>
+    <dgm:txPr/>
+    <dgm:style>
+      <a:lnRef idx="2">
+        <a:scrgbClr r="0" g="0" b="0"/>
+      </a:lnRef>
+      <a:fillRef idx="1">
+        <a:scrgbClr r="0" g="0" b="0"/>
+      </a:fillRef>
+      <a:effectRef idx="0">
+        <a:scrgbClr r="0" g="0" b="0"/>
+      </a:effectRef>
+      <a:fontRef idx="minor"/>
+    </dgm:style>
+  </dgm:styleLbl>
+  <dgm:styleLbl name="fgAcc1">
+    <dgm:scene3d>
+      <a:camera prst="orthographicFront"/>
+      <a:lightRig rig="threePt" dir="t"/>
+    </dgm:scene3d>
+    <dgm:txPr/>
+    <dgm:style>
+      <a:lnRef idx="2">
+        <a:scrgbClr r="0" g="0" b="0"/>
+      </a:lnRef>
+      <a:fillRef idx="1">
+        <a:scrgbClr r="0" g="0" b="0"/>
+      </a:fillRef>
+      <a:effectRef idx="0">
+        <a:scrgbClr r="0" g="0" b="0"/>
+      </a:effectRef>
+      <a:fontRef idx="minor"/>
+    </dgm:style>
+  </dgm:styleLbl>
+  <dgm:styleLbl name="fgAcc2">
+    <dgm:scene3d>
+      <a:camera prst="orthographicFront"/>
+      <a:lightRig rig="threePt" dir="t"/>
+    </dgm:scene3d>
+    <dgm:txPr/>
+    <dgm:style>
+      <a:lnRef idx="2">
+        <a:scrgbClr r="0" g="0" b="0"/>
+      </a:lnRef>
+      <a:fillRef idx="1">
+        <a:scrgbClr r="0" g="0" b="0"/>
+      </a:fillRef>
+      <a:effectRef idx="0">
+        <a:scrgbClr r="0" g="0" b="0"/>
+      </a:effectRef>
+      <a:fontRef idx="minor"/>
+    </dgm:style>
+  </dgm:styleLbl>
+  <dgm:styleLbl name="fgAcc3">
+    <dgm:scene3d>
+      <a:camera prst="orthographicFront"/>
+      <a:lightRig rig="threePt" dir="t"/>
+    </dgm:scene3d>
+    <dgm:txPr/>
+    <dgm:style>
+      <a:lnRef idx="2">
+        <a:scrgbClr r="0" g="0" b="0"/>
+      </a:lnRef>
+      <a:fillRef idx="1">
+        <a:scrgbClr r="0" g="0" b="0"/>
+      </a:fillRef>
+      <a:effectRef idx="0">
+        <a:scrgbClr r="0" g="0" b="0"/>
+      </a:effectRef>
+      <a:fontRef idx="minor"/>
+    </dgm:style>
+  </dgm:styleLbl>
+  <dgm:styleLbl name="fgAcc4">
+    <dgm:scene3d>
+      <a:camera prst="orthographicFront"/>
+      <a:lightRig rig="threePt" dir="t"/>
+    </dgm:scene3d>
+    <dgm:txPr/>
+    <dgm:style>
+      <a:lnRef idx="2">
+        <a:scrgbClr r="0" g="0" b="0"/>
+      </a:lnRef>
+      <a:fillRef idx="1">
+        <a:scrgbClr r="0" g="0" b="0"/>
+      </a:fillRef>
+      <a:effectRef idx="0">
+        <a:scrgbClr r="0" g="0" b="0"/>
+      </a:effectRef>
+      <a:fontRef idx="minor"/>
+    </dgm:style>
+  </dgm:styleLbl>
+  <dgm:styleLbl name="fgAccFollowNode1">
+    <dgm:scene3d>
+      <a:camera prst="orthographicFront"/>
+      <a:lightRig rig="threePt" dir="t"/>
+    </dgm:scene3d>
+    <dgm:txPr/>
+    <dgm:style>
+      <a:lnRef idx="2">
+        <a:scrgbClr r="0" g="0" b="0"/>
+      </a:lnRef>
+      <a:fillRef idx="1">
+        <a:scrgbClr r="0" g="0" b="0"/>
+      </a:fillRef>
+      <a:effectRef idx="0">
+        <a:scrgbClr r="0" g="0" b="0"/>
+      </a:effectRef>
+      <a:fontRef idx="minor"/>
+    </dgm:style>
+  </dgm:styleLbl>
+  <dgm:styleLbl name="fgImgPlace1">
+    <dgm:scene3d>
+      <a:camera prst="orthographicFront"/>
+      <a:lightRig rig="threePt" dir="t"/>
+    </dgm:scene3d>
+    <dgm:txPr/>
+    <dgm:style>
+      <a:lnRef idx="2">
+        <a:scrgbClr r="0" g="0" b="0"/>
+      </a:lnRef>
+      <a:fillRef idx="1">
+        <a:scrgbClr r="0" g="0" b="0"/>
+      </a:fillRef>
+      <a:effectRef idx="0">
+        <a:scrgbClr r="0" g="0" b="0"/>
+      </a:effectRef>
+      <a:fontRef idx="minor"/>
+    </dgm:style>
+  </dgm:styleLbl>
+  <dgm:styleLbl name="fgShp">
+    <dgm:scene3d>
+      <a:camera prst="orthographicFront"/>
+      <a:lightRig rig="threePt" dir="t"/>
+    </dgm:scene3d>
+    <dgm:txPr/>
+    <dgm:style>
+      <a:lnRef idx="2">
+        <a:scrgbClr r="0" g="0" b="0"/>
+      </a:lnRef>
+      <a:fillRef idx="1">
+        <a:scrgbClr r="0" g="0" b="0"/>
+      </a:fillRef>
+      <a:effectRef idx="0">
+        <a:scrgbClr r="0" g="0" b="0"/>
+      </a:effectRef>
+      <a:fontRef idx="minor"/>
+    </dgm:style>
+  </dgm:styleLbl>
+  <dgm:styleLbl name="fgSibTrans2D1">
+    <dgm:scene3d>
+      <a:camera prst="orthographicFront"/>
+      <a:lightRig rig="threePt" dir="t"/>
+    </dgm:scene3d>
+    <dgm:txPr/>
+    <dgm:style>
+      <a:lnRef idx="0">
         <a:scrgbClr r="0" g="0" b="0"/>
       </a:lnRef>
       <a:fillRef idx="1">
@@ -3424,7 +3918,6 @@
       <a:camera prst="orthographicFront"/>
       <a:lightRig rig="threePt" dir="t"/>
     </dgm:scene3d>
-    <dgm:sp3d/>
     <dgm:txPr/>
     <dgm:style>
       <a:lnRef idx="2">
@@ -3441,34 +3934,11 @@
       </a:fontRef>
     </dgm:style>
   </dgm:styleLbl>
-  <dgm:styleLbl name="vennNode1">
+  <dgm:styleLbl name="node0">
     <dgm:scene3d>
       <a:camera prst="orthographicFront"/>
       <a:lightRig rig="threePt" dir="t"/>
     </dgm:scene3d>
-    <dgm:sp3d/>
-    <dgm:txPr/>
-    <dgm:style>
-      <a:lnRef idx="2">
-        <a:scrgbClr r="0" g="0" b="0"/>
-      </a:lnRef>
-      <a:fillRef idx="1">
-        <a:scrgbClr r="0" g="0" b="0"/>
-      </a:fillRef>
-      <a:effectRef idx="0">
-        <a:scrgbClr r="0" g="0" b="0"/>
-      </a:effectRef>
-      <a:fontRef idx="minor">
-        <a:schemeClr val="tx1"/>
-      </a:fontRef>
-    </dgm:style>
-  </dgm:styleLbl>
-  <dgm:styleLbl name="alignNode1">
-    <dgm:scene3d>
-      <a:camera prst="orthographicFront"/>
-      <a:lightRig rig="threePt" dir="t"/>
-    </dgm:scene3d>
-    <dgm:sp3d/>
     <dgm:txPr/>
     <dgm:style>
       <a:lnRef idx="2">
@@ -3490,7 +3960,6 @@
       <a:camera prst="orthographicFront"/>
       <a:lightRig rig="threePt" dir="t"/>
     </dgm:scene3d>
-    <dgm:sp3d/>
     <dgm:txPr/>
     <dgm:style>
       <a:lnRef idx="2">
@@ -3512,7 +3981,6 @@
       <a:camera prst="orthographicFront"/>
       <a:lightRig rig="threePt" dir="t"/>
     </dgm:scene3d>
-    <dgm:sp3d/>
     <dgm:txPr/>
     <dgm:style>
       <a:lnRef idx="2">
@@ -3534,7 +4002,6 @@
       <a:camera prst="orthographicFront"/>
       <a:lightRig rig="threePt" dir="t"/>
     </dgm:scene3d>
-    <dgm:sp3d/>
     <dgm:txPr/>
     <dgm:style>
       <a:lnRef idx="2">
@@ -3556,7 +4023,6 @@
       <a:camera prst="orthographicFront"/>
       <a:lightRig rig="threePt" dir="t"/>
     </dgm:scene3d>
-    <dgm:sp3d/>
     <dgm:txPr/>
     <dgm:style>
       <a:lnRef idx="2">
@@ -3573,18 +4039,17 @@
       </a:fontRef>
     </dgm:style>
   </dgm:styleLbl>
-  <dgm:styleLbl name="fgImgPlace1">
+  <dgm:styleLbl name="parChTrans1D1">
     <dgm:scene3d>
       <a:camera prst="orthographicFront"/>
       <a:lightRig rig="threePt" dir="t"/>
     </dgm:scene3d>
-    <dgm:sp3d/>
     <dgm:txPr/>
     <dgm:style>
       <a:lnRef idx="2">
         <a:scrgbClr r="0" g="0" b="0"/>
       </a:lnRef>
-      <a:fillRef idx="1">
+      <a:fillRef idx="0">
         <a:scrgbClr r="0" g="0" b="0"/>
       </a:fillRef>
       <a:effectRef idx="0">
@@ -3593,18 +4058,17 @@
       <a:fontRef idx="minor"/>
     </dgm:style>
   </dgm:styleLbl>
-  <dgm:styleLbl name="alignImgPlace1">
+  <dgm:styleLbl name="parChTrans1D2">
     <dgm:scene3d>
       <a:camera prst="orthographicFront"/>
       <a:lightRig rig="threePt" dir="t"/>
     </dgm:scene3d>
-    <dgm:sp3d/>
     <dgm:txPr/>
     <dgm:style>
       <a:lnRef idx="2">
         <a:scrgbClr r="0" g="0" b="0"/>
       </a:lnRef>
-      <a:fillRef idx="1">
+      <a:fillRef idx="0">
         <a:scrgbClr r="0" g="0" b="0"/>
       </a:fillRef>
       <a:effectRef idx="0">
@@ -3613,18 +4077,17 @@
       <a:fontRef idx="minor"/>
     </dgm:style>
   </dgm:styleLbl>
-  <dgm:styleLbl name="bgImgPlace1">
+  <dgm:styleLbl name="parChTrans1D3">
     <dgm:scene3d>
       <a:camera prst="orthographicFront"/>
       <a:lightRig rig="threePt" dir="t"/>
     </dgm:scene3d>
-    <dgm:sp3d/>
     <dgm:txPr/>
     <dgm:style>
       <a:lnRef idx="2">
         <a:scrgbClr r="0" g="0" b="0"/>
       </a:lnRef>
-      <a:fillRef idx="1">
+      <a:fillRef idx="0">
         <a:scrgbClr r="0" g="0" b="0"/>
       </a:fillRef>
       <a:effectRef idx="0">
@@ -3633,220 +4096,23 @@
       <a:fontRef idx="minor"/>
     </dgm:style>
   </dgm:styleLbl>
-  <dgm:styleLbl name="sibTrans2D1">
+  <dgm:styleLbl name="parChTrans1D4">
     <dgm:scene3d>
       <a:camera prst="orthographicFront"/>
       <a:lightRig rig="threePt" dir="t"/>
     </dgm:scene3d>
-    <dgm:sp3d/>
-    <dgm:txPr/>
-    <dgm:style>
-      <a:lnRef idx="0">
-        <a:scrgbClr r="0" g="0" b="0"/>
-      </a:lnRef>
-      <a:fillRef idx="1">
-        <a:scrgbClr r="0" g="0" b="0"/>
-      </a:fillRef>
-      <a:effectRef idx="0">
-        <a:scrgbClr r="0" g="0" b="0"/>
-      </a:effectRef>
-      <a:fontRef idx="minor">
-        <a:schemeClr val="lt1"/>
-      </a:fontRef>
-    </dgm:style>
-  </dgm:styleLbl>
-  <dgm:styleLbl name="fgSibTrans2D1">
-    <dgm:scene3d>
-      <a:camera prst="orthographicFront"/>
-      <a:lightRig rig="threePt" dir="t"/>
-    </dgm:scene3d>
-    <dgm:sp3d/>
-    <dgm:txPr/>
-    <dgm:style>
-      <a:lnRef idx="0">
-        <a:scrgbClr r="0" g="0" b="0"/>
-      </a:lnRef>
-      <a:fillRef idx="1">
-        <a:scrgbClr r="0" g="0" b="0"/>
-      </a:fillRef>
-      <a:effectRef idx="0">
-        <a:scrgbClr r="0" g="0" b="0"/>
-      </a:effectRef>
-      <a:fontRef idx="minor">
-        <a:schemeClr val="lt1"/>
-      </a:fontRef>
-    </dgm:style>
-  </dgm:styleLbl>
-  <dgm:styleLbl name="bgSibTrans2D1">
-    <dgm:scene3d>
-      <a:camera prst="orthographicFront"/>
-      <a:lightRig rig="threePt" dir="t"/>
-    </dgm:scene3d>
-    <dgm:sp3d/>
-    <dgm:txPr/>
-    <dgm:style>
-      <a:lnRef idx="0">
-        <a:scrgbClr r="0" g="0" b="0"/>
-      </a:lnRef>
-      <a:fillRef idx="1">
-        <a:scrgbClr r="0" g="0" b="0"/>
-      </a:fillRef>
-      <a:effectRef idx="0">
-        <a:scrgbClr r="0" g="0" b="0"/>
-      </a:effectRef>
-      <a:fontRef idx="minor">
-        <a:schemeClr val="lt1"/>
-      </a:fontRef>
-    </dgm:style>
-  </dgm:styleLbl>
-  <dgm:styleLbl name="sibTrans1D1">
-    <dgm:scene3d>
-      <a:camera prst="orthographicFront"/>
-      <a:lightRig rig="threePt" dir="t"/>
-    </dgm:scene3d>
-    <dgm:sp3d/>
-    <dgm:txPr/>
-    <dgm:style>
-      <a:lnRef idx="1">
-        <a:scrgbClr r="0" g="0" b="0"/>
-      </a:lnRef>
-      <a:fillRef idx="0">
-        <a:scrgbClr r="0" g="0" b="0"/>
-      </a:fillRef>
-      <a:effectRef idx="0">
-        <a:scrgbClr r="0" g="0" b="0"/>
-      </a:effectRef>
-      <a:fontRef idx="minor"/>
-    </dgm:style>
-  </dgm:styleLbl>
-  <dgm:styleLbl name="callout">
-    <dgm:scene3d>
-      <a:camera prst="orthographicFront"/>
-      <a:lightRig rig="threePt" dir="t"/>
-    </dgm:scene3d>
-    <dgm:sp3d/>
     <dgm:txPr/>
     <dgm:style>
       <a:lnRef idx="2">
         <a:scrgbClr r="0" g="0" b="0"/>
       </a:lnRef>
-      <a:fillRef idx="1">
+      <a:fillRef idx="0">
         <a:scrgbClr r="0" g="0" b="0"/>
       </a:fillRef>
       <a:effectRef idx="0">
         <a:scrgbClr r="0" g="0" b="0"/>
       </a:effectRef>
       <a:fontRef idx="minor"/>
-    </dgm:style>
-  </dgm:styleLbl>
-  <dgm:styleLbl name="asst0">
-    <dgm:scene3d>
-      <a:camera prst="orthographicFront"/>
-      <a:lightRig rig="threePt" dir="t"/>
-    </dgm:scene3d>
-    <dgm:sp3d/>
-    <dgm:txPr/>
-    <dgm:style>
-      <a:lnRef idx="2">
-        <a:scrgbClr r="0" g="0" b="0"/>
-      </a:lnRef>
-      <a:fillRef idx="1">
-        <a:scrgbClr r="0" g="0" b="0"/>
-      </a:fillRef>
-      <a:effectRef idx="0">
-        <a:scrgbClr r="0" g="0" b="0"/>
-      </a:effectRef>
-      <a:fontRef idx="minor">
-        <a:schemeClr val="lt1"/>
-      </a:fontRef>
-    </dgm:style>
-  </dgm:styleLbl>
-  <dgm:styleLbl name="asst1">
-    <dgm:scene3d>
-      <a:camera prst="orthographicFront"/>
-      <a:lightRig rig="threePt" dir="t"/>
-    </dgm:scene3d>
-    <dgm:sp3d/>
-    <dgm:txPr/>
-    <dgm:style>
-      <a:lnRef idx="2">
-        <a:scrgbClr r="0" g="0" b="0"/>
-      </a:lnRef>
-      <a:fillRef idx="1">
-        <a:scrgbClr r="0" g="0" b="0"/>
-      </a:fillRef>
-      <a:effectRef idx="0">
-        <a:scrgbClr r="0" g="0" b="0"/>
-      </a:effectRef>
-      <a:fontRef idx="minor">
-        <a:schemeClr val="lt1"/>
-      </a:fontRef>
-    </dgm:style>
-  </dgm:styleLbl>
-  <dgm:styleLbl name="asst2">
-    <dgm:scene3d>
-      <a:camera prst="orthographicFront"/>
-      <a:lightRig rig="threePt" dir="t"/>
-    </dgm:scene3d>
-    <dgm:sp3d/>
-    <dgm:txPr/>
-    <dgm:style>
-      <a:lnRef idx="2">
-        <a:scrgbClr r="0" g="0" b="0"/>
-      </a:lnRef>
-      <a:fillRef idx="1">
-        <a:scrgbClr r="0" g="0" b="0"/>
-      </a:fillRef>
-      <a:effectRef idx="0">
-        <a:scrgbClr r="0" g="0" b="0"/>
-      </a:effectRef>
-      <a:fontRef idx="minor">
-        <a:schemeClr val="lt1"/>
-      </a:fontRef>
-    </dgm:style>
-  </dgm:styleLbl>
-  <dgm:styleLbl name="asst3">
-    <dgm:scene3d>
-      <a:camera prst="orthographicFront"/>
-      <a:lightRig rig="threePt" dir="t"/>
-    </dgm:scene3d>
-    <dgm:sp3d/>
-    <dgm:txPr/>
-    <dgm:style>
-      <a:lnRef idx="2">
-        <a:scrgbClr r="0" g="0" b="0"/>
-      </a:lnRef>
-      <a:fillRef idx="1">
-        <a:scrgbClr r="0" g="0" b="0"/>
-      </a:fillRef>
-      <a:effectRef idx="0">
-        <a:scrgbClr r="0" g="0" b="0"/>
-      </a:effectRef>
-      <a:fontRef idx="minor">
-        <a:schemeClr val="lt1"/>
-      </a:fontRef>
-    </dgm:style>
-  </dgm:styleLbl>
-  <dgm:styleLbl name="asst4">
-    <dgm:scene3d>
-      <a:camera prst="orthographicFront"/>
-      <a:lightRig rig="threePt" dir="t"/>
-    </dgm:scene3d>
-    <dgm:sp3d/>
-    <dgm:txPr/>
-    <dgm:style>
-      <a:lnRef idx="2">
-        <a:scrgbClr r="0" g="0" b="0"/>
-      </a:lnRef>
-      <a:fillRef idx="1">
-        <a:scrgbClr r="0" g="0" b="0"/>
-      </a:fillRef>
-      <a:effectRef idx="0">
-        <a:scrgbClr r="0" g="0" b="0"/>
-      </a:effectRef>
-      <a:fontRef idx="minor">
-        <a:schemeClr val="lt1"/>
-      </a:fontRef>
     </dgm:style>
   </dgm:styleLbl>
   <dgm:styleLbl name="parChTrans2D1">
@@ -3854,7 +4120,6 @@
       <a:camera prst="orthographicFront"/>
       <a:lightRig rig="threePt" dir="t"/>
     </dgm:scene3d>
-    <dgm:sp3d/>
     <dgm:txPr/>
     <dgm:style>
       <a:lnRef idx="2">
@@ -3876,7 +4141,6 @@
       <a:camera prst="orthographicFront"/>
       <a:lightRig rig="threePt" dir="t"/>
     </dgm:scene3d>
-    <dgm:sp3d/>
     <dgm:txPr/>
     <dgm:style>
       <a:lnRef idx="2">
@@ -3898,7 +4162,6 @@
       <a:camera prst="orthographicFront"/>
       <a:lightRig rig="threePt" dir="t"/>
     </dgm:scene3d>
-    <dgm:sp3d/>
     <dgm:txPr/>
     <dgm:style>
       <a:lnRef idx="2">
@@ -3920,7 +4183,6 @@
       <a:camera prst="orthographicFront"/>
       <a:lightRig rig="threePt" dir="t"/>
     </dgm:scene3d>
-    <dgm:sp3d/>
     <dgm:txPr/>
     <dgm:style>
       <a:lnRef idx="2">
@@ -3937,15 +4199,14 @@
       </a:fontRef>
     </dgm:style>
   </dgm:styleLbl>
-  <dgm:styleLbl name="parChTrans1D1">
+  <dgm:styleLbl name="revTx">
     <dgm:scene3d>
       <a:camera prst="orthographicFront"/>
       <a:lightRig rig="threePt" dir="t"/>
     </dgm:scene3d>
-    <dgm:sp3d/>
     <dgm:txPr/>
     <dgm:style>
-      <a:lnRef idx="2">
+      <a:lnRef idx="0">
         <a:scrgbClr r="0" g="0" b="0"/>
       </a:lnRef>
       <a:fillRef idx="0">
@@ -3957,15 +4218,14 @@
       <a:fontRef idx="minor"/>
     </dgm:style>
   </dgm:styleLbl>
-  <dgm:styleLbl name="parChTrans1D2">
+  <dgm:styleLbl name="sibTrans1D1">
     <dgm:scene3d>
       <a:camera prst="orthographicFront"/>
       <a:lightRig rig="threePt" dir="t"/>
     </dgm:scene3d>
-    <dgm:sp3d/>
     <dgm:txPr/>
     <dgm:style>
-      <a:lnRef idx="2">
+      <a:lnRef idx="1">
         <a:scrgbClr r="0" g="0" b="0"/>
       </a:lnRef>
       <a:fillRef idx="0">
@@ -3977,18 +4237,38 @@
       <a:fontRef idx="minor"/>
     </dgm:style>
   </dgm:styleLbl>
-  <dgm:styleLbl name="parChTrans1D3">
+  <dgm:styleLbl name="sibTrans2D1">
     <dgm:scene3d>
       <a:camera prst="orthographicFront"/>
       <a:lightRig rig="threePt" dir="t"/>
     </dgm:scene3d>
-    <dgm:sp3d/>
+    <dgm:txPr/>
+    <dgm:style>
+      <a:lnRef idx="0">
+        <a:scrgbClr r="0" g="0" b="0"/>
+      </a:lnRef>
+      <a:fillRef idx="1">
+        <a:scrgbClr r="0" g="0" b="0"/>
+      </a:fillRef>
+      <a:effectRef idx="0">
+        <a:scrgbClr r="0" g="0" b="0"/>
+      </a:effectRef>
+      <a:fontRef idx="minor">
+        <a:schemeClr val="lt1"/>
+      </a:fontRef>
+    </dgm:style>
+  </dgm:styleLbl>
+  <dgm:styleLbl name="solidAlignAcc1">
+    <dgm:scene3d>
+      <a:camera prst="orthographicFront"/>
+      <a:lightRig rig="threePt" dir="t"/>
+    </dgm:scene3d>
     <dgm:txPr/>
     <dgm:style>
       <a:lnRef idx="2">
         <a:scrgbClr r="0" g="0" b="0"/>
       </a:lnRef>
-      <a:fillRef idx="0">
+      <a:fillRef idx="1">
         <a:scrgbClr r="0" g="0" b="0"/>
       </a:fillRef>
       <a:effectRef idx="0">
@@ -3997,18 +4277,17 @@
       <a:fontRef idx="minor"/>
     </dgm:style>
   </dgm:styleLbl>
-  <dgm:styleLbl name="parChTrans1D4">
+  <dgm:styleLbl name="solidBgAcc1">
     <dgm:scene3d>
       <a:camera prst="orthographicFront"/>
       <a:lightRig rig="threePt" dir="t"/>
     </dgm:scene3d>
-    <dgm:sp3d/>
     <dgm:txPr/>
     <dgm:style>
       <a:lnRef idx="2">
         <a:scrgbClr r="0" g="0" b="0"/>
       </a:lnRef>
-      <a:fillRef idx="0">
+      <a:fillRef idx="1">
         <a:scrgbClr r="0" g="0" b="0"/>
       </a:fillRef>
       <a:effectRef idx="0">
@@ -4017,52 +4296,11 @@
       <a:fontRef idx="minor"/>
     </dgm:style>
   </dgm:styleLbl>
-  <dgm:styleLbl name="fgAcc1">
+  <dgm:styleLbl name="solidFgAcc1">
     <dgm:scene3d>
       <a:camera prst="orthographicFront"/>
       <a:lightRig rig="threePt" dir="t"/>
     </dgm:scene3d>
-    <dgm:sp3d/>
-    <dgm:txPr/>
-    <dgm:style>
-      <a:lnRef idx="2">
-        <a:scrgbClr r="0" g="0" b="0"/>
-      </a:lnRef>
-      <a:fillRef idx="1">
-        <a:scrgbClr r="0" g="0" b="0"/>
-      </a:fillRef>
-      <a:effectRef idx="0">
-        <a:scrgbClr r="0" g="0" b="0"/>
-      </a:effectRef>
-      <a:fontRef idx="minor"/>
-    </dgm:style>
-  </dgm:styleLbl>
-  <dgm:styleLbl name="conFgAcc1">
-    <dgm:scene3d>
-      <a:camera prst="orthographicFront"/>
-      <a:lightRig rig="threePt" dir="t"/>
-    </dgm:scene3d>
-    <dgm:sp3d/>
-    <dgm:txPr/>
-    <dgm:style>
-      <a:lnRef idx="2">
-        <a:scrgbClr r="0" g="0" b="0"/>
-      </a:lnRef>
-      <a:fillRef idx="1">
-        <a:scrgbClr r="0" g="0" b="0"/>
-      </a:fillRef>
-      <a:effectRef idx="0">
-        <a:scrgbClr r="0" g="0" b="0"/>
-      </a:effectRef>
-      <a:fontRef idx="minor"/>
-    </dgm:style>
-  </dgm:styleLbl>
-  <dgm:styleLbl name="alignAcc1">
-    <dgm:scene3d>
-      <a:camera prst="orthographicFront"/>
-      <a:lightRig rig="threePt" dir="t"/>
-    </dgm:scene3d>
-    <dgm:sp3d/>
     <dgm:txPr/>
     <dgm:style>
       <a:lnRef idx="2">
@@ -4082,270 +4320,9 @@
       <a:camera prst="orthographicFront"/>
       <a:lightRig rig="threePt" dir="t"/>
     </dgm:scene3d>
-    <dgm:sp3d/>
     <dgm:txPr/>
     <dgm:style>
       <a:lnRef idx="1">
-        <a:scrgbClr r="0" g="0" b="0"/>
-      </a:lnRef>
-      <a:fillRef idx="1">
-        <a:scrgbClr r="0" g="0" b="0"/>
-      </a:fillRef>
-      <a:effectRef idx="0">
-        <a:scrgbClr r="0" g="0" b="0"/>
-      </a:effectRef>
-      <a:fontRef idx="minor"/>
-    </dgm:style>
-  </dgm:styleLbl>
-  <dgm:styleLbl name="bgAcc1">
-    <dgm:scene3d>
-      <a:camera prst="orthographicFront"/>
-      <a:lightRig rig="threePt" dir="t"/>
-    </dgm:scene3d>
-    <dgm:sp3d/>
-    <dgm:txPr/>
-    <dgm:style>
-      <a:lnRef idx="2">
-        <a:scrgbClr r="0" g="0" b="0"/>
-      </a:lnRef>
-      <a:fillRef idx="1">
-        <a:scrgbClr r="0" g="0" b="0"/>
-      </a:fillRef>
-      <a:effectRef idx="0">
-        <a:scrgbClr r="0" g="0" b="0"/>
-      </a:effectRef>
-      <a:fontRef idx="minor"/>
-    </dgm:style>
-  </dgm:styleLbl>
-  <dgm:styleLbl name="solidFgAcc1">
-    <dgm:scene3d>
-      <a:camera prst="orthographicFront"/>
-      <a:lightRig rig="threePt" dir="t"/>
-    </dgm:scene3d>
-    <dgm:sp3d/>
-    <dgm:txPr/>
-    <dgm:style>
-      <a:lnRef idx="2">
-        <a:scrgbClr r="0" g="0" b="0"/>
-      </a:lnRef>
-      <a:fillRef idx="1">
-        <a:scrgbClr r="0" g="0" b="0"/>
-      </a:fillRef>
-      <a:effectRef idx="0">
-        <a:scrgbClr r="0" g="0" b="0"/>
-      </a:effectRef>
-      <a:fontRef idx="minor"/>
-    </dgm:style>
-  </dgm:styleLbl>
-  <dgm:styleLbl name="solidAlignAcc1">
-    <dgm:scene3d>
-      <a:camera prst="orthographicFront"/>
-      <a:lightRig rig="threePt" dir="t"/>
-    </dgm:scene3d>
-    <dgm:sp3d/>
-    <dgm:txPr/>
-    <dgm:style>
-      <a:lnRef idx="2">
-        <a:scrgbClr r="0" g="0" b="0"/>
-      </a:lnRef>
-      <a:fillRef idx="1">
-        <a:scrgbClr r="0" g="0" b="0"/>
-      </a:fillRef>
-      <a:effectRef idx="0">
-        <a:scrgbClr r="0" g="0" b="0"/>
-      </a:effectRef>
-      <a:fontRef idx="minor"/>
-    </dgm:style>
-  </dgm:styleLbl>
-  <dgm:styleLbl name="solidBgAcc1">
-    <dgm:scene3d>
-      <a:camera prst="orthographicFront"/>
-      <a:lightRig rig="threePt" dir="t"/>
-    </dgm:scene3d>
-    <dgm:sp3d/>
-    <dgm:txPr/>
-    <dgm:style>
-      <a:lnRef idx="2">
-        <a:scrgbClr r="0" g="0" b="0"/>
-      </a:lnRef>
-      <a:fillRef idx="1">
-        <a:scrgbClr r="0" g="0" b="0"/>
-      </a:fillRef>
-      <a:effectRef idx="0">
-        <a:scrgbClr r="0" g="0" b="0"/>
-      </a:effectRef>
-      <a:fontRef idx="minor"/>
-    </dgm:style>
-  </dgm:styleLbl>
-  <dgm:styleLbl name="fgAccFollowNode1">
-    <dgm:scene3d>
-      <a:camera prst="orthographicFront"/>
-      <a:lightRig rig="threePt" dir="t"/>
-    </dgm:scene3d>
-    <dgm:sp3d/>
-    <dgm:txPr/>
-    <dgm:style>
-      <a:lnRef idx="2">
-        <a:scrgbClr r="0" g="0" b="0"/>
-      </a:lnRef>
-      <a:fillRef idx="1">
-        <a:scrgbClr r="0" g="0" b="0"/>
-      </a:fillRef>
-      <a:effectRef idx="0">
-        <a:scrgbClr r="0" g="0" b="0"/>
-      </a:effectRef>
-      <a:fontRef idx="minor"/>
-    </dgm:style>
-  </dgm:styleLbl>
-  <dgm:styleLbl name="alignAccFollowNode1">
-    <dgm:scene3d>
-      <a:camera prst="orthographicFront"/>
-      <a:lightRig rig="threePt" dir="t"/>
-    </dgm:scene3d>
-    <dgm:sp3d/>
-    <dgm:txPr/>
-    <dgm:style>
-      <a:lnRef idx="2">
-        <a:scrgbClr r="0" g="0" b="0"/>
-      </a:lnRef>
-      <a:fillRef idx="1">
-        <a:scrgbClr r="0" g="0" b="0"/>
-      </a:fillRef>
-      <a:effectRef idx="0">
-        <a:scrgbClr r="0" g="0" b="0"/>
-      </a:effectRef>
-      <a:fontRef idx="minor"/>
-    </dgm:style>
-  </dgm:styleLbl>
-  <dgm:styleLbl name="bgAccFollowNode1">
-    <dgm:scene3d>
-      <a:camera prst="orthographicFront"/>
-      <a:lightRig rig="threePt" dir="t"/>
-    </dgm:scene3d>
-    <dgm:sp3d/>
-    <dgm:txPr/>
-    <dgm:style>
-      <a:lnRef idx="2">
-        <a:scrgbClr r="0" g="0" b="0"/>
-      </a:lnRef>
-      <a:fillRef idx="1">
-        <a:scrgbClr r="0" g="0" b="0"/>
-      </a:fillRef>
-      <a:effectRef idx="0">
-        <a:scrgbClr r="0" g="0" b="0"/>
-      </a:effectRef>
-      <a:fontRef idx="minor"/>
-    </dgm:style>
-  </dgm:styleLbl>
-  <dgm:styleLbl name="fgAcc0">
-    <dgm:scene3d>
-      <a:camera prst="orthographicFront"/>
-      <a:lightRig rig="threePt" dir="t"/>
-    </dgm:scene3d>
-    <dgm:sp3d/>
-    <dgm:txPr/>
-    <dgm:style>
-      <a:lnRef idx="2">
-        <a:scrgbClr r="0" g="0" b="0"/>
-      </a:lnRef>
-      <a:fillRef idx="1">
-        <a:scrgbClr r="0" g="0" b="0"/>
-      </a:fillRef>
-      <a:effectRef idx="0">
-        <a:scrgbClr r="0" g="0" b="0"/>
-      </a:effectRef>
-      <a:fontRef idx="minor"/>
-    </dgm:style>
-  </dgm:styleLbl>
-  <dgm:styleLbl name="fgAcc2">
-    <dgm:scene3d>
-      <a:camera prst="orthographicFront"/>
-      <a:lightRig rig="threePt" dir="t"/>
-    </dgm:scene3d>
-    <dgm:sp3d/>
-    <dgm:txPr/>
-    <dgm:style>
-      <a:lnRef idx="2">
-        <a:scrgbClr r="0" g="0" b="0"/>
-      </a:lnRef>
-      <a:fillRef idx="1">
-        <a:scrgbClr r="0" g="0" b="0"/>
-      </a:fillRef>
-      <a:effectRef idx="0">
-        <a:scrgbClr r="0" g="0" b="0"/>
-      </a:effectRef>
-      <a:fontRef idx="minor"/>
-    </dgm:style>
-  </dgm:styleLbl>
-  <dgm:styleLbl name="fgAcc3">
-    <dgm:scene3d>
-      <a:camera prst="orthographicFront"/>
-      <a:lightRig rig="threePt" dir="t"/>
-    </dgm:scene3d>
-    <dgm:sp3d/>
-    <dgm:txPr/>
-    <dgm:style>
-      <a:lnRef idx="2">
-        <a:scrgbClr r="0" g="0" b="0"/>
-      </a:lnRef>
-      <a:fillRef idx="1">
-        <a:scrgbClr r="0" g="0" b="0"/>
-      </a:fillRef>
-      <a:effectRef idx="0">
-        <a:scrgbClr r="0" g="0" b="0"/>
-      </a:effectRef>
-      <a:fontRef idx="minor"/>
-    </dgm:style>
-  </dgm:styleLbl>
-  <dgm:styleLbl name="fgAcc4">
-    <dgm:scene3d>
-      <a:camera prst="orthographicFront"/>
-      <a:lightRig rig="threePt" dir="t"/>
-    </dgm:scene3d>
-    <dgm:sp3d/>
-    <dgm:txPr/>
-    <dgm:style>
-      <a:lnRef idx="2">
-        <a:scrgbClr r="0" g="0" b="0"/>
-      </a:lnRef>
-      <a:fillRef idx="1">
-        <a:scrgbClr r="0" g="0" b="0"/>
-      </a:fillRef>
-      <a:effectRef idx="0">
-        <a:scrgbClr r="0" g="0" b="0"/>
-      </a:effectRef>
-      <a:fontRef idx="minor"/>
-    </dgm:style>
-  </dgm:styleLbl>
-  <dgm:styleLbl name="bgShp">
-    <dgm:scene3d>
-      <a:camera prst="orthographicFront"/>
-      <a:lightRig rig="threePt" dir="t"/>
-    </dgm:scene3d>
-    <dgm:sp3d/>
-    <dgm:txPr/>
-    <dgm:style>
-      <a:lnRef idx="0">
-        <a:scrgbClr r="0" g="0" b="0"/>
-      </a:lnRef>
-      <a:fillRef idx="1">
-        <a:scrgbClr r="0" g="0" b="0"/>
-      </a:fillRef>
-      <a:effectRef idx="0">
-        <a:scrgbClr r="0" g="0" b="0"/>
-      </a:effectRef>
-      <a:fontRef idx="minor"/>
-    </dgm:style>
-  </dgm:styleLbl>
-  <dgm:styleLbl name="dkBgShp">
-    <dgm:scene3d>
-      <a:camera prst="orthographicFront"/>
-      <a:lightRig rig="threePt" dir="t"/>
-    </dgm:scene3d>
-    <dgm:sp3d/>
-    <dgm:txPr/>
-    <dgm:style>
-      <a:lnRef idx="0">
         <a:scrgbClr r="0" g="0" b="0"/>
       </a:lnRef>
       <a:fillRef idx="1">
@@ -4362,7 +4339,6 @@
       <a:camera prst="orthographicFront"/>
       <a:lightRig rig="threePt" dir="t"/>
     </dgm:scene3d>
-    <dgm:sp3d/>
     <dgm:txPr/>
     <dgm:style>
       <a:lnRef idx="0">
@@ -4377,12 +4353,11 @@
       <a:fontRef idx="minor"/>
     </dgm:style>
   </dgm:styleLbl>
-  <dgm:styleLbl name="fgShp">
+  <dgm:styleLbl name="vennNode1">
     <dgm:scene3d>
       <a:camera prst="orthographicFront"/>
       <a:lightRig rig="threePt" dir="t"/>
     </dgm:scene3d>
-    <dgm:sp3d/>
     <dgm:txPr/>
     <dgm:style>
       <a:lnRef idx="2">
@@ -4394,34 +4369,16 @@
       <a:effectRef idx="0">
         <a:scrgbClr r="0" g="0" b="0"/>
       </a:effectRef>
-      <a:fontRef idx="minor"/>
-    </dgm:style>
-  </dgm:styleLbl>
-  <dgm:styleLbl name="revTx">
-    <dgm:scene3d>
-      <a:camera prst="orthographicFront"/>
-      <a:lightRig rig="threePt" dir="t"/>
-    </dgm:scene3d>
-    <dgm:sp3d/>
-    <dgm:txPr/>
-    <dgm:style>
-      <a:lnRef idx="0">
-        <a:scrgbClr r="0" g="0" b="0"/>
-      </a:lnRef>
-      <a:fillRef idx="0">
-        <a:scrgbClr r="0" g="0" b="0"/>
-      </a:fillRef>
-      <a:effectRef idx="0">
-        <a:scrgbClr r="0" g="0" b="0"/>
-      </a:effectRef>
-      <a:fontRef idx="minor"/>
+      <a:fontRef idx="minor">
+        <a:schemeClr val="tx1"/>
+      </a:fontRef>
     </dgm:style>
   </dgm:styleLbl>
 </dgm:styleDef>
 </file>
 
 <file path=ppt/slideLayouts/slideLayout1.xml><?xml version="1.0" encoding="utf-8"?>
-<p:sldLayout xmlns:a="http://schemas.openxmlformats.org/drawingml/2006/main" xmlns:r="http://schemas.openxmlformats.org/officeDocument/2006/relationships" xmlns:p="http://schemas.openxmlformats.org/presentationml/2006/main" showMasterSp="0" type="title" preserve="1">
+<p:sldLayout xmlns:a="http://schemas.openxmlformats.org/drawingml/2006/main" xmlns:r="http://schemas.openxmlformats.org/officeDocument/2006/relationships" xmlns:p="http://schemas.openxmlformats.org/presentationml/2006/main" type="title" preserve="1" showMasterSp="0">
   <p:cSld name="Title Slide">
     <p:spTree>
       <p:nvGrpSpPr>
@@ -5165,7 +5122,6 @@
           <a:p>
             <a:fld id="{12882970-8229-47B7-A9E3-4BF3548BA05C}" type="datetimeFigureOut">
               <a:rPr lang="en-US" smtClean="0"/>
-              <a:t>11/7/2019</a:t>
             </a:fld>
             <a:endParaRPr lang="en-US"/>
           </a:p>
@@ -5207,18 +5163,12 @@
           <a:p>
             <a:fld id="{D3826779-4296-4A2C-A830-36C50A75D81B}" type="slidenum">
               <a:rPr lang="en-US" smtClean="0"/>
-              <a:t>‹#›</a:t>
             </a:fld>
             <a:endParaRPr lang="en-US"/>
           </a:p>
         </p:txBody>
       </p:sp>
     </p:spTree>
-    <p:extLst>
-      <p:ext uri="{BB962C8B-B14F-4D97-AF65-F5344CB8AC3E}">
-        <p14:creationId xmlns:p14="http://schemas.microsoft.com/office/powerpoint/2010/main" val="4247417047"/>
-      </p:ext>
-    </p:extLst>
   </p:cSld>
   <p:clrMapOvr>
     <a:masterClrMapping/>
@@ -5396,6 +5346,7 @@
               <a:rPr lang="en-US" smtClean="0"/>
               <a:t>Click to edit Master text styles</a:t>
             </a:r>
+            <a:endParaRPr lang="en-US" smtClean="0"/>
           </a:p>
         </p:txBody>
       </p:sp>
@@ -5416,7 +5367,6 @@
           <a:p>
             <a:fld id="{12882970-8229-47B7-A9E3-4BF3548BA05C}" type="datetimeFigureOut">
               <a:rPr lang="en-US" smtClean="0"/>
-              <a:t>11/7/2019</a:t>
             </a:fld>
             <a:endParaRPr lang="en-US"/>
           </a:p>
@@ -5458,18 +5408,12 @@
           <a:p>
             <a:fld id="{D3826779-4296-4A2C-A830-36C50A75D81B}" type="slidenum">
               <a:rPr lang="en-US" smtClean="0"/>
-              <a:t>‹#›</a:t>
             </a:fld>
             <a:endParaRPr lang="en-US"/>
           </a:p>
         </p:txBody>
       </p:sp>
     </p:spTree>
-    <p:extLst>
-      <p:ext uri="{BB962C8B-B14F-4D97-AF65-F5344CB8AC3E}">
-        <p14:creationId xmlns:p14="http://schemas.microsoft.com/office/powerpoint/2010/main" val="3632342221"/>
-      </p:ext>
-    </p:extLst>
   </p:cSld>
   <p:clrMapOvr>
     <a:masterClrMapping/>
@@ -5588,6 +5532,7 @@
               <a:rPr lang="en-US" smtClean="0"/>
               <a:t>Click to edit Master text styles</a:t>
             </a:r>
+            <a:endParaRPr lang="en-US" smtClean="0"/>
           </a:p>
         </p:txBody>
       </p:sp>
@@ -5710,6 +5655,7 @@
               <a:rPr lang="en-US" smtClean="0"/>
               <a:t>Click to edit Master text styles</a:t>
             </a:r>
+            <a:endParaRPr lang="en-US" smtClean="0"/>
           </a:p>
         </p:txBody>
       </p:sp>
@@ -5730,7 +5676,6 @@
           <a:p>
             <a:fld id="{12882970-8229-47B7-A9E3-4BF3548BA05C}" type="datetimeFigureOut">
               <a:rPr lang="en-US" smtClean="0"/>
-              <a:t>11/7/2019</a:t>
             </a:fld>
             <a:endParaRPr lang="en-US"/>
           </a:p>
@@ -5772,7 +5717,6 @@
           <a:p>
             <a:fld id="{D3826779-4296-4A2C-A830-36C50A75D81B}" type="slidenum">
               <a:rPr lang="en-US" smtClean="0"/>
-              <a:t>‹#›</a:t>
             </a:fld>
             <a:endParaRPr lang="en-US"/>
           </a:p>
@@ -5812,10 +5756,23 @@
                   </a:schemeClr>
                 </a:solidFill>
                 <a:effectLst/>
-                <a:latin typeface="Arial"/>
+                <a:latin typeface="Arial" panose="020B0604020202020204"/>
               </a:rPr>
               <a:t>“</a:t>
             </a:r>
+            <a:endParaRPr lang="en-US" sz="8000" baseline="0" dirty="0">
+              <a:ln w="3175" cmpd="sng">
+                <a:noFill/>
+              </a:ln>
+              <a:solidFill>
+                <a:schemeClr val="accent1">
+                  <a:lumMod val="60000"/>
+                  <a:lumOff val="40000"/>
+                </a:schemeClr>
+              </a:solidFill>
+              <a:effectLst/>
+              <a:latin typeface="Arial" panose="020B0604020202020204"/>
+            </a:endParaRPr>
           </a:p>
         </p:txBody>
       </p:sp>
@@ -5853,19 +5810,27 @@
                   </a:schemeClr>
                 </a:solidFill>
                 <a:effectLst/>
-                <a:latin typeface="Arial"/>
+                <a:latin typeface="Arial" panose="020B0604020202020204"/>
               </a:rPr>
               <a:t>”</a:t>
             </a:r>
+            <a:endParaRPr lang="en-US" sz="8000" baseline="0" dirty="0">
+              <a:ln w="3175" cmpd="sng">
+                <a:noFill/>
+              </a:ln>
+              <a:solidFill>
+                <a:schemeClr val="accent1">
+                  <a:lumMod val="60000"/>
+                  <a:lumOff val="40000"/>
+                </a:schemeClr>
+              </a:solidFill>
+              <a:effectLst/>
+              <a:latin typeface="Arial" panose="020B0604020202020204"/>
+            </a:endParaRPr>
           </a:p>
         </p:txBody>
       </p:sp>
     </p:spTree>
-    <p:extLst>
-      <p:ext uri="{BB962C8B-B14F-4D97-AF65-F5344CB8AC3E}">
-        <p14:creationId xmlns:p14="http://schemas.microsoft.com/office/powerpoint/2010/main" val="1245862394"/>
-      </p:ext>
-    </p:extLst>
   </p:cSld>
   <p:clrMapOvr>
     <a:masterClrMapping/>
@@ -6043,6 +6008,7 @@
               <a:rPr lang="en-US" smtClean="0"/>
               <a:t>Click to edit Master text styles</a:t>
             </a:r>
+            <a:endParaRPr lang="en-US" smtClean="0"/>
           </a:p>
         </p:txBody>
       </p:sp>
@@ -6063,7 +6029,6 @@
           <a:p>
             <a:fld id="{12882970-8229-47B7-A9E3-4BF3548BA05C}" type="datetimeFigureOut">
               <a:rPr lang="en-US" smtClean="0"/>
-              <a:t>11/7/2019</a:t>
             </a:fld>
             <a:endParaRPr lang="en-US"/>
           </a:p>
@@ -6105,18 +6070,12 @@
           <a:p>
             <a:fld id="{D3826779-4296-4A2C-A830-36C50A75D81B}" type="slidenum">
               <a:rPr lang="en-US" smtClean="0"/>
-              <a:t>‹#›</a:t>
             </a:fld>
             <a:endParaRPr lang="en-US"/>
           </a:p>
         </p:txBody>
       </p:sp>
     </p:spTree>
-    <p:extLst>
-      <p:ext uri="{BB962C8B-B14F-4D97-AF65-F5344CB8AC3E}">
-        <p14:creationId xmlns:p14="http://schemas.microsoft.com/office/powerpoint/2010/main" val="686237448"/>
-      </p:ext>
-    </p:extLst>
   </p:cSld>
   <p:clrMapOvr>
     <a:masterClrMapping/>
@@ -6235,6 +6194,7 @@
               <a:rPr lang="en-US" smtClean="0"/>
               <a:t>Click to edit Master text styles</a:t>
             </a:r>
+            <a:endParaRPr lang="en-US" smtClean="0"/>
           </a:p>
         </p:txBody>
       </p:sp>
@@ -6357,6 +6317,7 @@
               <a:rPr lang="en-US" smtClean="0"/>
               <a:t>Click to edit Master text styles</a:t>
             </a:r>
+            <a:endParaRPr lang="en-US" smtClean="0"/>
           </a:p>
         </p:txBody>
       </p:sp>
@@ -6377,7 +6338,6 @@
           <a:p>
             <a:fld id="{12882970-8229-47B7-A9E3-4BF3548BA05C}" type="datetimeFigureOut">
               <a:rPr lang="en-US" smtClean="0"/>
-              <a:t>11/7/2019</a:t>
             </a:fld>
             <a:endParaRPr lang="en-US"/>
           </a:p>
@@ -6419,7 +6379,6 @@
           <a:p>
             <a:fld id="{D3826779-4296-4A2C-A830-36C50A75D81B}" type="slidenum">
               <a:rPr lang="en-US" smtClean="0"/>
-              <a:t>‹#›</a:t>
             </a:fld>
             <a:endParaRPr lang="en-US"/>
           </a:p>
@@ -6459,10 +6418,23 @@
                   </a:schemeClr>
                 </a:solidFill>
                 <a:effectLst/>
-                <a:latin typeface="Arial"/>
+                <a:latin typeface="Arial" panose="020B0604020202020204"/>
               </a:rPr>
               <a:t>“</a:t>
             </a:r>
+            <a:endParaRPr lang="en-US" sz="8000" baseline="0" dirty="0">
+              <a:ln w="3175" cmpd="sng">
+                <a:noFill/>
+              </a:ln>
+              <a:solidFill>
+                <a:schemeClr val="accent1">
+                  <a:lumMod val="60000"/>
+                  <a:lumOff val="40000"/>
+                </a:schemeClr>
+              </a:solidFill>
+              <a:effectLst/>
+              <a:latin typeface="Arial" panose="020B0604020202020204"/>
+            </a:endParaRPr>
           </a:p>
         </p:txBody>
       </p:sp>
@@ -6500,19 +6472,27 @@
                   </a:schemeClr>
                 </a:solidFill>
                 <a:effectLst/>
-                <a:latin typeface="Arial"/>
+                <a:latin typeface="Arial" panose="020B0604020202020204"/>
               </a:rPr>
               <a:t>”</a:t>
             </a:r>
+            <a:endParaRPr lang="en-US" sz="8000" baseline="0" dirty="0">
+              <a:ln w="3175" cmpd="sng">
+                <a:noFill/>
+              </a:ln>
+              <a:solidFill>
+                <a:schemeClr val="accent1">
+                  <a:lumMod val="60000"/>
+                  <a:lumOff val="40000"/>
+                </a:schemeClr>
+              </a:solidFill>
+              <a:effectLst/>
+              <a:latin typeface="Arial" panose="020B0604020202020204"/>
+            </a:endParaRPr>
           </a:p>
         </p:txBody>
       </p:sp>
     </p:spTree>
-    <p:extLst>
-      <p:ext uri="{BB962C8B-B14F-4D97-AF65-F5344CB8AC3E}">
-        <p14:creationId xmlns:p14="http://schemas.microsoft.com/office/powerpoint/2010/main" val="2530819560"/>
-      </p:ext>
-    </p:extLst>
   </p:cSld>
   <p:clrMapOvr>
     <a:masterClrMapping/>
@@ -6628,6 +6608,7 @@
               <a:rPr lang="en-US" smtClean="0"/>
               <a:t>Click to edit Master text styles</a:t>
             </a:r>
+            <a:endParaRPr lang="en-US" smtClean="0"/>
           </a:p>
         </p:txBody>
       </p:sp>
@@ -6750,6 +6731,7 @@
               <a:rPr lang="en-US" smtClean="0"/>
               <a:t>Click to edit Master text styles</a:t>
             </a:r>
+            <a:endParaRPr lang="en-US" smtClean="0"/>
           </a:p>
         </p:txBody>
       </p:sp>
@@ -6770,7 +6752,6 @@
           <a:p>
             <a:fld id="{12882970-8229-47B7-A9E3-4BF3548BA05C}" type="datetimeFigureOut">
               <a:rPr lang="en-US" smtClean="0"/>
-              <a:t>11/7/2019</a:t>
             </a:fld>
             <a:endParaRPr lang="en-US"/>
           </a:p>
@@ -6812,18 +6793,12 @@
           <a:p>
             <a:fld id="{D3826779-4296-4A2C-A830-36C50A75D81B}" type="slidenum">
               <a:rPr lang="en-US" smtClean="0"/>
-              <a:t>‹#›</a:t>
             </a:fld>
             <a:endParaRPr lang="en-US"/>
           </a:p>
         </p:txBody>
       </p:sp>
     </p:spTree>
-    <p:extLst>
-      <p:ext uri="{BB962C8B-B14F-4D97-AF65-F5344CB8AC3E}">
-        <p14:creationId xmlns:p14="http://schemas.microsoft.com/office/powerpoint/2010/main" val="77857393"/>
-      </p:ext>
-    </p:extLst>
   </p:cSld>
   <p:clrMapOvr>
     <a:masterClrMapping/>
@@ -6891,6 +6866,7 @@
               <a:rPr lang="en-US" smtClean="0"/>
               <a:t>Click to edit Master text styles</a:t>
             </a:r>
+            <a:endParaRPr lang="en-US" smtClean="0"/>
           </a:p>
           <a:p>
             <a:pPr lvl="1"/>
@@ -6898,6 +6874,7 @@
               <a:rPr lang="en-US" smtClean="0"/>
               <a:t>Second level</a:t>
             </a:r>
+            <a:endParaRPr lang="en-US" smtClean="0"/>
           </a:p>
           <a:p>
             <a:pPr lvl="2"/>
@@ -6905,6 +6882,7 @@
               <a:rPr lang="en-US" smtClean="0"/>
               <a:t>Third level</a:t>
             </a:r>
+            <a:endParaRPr lang="en-US" smtClean="0"/>
           </a:p>
           <a:p>
             <a:pPr lvl="3"/>
@@ -6912,6 +6890,7 @@
               <a:rPr lang="en-US" smtClean="0"/>
               <a:t>Fourth level</a:t>
             </a:r>
+            <a:endParaRPr lang="en-US" smtClean="0"/>
           </a:p>
           <a:p>
             <a:pPr lvl="4"/>
@@ -6940,7 +6919,6 @@
           <a:p>
             <a:fld id="{12882970-8229-47B7-A9E3-4BF3548BA05C}" type="datetimeFigureOut">
               <a:rPr lang="en-US" smtClean="0"/>
-              <a:t>11/7/2019</a:t>
             </a:fld>
             <a:endParaRPr lang="en-US"/>
           </a:p>
@@ -6982,18 +6960,12 @@
           <a:p>
             <a:fld id="{D3826779-4296-4A2C-A830-36C50A75D81B}" type="slidenum">
               <a:rPr lang="en-US" smtClean="0"/>
-              <a:t>‹#›</a:t>
             </a:fld>
             <a:endParaRPr lang="en-US"/>
           </a:p>
         </p:txBody>
       </p:sp>
     </p:spTree>
-    <p:extLst>
-      <p:ext uri="{BB962C8B-B14F-4D97-AF65-F5344CB8AC3E}">
-        <p14:creationId xmlns:p14="http://schemas.microsoft.com/office/powerpoint/2010/main" val="3566308624"/>
-      </p:ext>
-    </p:extLst>
   </p:cSld>
   <p:clrMapOvr>
     <a:masterClrMapping/>
@@ -7071,6 +7043,7 @@
               <a:rPr lang="en-US" smtClean="0"/>
               <a:t>Click to edit Master text styles</a:t>
             </a:r>
+            <a:endParaRPr lang="en-US" smtClean="0"/>
           </a:p>
           <a:p>
             <a:pPr lvl="1"/>
@@ -7078,6 +7051,7 @@
               <a:rPr lang="en-US" smtClean="0"/>
               <a:t>Second level</a:t>
             </a:r>
+            <a:endParaRPr lang="en-US" smtClean="0"/>
           </a:p>
           <a:p>
             <a:pPr lvl="2"/>
@@ -7085,6 +7059,7 @@
               <a:rPr lang="en-US" smtClean="0"/>
               <a:t>Third level</a:t>
             </a:r>
+            <a:endParaRPr lang="en-US" smtClean="0"/>
           </a:p>
           <a:p>
             <a:pPr lvl="3"/>
@@ -7092,6 +7067,7 @@
               <a:rPr lang="en-US" smtClean="0"/>
               <a:t>Fourth level</a:t>
             </a:r>
+            <a:endParaRPr lang="en-US" smtClean="0"/>
           </a:p>
           <a:p>
             <a:pPr lvl="4"/>
@@ -7120,7 +7096,6 @@
           <a:p>
             <a:fld id="{12882970-8229-47B7-A9E3-4BF3548BA05C}" type="datetimeFigureOut">
               <a:rPr lang="en-US" smtClean="0"/>
-              <a:t>11/7/2019</a:t>
             </a:fld>
             <a:endParaRPr lang="en-US"/>
           </a:p>
@@ -7162,18 +7137,12 @@
           <a:p>
             <a:fld id="{D3826779-4296-4A2C-A830-36C50A75D81B}" type="slidenum">
               <a:rPr lang="en-US" smtClean="0"/>
-              <a:t>‹#›</a:t>
             </a:fld>
             <a:endParaRPr lang="en-US"/>
           </a:p>
         </p:txBody>
       </p:sp>
     </p:spTree>
-    <p:extLst>
-      <p:ext uri="{BB962C8B-B14F-4D97-AF65-F5344CB8AC3E}">
-        <p14:creationId xmlns:p14="http://schemas.microsoft.com/office/powerpoint/2010/main" val="2468837547"/>
-      </p:ext>
-    </p:extLst>
   </p:cSld>
   <p:clrMapOvr>
     <a:masterClrMapping/>
@@ -7241,6 +7210,7 @@
               <a:rPr lang="en-US" smtClean="0"/>
               <a:t>Click to edit Master text styles</a:t>
             </a:r>
+            <a:endParaRPr lang="en-US" smtClean="0"/>
           </a:p>
           <a:p>
             <a:pPr lvl="1"/>
@@ -7248,6 +7218,7 @@
               <a:rPr lang="en-US" smtClean="0"/>
               <a:t>Second level</a:t>
             </a:r>
+            <a:endParaRPr lang="en-US" smtClean="0"/>
           </a:p>
           <a:p>
             <a:pPr lvl="2"/>
@@ -7255,6 +7226,7 @@
               <a:rPr lang="en-US" smtClean="0"/>
               <a:t>Third level</a:t>
             </a:r>
+            <a:endParaRPr lang="en-US" smtClean="0"/>
           </a:p>
           <a:p>
             <a:pPr lvl="3"/>
@@ -7262,6 +7234,7 @@
               <a:rPr lang="en-US" smtClean="0"/>
               <a:t>Fourth level</a:t>
             </a:r>
+            <a:endParaRPr lang="en-US" smtClean="0"/>
           </a:p>
           <a:p>
             <a:pPr lvl="4"/>
@@ -7290,7 +7263,6 @@
           <a:p>
             <a:fld id="{12882970-8229-47B7-A9E3-4BF3548BA05C}" type="datetimeFigureOut">
               <a:rPr lang="en-US" smtClean="0"/>
-              <a:t>11/7/2019</a:t>
             </a:fld>
             <a:endParaRPr lang="en-US"/>
           </a:p>
@@ -7332,18 +7304,12 @@
           <a:p>
             <a:fld id="{D3826779-4296-4A2C-A830-36C50A75D81B}" type="slidenum">
               <a:rPr lang="en-US" smtClean="0"/>
-              <a:t>‹#›</a:t>
             </a:fld>
             <a:endParaRPr lang="en-US"/>
           </a:p>
         </p:txBody>
       </p:sp>
     </p:spTree>
-    <p:extLst>
-      <p:ext uri="{BB962C8B-B14F-4D97-AF65-F5344CB8AC3E}">
-        <p14:creationId xmlns:p14="http://schemas.microsoft.com/office/powerpoint/2010/main" val="2077851492"/>
-      </p:ext>
-    </p:extLst>
   </p:cSld>
   <p:clrMapOvr>
     <a:masterClrMapping/>
@@ -7517,6 +7483,7 @@
               <a:rPr lang="en-US" smtClean="0"/>
               <a:t>Click to edit Master text styles</a:t>
             </a:r>
+            <a:endParaRPr lang="en-US" smtClean="0"/>
           </a:p>
         </p:txBody>
       </p:sp>
@@ -7537,7 +7504,6 @@
           <a:p>
             <a:fld id="{12882970-8229-47B7-A9E3-4BF3548BA05C}" type="datetimeFigureOut">
               <a:rPr lang="en-US" smtClean="0"/>
-              <a:t>11/7/2019</a:t>
             </a:fld>
             <a:endParaRPr lang="en-US"/>
           </a:p>
@@ -7579,18 +7545,12 @@
           <a:p>
             <a:fld id="{D3826779-4296-4A2C-A830-36C50A75D81B}" type="slidenum">
               <a:rPr lang="en-US" smtClean="0"/>
-              <a:t>‹#›</a:t>
             </a:fld>
             <a:endParaRPr lang="en-US"/>
           </a:p>
         </p:txBody>
       </p:sp>
     </p:spTree>
-    <p:extLst>
-      <p:ext uri="{BB962C8B-B14F-4D97-AF65-F5344CB8AC3E}">
-        <p14:creationId xmlns:p14="http://schemas.microsoft.com/office/powerpoint/2010/main" val="1291621340"/>
-      </p:ext>
-    </p:extLst>
   </p:cSld>
   <p:clrMapOvr>
     <a:masterClrMapping/>
@@ -7663,6 +7623,7 @@
               <a:rPr lang="en-US" smtClean="0"/>
               <a:t>Click to edit Master text styles</a:t>
             </a:r>
+            <a:endParaRPr lang="en-US" smtClean="0"/>
           </a:p>
           <a:p>
             <a:pPr lvl="1"/>
@@ -7670,6 +7631,7 @@
               <a:rPr lang="en-US" smtClean="0"/>
               <a:t>Second level</a:t>
             </a:r>
+            <a:endParaRPr lang="en-US" smtClean="0"/>
           </a:p>
           <a:p>
             <a:pPr lvl="2"/>
@@ -7677,6 +7639,7 @@
               <a:rPr lang="en-US" smtClean="0"/>
               <a:t>Third level</a:t>
             </a:r>
+            <a:endParaRPr lang="en-US" smtClean="0"/>
           </a:p>
           <a:p>
             <a:pPr lvl="3"/>
@@ -7684,6 +7647,7 @@
               <a:rPr lang="en-US" smtClean="0"/>
               <a:t>Fourth level</a:t>
             </a:r>
+            <a:endParaRPr lang="en-US" smtClean="0"/>
           </a:p>
           <a:p>
             <a:pPr lvl="4"/>
@@ -7720,6 +7684,7 @@
               <a:rPr lang="en-US" smtClean="0"/>
               <a:t>Click to edit Master text styles</a:t>
             </a:r>
+            <a:endParaRPr lang="en-US" smtClean="0"/>
           </a:p>
           <a:p>
             <a:pPr lvl="1"/>
@@ -7727,6 +7692,7 @@
               <a:rPr lang="en-US" smtClean="0"/>
               <a:t>Second level</a:t>
             </a:r>
+            <a:endParaRPr lang="en-US" smtClean="0"/>
           </a:p>
           <a:p>
             <a:pPr lvl="2"/>
@@ -7734,6 +7700,7 @@
               <a:rPr lang="en-US" smtClean="0"/>
               <a:t>Third level</a:t>
             </a:r>
+            <a:endParaRPr lang="en-US" smtClean="0"/>
           </a:p>
           <a:p>
             <a:pPr lvl="3"/>
@@ -7741,6 +7708,7 @@
               <a:rPr lang="en-US" smtClean="0"/>
               <a:t>Fourth level</a:t>
             </a:r>
+            <a:endParaRPr lang="en-US" smtClean="0"/>
           </a:p>
           <a:p>
             <a:pPr lvl="4"/>
@@ -7769,7 +7737,6 @@
           <a:p>
             <a:fld id="{12882970-8229-47B7-A9E3-4BF3548BA05C}" type="datetimeFigureOut">
               <a:rPr lang="en-US" smtClean="0"/>
-              <a:t>11/7/2019</a:t>
             </a:fld>
             <a:endParaRPr lang="en-US"/>
           </a:p>
@@ -7811,18 +7778,12 @@
           <a:p>
             <a:fld id="{D3826779-4296-4A2C-A830-36C50A75D81B}" type="slidenum">
               <a:rPr lang="en-US" smtClean="0"/>
-              <a:t>‹#›</a:t>
             </a:fld>
             <a:endParaRPr lang="en-US"/>
           </a:p>
         </p:txBody>
       </p:sp>
     </p:spTree>
-    <p:extLst>
-      <p:ext uri="{BB962C8B-B14F-4D97-AF65-F5344CB8AC3E}">
-        <p14:creationId xmlns:p14="http://schemas.microsoft.com/office/powerpoint/2010/main" val="2028679406"/>
-      </p:ext>
-    </p:extLst>
   </p:cSld>
   <p:clrMapOvr>
     <a:masterClrMapping/>
@@ -7938,6 +7899,7 @@
               <a:rPr lang="en-US" smtClean="0"/>
               <a:t>Click to edit Master text styles</a:t>
             </a:r>
+            <a:endParaRPr lang="en-US" smtClean="0"/>
           </a:p>
         </p:txBody>
       </p:sp>
@@ -7968,6 +7930,7 @@
               <a:rPr lang="en-US" smtClean="0"/>
               <a:t>Click to edit Master text styles</a:t>
             </a:r>
+            <a:endParaRPr lang="en-US" smtClean="0"/>
           </a:p>
           <a:p>
             <a:pPr lvl="1"/>
@@ -7975,6 +7938,7 @@
               <a:rPr lang="en-US" smtClean="0"/>
               <a:t>Second level</a:t>
             </a:r>
+            <a:endParaRPr lang="en-US" smtClean="0"/>
           </a:p>
           <a:p>
             <a:pPr lvl="2"/>
@@ -7982,6 +7946,7 @@
               <a:rPr lang="en-US" smtClean="0"/>
               <a:t>Third level</a:t>
             </a:r>
+            <a:endParaRPr lang="en-US" smtClean="0"/>
           </a:p>
           <a:p>
             <a:pPr lvl="3"/>
@@ -7989,6 +7954,7 @@
               <a:rPr lang="en-US" smtClean="0"/>
               <a:t>Fourth level</a:t>
             </a:r>
+            <a:endParaRPr lang="en-US" smtClean="0"/>
           </a:p>
           <a:p>
             <a:pPr lvl="4"/>
@@ -8064,6 +8030,7 @@
               <a:rPr lang="en-US" smtClean="0"/>
               <a:t>Click to edit Master text styles</a:t>
             </a:r>
+            <a:endParaRPr lang="en-US" smtClean="0"/>
           </a:p>
         </p:txBody>
       </p:sp>
@@ -8094,6 +8061,7 @@
               <a:rPr lang="en-US" smtClean="0"/>
               <a:t>Click to edit Master text styles</a:t>
             </a:r>
+            <a:endParaRPr lang="en-US" smtClean="0"/>
           </a:p>
           <a:p>
             <a:pPr lvl="1"/>
@@ -8101,6 +8069,7 @@
               <a:rPr lang="en-US" smtClean="0"/>
               <a:t>Second level</a:t>
             </a:r>
+            <a:endParaRPr lang="en-US" smtClean="0"/>
           </a:p>
           <a:p>
             <a:pPr lvl="2"/>
@@ -8108,6 +8077,7 @@
               <a:rPr lang="en-US" smtClean="0"/>
               <a:t>Third level</a:t>
             </a:r>
+            <a:endParaRPr lang="en-US" smtClean="0"/>
           </a:p>
           <a:p>
             <a:pPr lvl="3"/>
@@ -8115,6 +8085,7 @@
               <a:rPr lang="en-US" smtClean="0"/>
               <a:t>Fourth level</a:t>
             </a:r>
+            <a:endParaRPr lang="en-US" smtClean="0"/>
           </a:p>
           <a:p>
             <a:pPr lvl="4"/>
@@ -8143,7 +8114,6 @@
           <a:p>
             <a:fld id="{12882970-8229-47B7-A9E3-4BF3548BA05C}" type="datetimeFigureOut">
               <a:rPr lang="en-US" smtClean="0"/>
-              <a:t>11/7/2019</a:t>
             </a:fld>
             <a:endParaRPr lang="en-US"/>
           </a:p>
@@ -8185,18 +8155,12 @@
           <a:p>
             <a:fld id="{D3826779-4296-4A2C-A830-36C50A75D81B}" type="slidenum">
               <a:rPr lang="en-US" smtClean="0"/>
-              <a:t>‹#›</a:t>
             </a:fld>
             <a:endParaRPr lang="en-US"/>
           </a:p>
         </p:txBody>
       </p:sp>
     </p:spTree>
-    <p:extLst>
-      <p:ext uri="{BB962C8B-B14F-4D97-AF65-F5344CB8AC3E}">
-        <p14:creationId xmlns:p14="http://schemas.microsoft.com/office/powerpoint/2010/main" val="2214601304"/>
-      </p:ext>
-    </p:extLst>
   </p:cSld>
   <p:clrMapOvr>
     <a:masterClrMapping/>
@@ -8266,7 +8230,6 @@
           <a:p>
             <a:fld id="{12882970-8229-47B7-A9E3-4BF3548BA05C}" type="datetimeFigureOut">
               <a:rPr lang="en-US" smtClean="0"/>
-              <a:t>11/7/2019</a:t>
             </a:fld>
             <a:endParaRPr lang="en-US"/>
           </a:p>
@@ -8308,18 +8271,12 @@
           <a:p>
             <a:fld id="{D3826779-4296-4A2C-A830-36C50A75D81B}" type="slidenum">
               <a:rPr lang="en-US" smtClean="0"/>
-              <a:t>‹#›</a:t>
             </a:fld>
             <a:endParaRPr lang="en-US"/>
           </a:p>
         </p:txBody>
       </p:sp>
     </p:spTree>
-    <p:extLst>
-      <p:ext uri="{BB962C8B-B14F-4D97-AF65-F5344CB8AC3E}">
-        <p14:creationId xmlns:p14="http://schemas.microsoft.com/office/powerpoint/2010/main" val="2512929765"/>
-      </p:ext>
-    </p:extLst>
   </p:cSld>
   <p:clrMapOvr>
     <a:masterClrMapping/>
@@ -8361,7 +8318,6 @@
           <a:p>
             <a:fld id="{12882970-8229-47B7-A9E3-4BF3548BA05C}" type="datetimeFigureOut">
               <a:rPr lang="en-US" smtClean="0"/>
-              <a:t>11/7/2019</a:t>
             </a:fld>
             <a:endParaRPr lang="en-US"/>
           </a:p>
@@ -8403,18 +8359,12 @@
           <a:p>
             <a:fld id="{D3826779-4296-4A2C-A830-36C50A75D81B}" type="slidenum">
               <a:rPr lang="en-US" smtClean="0"/>
-              <a:t>‹#›</a:t>
             </a:fld>
             <a:endParaRPr lang="en-US"/>
           </a:p>
         </p:txBody>
       </p:sp>
     </p:spTree>
-    <p:extLst>
-      <p:ext uri="{BB962C8B-B14F-4D97-AF65-F5344CB8AC3E}">
-        <p14:creationId xmlns:p14="http://schemas.microsoft.com/office/powerpoint/2010/main" val="1669498191"/>
-      </p:ext>
-    </p:extLst>
   </p:cSld>
   <p:clrMapOvr>
     <a:masterClrMapping/>
@@ -8500,6 +8450,7 @@
               <a:rPr lang="en-US" smtClean="0"/>
               <a:t>Click to edit Master text styles</a:t>
             </a:r>
+            <a:endParaRPr lang="en-US" smtClean="0"/>
           </a:p>
           <a:p>
             <a:pPr lvl="1"/>
@@ -8507,6 +8458,7 @@
               <a:rPr lang="en-US" smtClean="0"/>
               <a:t>Second level</a:t>
             </a:r>
+            <a:endParaRPr lang="en-US" smtClean="0"/>
           </a:p>
           <a:p>
             <a:pPr lvl="2"/>
@@ -8514,6 +8466,7 @@
               <a:rPr lang="en-US" smtClean="0"/>
               <a:t>Third level</a:t>
             </a:r>
+            <a:endParaRPr lang="en-US" smtClean="0"/>
           </a:p>
           <a:p>
             <a:pPr lvl="3"/>
@@ -8521,6 +8474,7 @@
               <a:rPr lang="en-US" smtClean="0"/>
               <a:t>Fourth level</a:t>
             </a:r>
+            <a:endParaRPr lang="en-US" smtClean="0"/>
           </a:p>
           <a:p>
             <a:pPr lvl="4"/>
@@ -8557,35 +8511,35 @@
               <a:buNone/>
               <a:defRPr sz="1400"/>
             </a:lvl1pPr>
-            <a:lvl2pPr marL="457063" indent="0">
+            <a:lvl2pPr marL="457200" indent="0">
               <a:buNone/>
               <a:defRPr sz="1400"/>
             </a:lvl2pPr>
-            <a:lvl3pPr marL="914126" indent="0">
+            <a:lvl3pPr marL="914400" indent="0">
               <a:buNone/>
               <a:defRPr sz="1200"/>
             </a:lvl3pPr>
-            <a:lvl4pPr marL="1371189" indent="0">
+            <a:lvl4pPr marL="1370965" indent="0">
               <a:buNone/>
               <a:defRPr sz="1000"/>
             </a:lvl4pPr>
-            <a:lvl5pPr marL="1828251" indent="0">
+            <a:lvl5pPr marL="1828165" indent="0">
               <a:buNone/>
               <a:defRPr sz="1000"/>
             </a:lvl5pPr>
-            <a:lvl6pPr marL="2285314" indent="0">
+            <a:lvl6pPr marL="2285365" indent="0">
               <a:buNone/>
               <a:defRPr sz="1000"/>
             </a:lvl6pPr>
-            <a:lvl7pPr marL="2742377" indent="0">
+            <a:lvl7pPr marL="2742565" indent="0">
               <a:buNone/>
               <a:defRPr sz="1000"/>
             </a:lvl7pPr>
-            <a:lvl8pPr marL="3199440" indent="0">
+            <a:lvl8pPr marL="3199130" indent="0">
               <a:buNone/>
               <a:defRPr sz="1000"/>
             </a:lvl8pPr>
-            <a:lvl9pPr marL="3656503" indent="0">
+            <a:lvl9pPr marL="3656330" indent="0">
               <a:buNone/>
               <a:defRPr sz="1000"/>
             </a:lvl9pPr>
@@ -8596,6 +8550,7 @@
               <a:rPr lang="en-US" smtClean="0"/>
               <a:t>Click to edit Master text styles</a:t>
             </a:r>
+            <a:endParaRPr lang="en-US" smtClean="0"/>
           </a:p>
         </p:txBody>
       </p:sp>
@@ -8616,7 +8571,6 @@
           <a:p>
             <a:fld id="{12882970-8229-47B7-A9E3-4BF3548BA05C}" type="datetimeFigureOut">
               <a:rPr lang="en-US" smtClean="0"/>
-              <a:t>11/7/2019</a:t>
             </a:fld>
             <a:endParaRPr lang="en-US"/>
           </a:p>
@@ -8658,18 +8612,12 @@
           <a:p>
             <a:fld id="{D3826779-4296-4A2C-A830-36C50A75D81B}" type="slidenum">
               <a:rPr lang="en-US" smtClean="0"/>
-              <a:t>‹#›</a:t>
             </a:fld>
             <a:endParaRPr lang="en-US"/>
           </a:p>
         </p:txBody>
       </p:sp>
     </p:spTree>
-    <p:extLst>
-      <p:ext uri="{BB962C8B-B14F-4D97-AF65-F5344CB8AC3E}">
-        <p14:creationId xmlns:p14="http://schemas.microsoft.com/office/powerpoint/2010/main" val="4018899279"/>
-      </p:ext>
-    </p:extLst>
   </p:cSld>
   <p:clrMapOvr>
     <a:masterClrMapping/>
@@ -8859,6 +8807,7 @@
               <a:rPr lang="en-US" smtClean="0"/>
               <a:t>Click to edit Master text styles</a:t>
             </a:r>
+            <a:endParaRPr lang="en-US" smtClean="0"/>
           </a:p>
         </p:txBody>
       </p:sp>
@@ -8898,7 +8847,6 @@
           <a:p>
             <a:fld id="{D3826779-4296-4A2C-A830-36C50A75D81B}" type="slidenum">
               <a:rPr lang="en-US" smtClean="0"/>
-              <a:t>‹#›</a:t>
             </a:fld>
             <a:endParaRPr lang="en-US"/>
           </a:p>
@@ -8921,18 +8869,12 @@
           <a:p>
             <a:fld id="{12882970-8229-47B7-A9E3-4BF3548BA05C}" type="datetimeFigureOut">
               <a:rPr lang="en-US" smtClean="0"/>
-              <a:t>11/7/2019</a:t>
             </a:fld>
             <a:endParaRPr lang="en-US"/>
           </a:p>
         </p:txBody>
       </p:sp>
     </p:spTree>
-    <p:extLst>
-      <p:ext uri="{BB962C8B-B14F-4D97-AF65-F5344CB8AC3E}">
-        <p14:creationId xmlns:p14="http://schemas.microsoft.com/office/powerpoint/2010/main" val="1377619261"/>
-      </p:ext>
-    </p:extLst>
   </p:cSld>
   <p:clrMapOvr>
     <a:masterClrMapping/>
@@ -9556,6 +9498,7 @@
               <a:rPr lang="en-US" smtClean="0"/>
               <a:t>Click to edit Master text styles</a:t>
             </a:r>
+            <a:endParaRPr lang="en-US" smtClean="0"/>
           </a:p>
           <a:p>
             <a:pPr lvl="1"/>
@@ -9563,6 +9506,7 @@
               <a:rPr lang="en-US" smtClean="0"/>
               <a:t>Second level</a:t>
             </a:r>
+            <a:endParaRPr lang="en-US" smtClean="0"/>
           </a:p>
           <a:p>
             <a:pPr lvl="2"/>
@@ -9570,6 +9514,7 @@
               <a:rPr lang="en-US" smtClean="0"/>
               <a:t>Third level</a:t>
             </a:r>
+            <a:endParaRPr lang="en-US" smtClean="0"/>
           </a:p>
           <a:p>
             <a:pPr lvl="3"/>
@@ -9577,6 +9522,7 @@
               <a:rPr lang="en-US" smtClean="0"/>
               <a:t>Fourth level</a:t>
             </a:r>
+            <a:endParaRPr lang="en-US" smtClean="0"/>
           </a:p>
           <a:p>
             <a:pPr lvl="4"/>
@@ -9623,7 +9569,6 @@
           <a:p>
             <a:fld id="{12882970-8229-47B7-A9E3-4BF3548BA05C}" type="datetimeFigureOut">
               <a:rPr lang="en-US" smtClean="0"/>
-              <a:t>11/7/2019</a:t>
             </a:fld>
             <a:endParaRPr lang="en-US"/>
           </a:p>
@@ -9699,37 +9644,31 @@
           <a:p>
             <a:fld id="{D3826779-4296-4A2C-A830-36C50A75D81B}" type="slidenum">
               <a:rPr lang="en-US" smtClean="0"/>
-              <a:t>‹#›</a:t>
             </a:fld>
             <a:endParaRPr lang="en-US"/>
           </a:p>
         </p:txBody>
       </p:sp>
     </p:spTree>
-    <p:extLst>
-      <p:ext uri="{BB962C8B-B14F-4D97-AF65-F5344CB8AC3E}">
-        <p14:creationId xmlns:p14="http://schemas.microsoft.com/office/powerpoint/2010/main" val="3324137971"/>
-      </p:ext>
-    </p:extLst>
   </p:cSld>
   <p:clrMap bg1="lt1" tx1="dk1" bg2="lt2" tx2="dk2" accent1="accent1" accent2="accent2" accent3="accent3" accent4="accent4" accent5="accent5" accent6="accent6" hlink="hlink" folHlink="folHlink"/>
   <p:sldLayoutIdLst>
-    <p:sldLayoutId id="2147483749" r:id="rId1"/>
-    <p:sldLayoutId id="2147483750" r:id="rId2"/>
-    <p:sldLayoutId id="2147483751" r:id="rId3"/>
-    <p:sldLayoutId id="2147483752" r:id="rId4"/>
-    <p:sldLayoutId id="2147483753" r:id="rId5"/>
-    <p:sldLayoutId id="2147483754" r:id="rId6"/>
-    <p:sldLayoutId id="2147483755" r:id="rId7"/>
-    <p:sldLayoutId id="2147483756" r:id="rId8"/>
-    <p:sldLayoutId id="2147483757" r:id="rId9"/>
-    <p:sldLayoutId id="2147483758" r:id="rId10"/>
-    <p:sldLayoutId id="2147483759" r:id="rId11"/>
-    <p:sldLayoutId id="2147483760" r:id="rId12"/>
-    <p:sldLayoutId id="2147483761" r:id="rId13"/>
-    <p:sldLayoutId id="2147483762" r:id="rId14"/>
-    <p:sldLayoutId id="2147483763" r:id="rId15"/>
-    <p:sldLayoutId id="2147483764" r:id="rId16"/>
+    <p:sldLayoutId id="2147483649" r:id="rId1"/>
+    <p:sldLayoutId id="2147483650" r:id="rId2"/>
+    <p:sldLayoutId id="2147483651" r:id="rId3"/>
+    <p:sldLayoutId id="2147483652" r:id="rId4"/>
+    <p:sldLayoutId id="2147483653" r:id="rId5"/>
+    <p:sldLayoutId id="2147483654" r:id="rId6"/>
+    <p:sldLayoutId id="2147483655" r:id="rId7"/>
+    <p:sldLayoutId id="2147483656" r:id="rId8"/>
+    <p:sldLayoutId id="2147483657" r:id="rId9"/>
+    <p:sldLayoutId id="2147483658" r:id="rId10"/>
+    <p:sldLayoutId id="2147483659" r:id="rId11"/>
+    <p:sldLayoutId id="2147483660" r:id="rId12"/>
+    <p:sldLayoutId id="2147483661" r:id="rId13"/>
+    <p:sldLayoutId id="2147483662" r:id="rId14"/>
+    <p:sldLayoutId id="2147483663" r:id="rId15"/>
+    <p:sldLayoutId id="2147483664" r:id="rId16"/>
   </p:sldLayoutIdLst>
   <p:txStyles>
     <p:titleStyle>
@@ -9816,7 +9755,7 @@
           <a:schemeClr val="accent1"/>
         </a:buClr>
         <a:buSzPct val="80000"/>
-        <a:buFont typeface="Wingdings 3" charset="2"/>
+        <a:buFont typeface="Wingdings 3" panose="05040102010807070707" charset="2"/>
         <a:buChar char=""/>
         <a:defRPr sz="1800" kern="1200">
           <a:solidFill>
@@ -9841,7 +9780,7 @@
           <a:schemeClr val="accent1"/>
         </a:buClr>
         <a:buSzPct val="80000"/>
-        <a:buFont typeface="Wingdings 3" charset="2"/>
+        <a:buFont typeface="Wingdings 3" panose="05040102010807070707" charset="2"/>
         <a:buChar char=""/>
         <a:defRPr sz="1600" kern="1200">
           <a:solidFill>
@@ -9866,7 +9805,7 @@
           <a:schemeClr val="accent1"/>
         </a:buClr>
         <a:buSzPct val="80000"/>
-        <a:buFont typeface="Wingdings 3" charset="2"/>
+        <a:buFont typeface="Wingdings 3" panose="05040102010807070707" charset="2"/>
         <a:buChar char=""/>
         <a:defRPr sz="1400" kern="1200">
           <a:solidFill>
@@ -9891,7 +9830,7 @@
           <a:schemeClr val="accent1"/>
         </a:buClr>
         <a:buSzPct val="80000"/>
-        <a:buFont typeface="Wingdings 3" charset="2"/>
+        <a:buFont typeface="Wingdings 3" panose="05040102010807070707" charset="2"/>
         <a:buChar char=""/>
         <a:defRPr sz="1200" kern="1200">
           <a:solidFill>
@@ -9916,7 +9855,7 @@
           <a:schemeClr val="accent1"/>
         </a:buClr>
         <a:buSzPct val="80000"/>
-        <a:buFont typeface="Wingdings 3" charset="2"/>
+        <a:buFont typeface="Wingdings 3" panose="05040102010807070707" charset="2"/>
         <a:buChar char=""/>
         <a:defRPr sz="1200" kern="1200">
           <a:solidFill>
@@ -9941,7 +9880,7 @@
           <a:schemeClr val="accent1"/>
         </a:buClr>
         <a:buSzPct val="80000"/>
-        <a:buFont typeface="Wingdings 3" charset="2"/>
+        <a:buFont typeface="Wingdings 3" panose="05040102010807070707" charset="2"/>
         <a:buChar char=""/>
         <a:defRPr sz="1200" kern="1200">
           <a:solidFill>
@@ -9966,7 +9905,7 @@
           <a:schemeClr val="accent1"/>
         </a:buClr>
         <a:buSzPct val="80000"/>
-        <a:buFont typeface="Wingdings 3" charset="2"/>
+        <a:buFont typeface="Wingdings 3" panose="05040102010807070707" charset="2"/>
         <a:buChar char=""/>
         <a:defRPr sz="1200" kern="1200">
           <a:solidFill>
@@ -9991,7 +9930,7 @@
           <a:schemeClr val="accent1"/>
         </a:buClr>
         <a:buSzPct val="80000"/>
-        <a:buFont typeface="Wingdings 3" charset="2"/>
+        <a:buFont typeface="Wingdings 3" panose="05040102010807070707" charset="2"/>
         <a:buChar char=""/>
         <a:defRPr sz="1200" kern="1200">
           <a:solidFill>
@@ -10016,7 +9955,7 @@
           <a:schemeClr val="accent1"/>
         </a:buClr>
         <a:buSzPct val="80000"/>
-        <a:buFont typeface="Wingdings 3" charset="2"/>
+        <a:buFont typeface="Wingdings 3" panose="05040102010807070707" charset="2"/>
         <a:buChar char=""/>
         <a:defRPr sz="1200" kern="1200">
           <a:solidFill>
@@ -10136,7 +10075,7 @@
     <p:bg>
       <p:bgPr>
         <a:blipFill dpi="0" rotWithShape="1">
-          <a:blip r:embed="rId2">
+          <a:blip r:embed="rId1">
             <a:alphaModFix amt="47000"/>
             <a:lum/>
           </a:blip>
@@ -10286,11 +10225,61 @@
         </p:txBody>
       </p:sp>
     </p:spTree>
-    <p:extLst>
-      <p:ext uri="{BB962C8B-B14F-4D97-AF65-F5344CB8AC3E}">
-        <p14:creationId xmlns:p14="http://schemas.microsoft.com/office/powerpoint/2010/main" val="526704039"/>
-      </p:ext>
-    </p:extLst>
+  </p:cSld>
+  <p:clrMapOvr>
+    <a:masterClrMapping/>
+  </p:clrMapOvr>
+</p:sld>
+</file>
+
+<file path=ppt/slides/slide10.xml><?xml version="1.0" encoding="utf-8"?>
+<p:sld xmlns:a="http://schemas.openxmlformats.org/drawingml/2006/main" xmlns:r="http://schemas.openxmlformats.org/officeDocument/2006/relationships" xmlns:p="http://schemas.openxmlformats.org/presentationml/2006/main">
+  <p:cSld>
+    <p:spTree>
+      <p:nvGrpSpPr>
+        <p:cNvPr id="1" name=""/>
+        <p:cNvGrpSpPr/>
+        <p:nvPr/>
+      </p:nvGrpSpPr>
+      <p:grpSpPr>
+        <a:xfrm>
+          <a:off x="0" y="0"/>
+          <a:ext cx="0" cy="0"/>
+          <a:chOff x="0" y="0"/>
+          <a:chExt cx="0" cy="0"/>
+        </a:xfrm>
+      </p:grpSpPr>
+      <p:pic>
+        <p:nvPicPr>
+          <p:cNvPr id="4" name="Content Placeholder 3"/>
+          <p:cNvPicPr>
+            <a:picLocks noGrp="1" noChangeAspect="1"/>
+          </p:cNvPicPr>
+          <p:nvPr>
+            <p:ph idx="1"/>
+          </p:nvPr>
+        </p:nvPicPr>
+        <p:blipFill rotWithShape="1">
+          <a:blip r:embed="rId1">
+            <a:extLst>
+              <a:ext uri="{28A0092B-C50C-407E-A947-70E740481C1C}">
+                <a14:useLocalDpi xmlns:a14="http://schemas.microsoft.com/office/drawing/2010/main" val="0"/>
+              </a:ext>
+            </a:extLst>
+          </a:blip>
+          <a:srcRect l="11202" t="-455" r="10992" b="7692"/>
+          <a:stretch>
+            <a:fillRect/>
+          </a:stretch>
+        </p:blipFill>
+        <p:spPr>
+          <a:xfrm>
+            <a:off x="3245475" y="515155"/>
+            <a:ext cx="5022761" cy="5911403"/>
+          </a:xfrm>
+        </p:spPr>
+      </p:pic>
+    </p:spTree>
   </p:cSld>
   <p:clrMapOvr>
     <a:masterClrMapping/>
@@ -10304,7 +10293,7 @@
     <p:bg>
       <p:bgPr>
         <a:blipFill dpi="0" rotWithShape="1">
-          <a:blip r:embed="rId2"/>
+          <a:blip r:embed="rId1"/>
           <a:srcRect/>
           <a:stretch>
             <a:fillRect/>
@@ -10380,11 +10369,6 @@
         </p:txBody>
       </p:sp>
     </p:spTree>
-    <p:extLst>
-      <p:ext uri="{BB962C8B-B14F-4D97-AF65-F5344CB8AC3E}">
-        <p14:creationId xmlns:p14="http://schemas.microsoft.com/office/powerpoint/2010/main" val="1092892806"/>
-      </p:ext>
-    </p:extLst>
   </p:cSld>
   <p:clrMapOvr>
     <a:masterClrMapping/>
@@ -10482,23 +10466,15 @@
                   <a:schemeClr val="tx1"/>
                 </a:solidFill>
               </a:rPr>
-              <a:t> market in the world, worth US$3 billion in 2014, and the </a:t>
-            </a:r>
-            <a:r>
-              <a:rPr lang="en-US" dirty="0" smtClean="0">
+              <a:t> market in the world, worth </a:t>
+            </a:r>
+            <a:r>
+              <a:rPr lang="en-US" dirty="0">
                 <a:solidFill>
-                  <a:schemeClr val="tx1"/>
+                  <a:srgbClr val="FF0000"/>
                 </a:solidFill>
               </a:rPr>
-              <a:t>second-largest </a:t>
-            </a:r>
-            <a:r>
-              <a:rPr lang="en-US" dirty="0" smtClean="0">
-                <a:solidFill>
-                  <a:schemeClr val="tx1"/>
-                </a:solidFill>
-              </a:rPr>
-              <a:t>behind </a:t>
+              <a:t>US$3 billion</a:t>
             </a:r>
             <a:r>
               <a:rPr lang="en-US" dirty="0">
@@ -10506,16 +10482,37 @@
                   <a:schemeClr val="tx1"/>
                 </a:solidFill>
               </a:rPr>
-              <a:t>the United States, and the biggest in </a:t>
+              <a:t> in 2014, and the </a:t>
             </a:r>
             <a:r>
               <a:rPr lang="en-US" dirty="0" smtClean="0">
                 <a:solidFill>
-                  <a:schemeClr val="tx1"/>
+                  <a:srgbClr val="FF0000"/>
+                </a:solidFill>
+              </a:rPr>
+              <a:t>second-largest behind </a:t>
+            </a:r>
+            <a:r>
+              <a:rPr lang="en-US" dirty="0">
+                <a:solidFill>
+                  <a:srgbClr val="FF0000"/>
+                </a:solidFill>
+              </a:rPr>
+              <a:t>the United States, and the biggest in </a:t>
+            </a:r>
+            <a:r>
+              <a:rPr lang="en-US" dirty="0" smtClean="0">
+                <a:solidFill>
+                  <a:srgbClr val="FF0000"/>
                 </a:solidFill>
               </a:rPr>
               <a:t>Asia</a:t>
             </a:r>
+            <a:endParaRPr lang="en-US" dirty="0" smtClean="0">
+              <a:solidFill>
+                <a:schemeClr val="tx1"/>
+              </a:solidFill>
+            </a:endParaRPr>
           </a:p>
           <a:p>
             <a:pPr algn="just"/>
@@ -10533,7 +10530,39 @@
                   <a:schemeClr val="tx1"/>
                 </a:solidFill>
               </a:rPr>
-              <a:t>artists, with 37 of the top 50 best-selling albums and 49 of the top 50 best-selling singles in 2014</a:t>
+              <a:t>artists, with </a:t>
+            </a:r>
+            <a:r>
+              <a:rPr lang="en-US" dirty="0">
+                <a:solidFill>
+                  <a:srgbClr val="FF0000"/>
+                </a:solidFill>
+              </a:rPr>
+              <a:t>37 of the top 50</a:t>
+            </a:r>
+            <a:r>
+              <a:rPr lang="en-US" dirty="0">
+                <a:solidFill>
+                  <a:schemeClr val="tx1"/>
+                </a:solidFill>
+              </a:rPr>
+              <a:t> best-selling albums and </a:t>
+            </a:r>
+            <a:r>
+              <a:rPr lang="en-US" dirty="0">
+                <a:solidFill>
+                  <a:srgbClr val="FF0000"/>
+                </a:solidFill>
+              </a:rPr>
+              <a:t>49 of the top 50</a:t>
+            </a:r>
+            <a:r>
+              <a:rPr lang="en-US" dirty="0">
+                <a:solidFill>
+                  <a:schemeClr val="tx1"/>
+                </a:solidFill>
+              </a:rPr>
+              <a:t> best-selling singles in 2014</a:t>
             </a:r>
             <a:r>
               <a:rPr lang="en-US" dirty="0" smtClean="0">
@@ -10572,8 +10601,45 @@
                   <a:schemeClr val="tx1"/>
                 </a:solidFill>
               </a:rPr>
-              <a:t>based on the intervals of human breathing rather than on mathematical timing.</a:t>
-            </a:r>
+              <a:t>based on the intervals of </a:t>
+            </a:r>
+            <a:r>
+              <a:rPr lang="en-US" dirty="0">
+                <a:solidFill>
+                  <a:srgbClr val="FF0000"/>
+                </a:solidFill>
+              </a:rPr>
+              <a:t>human breathing</a:t>
+            </a:r>
+            <a:r>
+              <a:rPr lang="en-US" dirty="0">
+                <a:solidFill>
+                  <a:schemeClr val="tx1"/>
+                </a:solidFill>
+              </a:rPr>
+              <a:t> rather than on </a:t>
+            </a:r>
+            <a:r>
+              <a:rPr lang="en-US" dirty="0">
+                <a:solidFill>
+                  <a:srgbClr val="FF0000"/>
+                </a:solidFill>
+              </a:rPr>
+              <a:t>mathematical timing</a:t>
+            </a:r>
+            <a:r>
+              <a:rPr lang="en-US" dirty="0">
+                <a:solidFill>
+                  <a:schemeClr val="tx1"/>
+                </a:solidFill>
+              </a:rPr>
+              <a:t>.</a:t>
+            </a:r>
+            <a:endParaRPr lang="en-US" dirty="0">
+              <a:solidFill>
+                <a:schemeClr val="tx1"/>
+              </a:solidFill>
+            </a:endParaRPr>
           </a:p>
           <a:p>
             <a:pPr marL="0" indent="0">
@@ -10588,11 +10654,6 @@
         </p:txBody>
       </p:sp>
     </p:spTree>
-    <p:extLst>
-      <p:ext uri="{BB962C8B-B14F-4D97-AF65-F5344CB8AC3E}">
-        <p14:creationId xmlns:p14="http://schemas.microsoft.com/office/powerpoint/2010/main" val="1238813442"/>
-      </p:ext>
-    </p:extLst>
   </p:cSld>
   <p:clrMapOvr>
     <a:masterClrMapping/>
@@ -10629,8 +10690,8 @@
         </p:nvSpPr>
         <p:spPr>
           <a:xfrm>
-            <a:off x="479094" y="415392"/>
-            <a:ext cx="6140647" cy="627798"/>
+            <a:off x="677545" y="609600"/>
+            <a:ext cx="8596630" cy="612775"/>
           </a:xfrm>
         </p:spPr>
         <p:txBody>
@@ -10654,13 +10715,13 @@
             <a:spLocks noGrp="1"/>
           </p:cNvSpPr>
           <p:nvPr>
-            <p:ph idx="1"/>
+            <p:ph sz="half" idx="1"/>
           </p:nvPr>
         </p:nvSpPr>
         <p:spPr>
           <a:xfrm>
-            <a:off x="479094" y="1330579"/>
-            <a:ext cx="10058400" cy="4786885"/>
+            <a:off x="677545" y="1488440"/>
+            <a:ext cx="9467850" cy="2714625"/>
           </a:xfrm>
         </p:spPr>
         <p:txBody>
@@ -10761,6 +10822,7 @@
               <a:rPr lang="en-US" sz="2400" dirty="0" smtClean="0"/>
               <a:t>njoy)</a:t>
             </a:r>
+            <a:endParaRPr lang="en-US" sz="2400" dirty="0" smtClean="0"/>
           </a:p>
           <a:p>
             <a:pPr>
@@ -10779,6 +10841,7 @@
               <a:rPr lang="en-US" sz="2400" dirty="0" smtClean="0"/>
               <a:t>Music </a:t>
             </a:r>
+            <a:endParaRPr lang="en-US" sz="2400" dirty="0" smtClean="0"/>
           </a:p>
           <a:p>
             <a:pPr lvl="1">
@@ -10786,316 +10849,103 @@
               <a:buChar char="q"/>
             </a:pPr>
             <a:r>
-              <a:rPr lang="en-US" sz="2000" dirty="0">
-                <a:solidFill>
-                  <a:srgbClr val="FF0000"/>
-                </a:solidFill>
-              </a:rPr>
-              <a:t> </a:t>
-            </a:r>
-            <a:r>
               <a:rPr lang="en-US" sz="2000" dirty="0" err="1" smtClean="0">
                 <a:solidFill>
                   <a:srgbClr val="FF0000"/>
                 </a:solidFill>
+                <a:sym typeface="+mn-ea"/>
               </a:rPr>
-              <a:t>Shomyo</a:t>
-            </a:r>
-            <a:r>
-              <a:rPr lang="en-US" sz="2000" dirty="0"/>
+              <a:t>Gagaku</a:t>
+            </a:r>
+            <a:r>
+              <a:rPr lang="en-US" sz="2000" dirty="0">
+                <a:sym typeface="+mn-ea"/>
+              </a:rPr>
               <a:t> (</a:t>
             </a:r>
             <a:r>
-              <a:rPr lang="ja-JP" altLang="en-US" sz="2000" dirty="0"/>
-              <a:t>声明 </a:t>
-            </a:r>
-            <a:r>
-              <a:rPr lang="en-US" altLang="ja-JP" sz="2000" dirty="0"/>
-              <a:t>or </a:t>
-            </a:r>
-            <a:r>
-              <a:rPr lang="ja-JP" altLang="en-US" sz="2000" dirty="0"/>
-              <a:t>聲明</a:t>
-            </a:r>
-            <a:r>
-              <a:rPr lang="en-US" altLang="ja-JP" sz="2000" dirty="0" smtClean="0"/>
-              <a:t>) = </a:t>
-            </a:r>
-            <a:r>
-              <a:rPr lang="en-US" sz="2000" dirty="0" smtClean="0"/>
-              <a:t>Buddhist chanting</a:t>
-            </a:r>
-          </a:p>
-          <a:p>
-            <a:pPr lvl="1">
-              <a:buFont typeface="Wingdings" panose="05000000000000000000" pitchFamily="2" charset="2"/>
-              <a:buChar char="q"/>
-            </a:pPr>
-            <a:r>
-              <a:rPr lang="en-US" sz="2000" dirty="0">
-                <a:solidFill>
-                  <a:srgbClr val="FF0000"/>
-                </a:solidFill>
+              <a:rPr lang="ja-JP" altLang="en-US" sz="2000" dirty="0">
+                <a:sym typeface="+mn-ea"/>
+              </a:rPr>
+              <a:t>雅楽</a:t>
+            </a:r>
+            <a:r>
+              <a:rPr lang="en-US" altLang="ja-JP" sz="2000" dirty="0" smtClean="0">
+                <a:sym typeface="+mn-ea"/>
+              </a:rPr>
+              <a:t>) =</a:t>
+            </a:r>
+            <a:r>
+              <a:rPr lang="en-US" sz="2000" dirty="0" smtClean="0">
+                <a:sym typeface="+mn-ea"/>
               </a:rPr>
               <a:t> </a:t>
             </a:r>
             <a:r>
-              <a:rPr lang="en-US" sz="2000" dirty="0" err="1" smtClean="0">
-                <a:solidFill>
-                  <a:srgbClr val="FF0000"/>
-                </a:solidFill>
+              <a:rPr lang="en-IN" altLang="en-US" sz="2000" dirty="0" smtClean="0">
+                <a:sym typeface="+mn-ea"/>
               </a:rPr>
-              <a:t>Gagaku</a:t>
-            </a:r>
-            <a:r>
-              <a:rPr lang="en-US" sz="2000" dirty="0"/>
-              <a:t> (</a:t>
-            </a:r>
-            <a:r>
-              <a:rPr lang="ja-JP" altLang="en-US" sz="2000" dirty="0"/>
-              <a:t>雅楽</a:t>
-            </a:r>
-            <a:r>
-              <a:rPr lang="en-US" altLang="ja-JP" sz="2000" dirty="0" smtClean="0"/>
-              <a:t>) =</a:t>
-            </a:r>
-            <a:r>
-              <a:rPr lang="en-US" sz="2000" dirty="0" smtClean="0"/>
-              <a:t> </a:t>
-            </a:r>
-            <a:r>
-              <a:rPr lang="en-US" sz="2000" dirty="0"/>
-              <a:t>O</a:t>
-            </a:r>
-            <a:r>
-              <a:rPr lang="en-US" sz="2000" dirty="0" smtClean="0"/>
-              <a:t>rchestral </a:t>
-            </a:r>
-            <a:r>
-              <a:rPr lang="en-US" sz="2000" dirty="0"/>
-              <a:t>court </a:t>
-            </a:r>
-            <a:r>
-              <a:rPr lang="en-US" sz="2000" dirty="0" smtClean="0"/>
-              <a:t>music</a:t>
-            </a:r>
-          </a:p>
-          <a:p>
-            <a:pPr lvl="1">
-              <a:buFont typeface="Wingdings" panose="05000000000000000000" pitchFamily="2" charset="2"/>
-              <a:buChar char="q"/>
-            </a:pPr>
-            <a:r>
-              <a:rPr lang="en-US" sz="2000" dirty="0" smtClean="0">
-                <a:solidFill>
-                  <a:srgbClr val="FF0000"/>
-                </a:solidFill>
-              </a:rPr>
-              <a:t> </a:t>
-            </a:r>
-            <a:r>
-              <a:rPr lang="en-US" sz="2000" dirty="0" err="1" smtClean="0">
-                <a:solidFill>
-                  <a:srgbClr val="FF0000"/>
-                </a:solidFill>
-              </a:rPr>
-              <a:t>Joruri</a:t>
-            </a:r>
-            <a:r>
-              <a:rPr lang="en-US" sz="2000" dirty="0" smtClean="0"/>
-              <a:t>  = A narrative music using the </a:t>
-            </a:r>
-            <a:r>
-              <a:rPr lang="en-US" sz="2000" dirty="0" err="1" smtClean="0"/>
-              <a:t>shamisen</a:t>
-            </a:r>
-            <a:endParaRPr lang="en-US" sz="2000" dirty="0" smtClean="0"/>
-          </a:p>
-          <a:p>
-            <a:pPr marL="1184148" lvl="3" indent="-342900">
+              <a:t>Origin - Heian period. Oldest music.</a:t>
+            </a:r>
+            <a:endParaRPr lang="en-IN" altLang="en-US" sz="2000" dirty="0" smtClean="0">
+              <a:sym typeface="+mn-ea"/>
+            </a:endParaRPr>
+          </a:p>
+          <a:p>
+            <a:pPr marL="1257300" lvl="2" indent="-342900">
+              <a:buFont typeface="+mj-lt"/>
               <a:buAutoNum type="arabicPeriod"/>
             </a:pPr>
             <a:r>
-              <a:rPr lang="en-US" sz="1600" dirty="0" err="1" smtClean="0">
-                <a:solidFill>
-                  <a:srgbClr val="FF0000"/>
-                </a:solidFill>
+              <a:rPr lang="en-IN" altLang="en-US" sz="1750" dirty="0" smtClean="0">
+                <a:sym typeface="+mn-ea"/>
               </a:rPr>
-              <a:t>Gidayu-bushi</a:t>
-            </a:r>
-            <a:r>
-              <a:rPr lang="en-US" sz="1600" dirty="0" smtClean="0"/>
-              <a:t> </a:t>
-            </a:r>
-            <a:r>
-              <a:rPr lang="en-US" sz="1600" dirty="0"/>
-              <a:t>- During the Edo </a:t>
-            </a:r>
-            <a:r>
-              <a:rPr lang="en-US" sz="1600" dirty="0" smtClean="0"/>
-              <a:t>period, </a:t>
-            </a:r>
-            <a:r>
-              <a:rPr lang="en-US" sz="1600" dirty="0" err="1" smtClean="0"/>
-              <a:t>Gidayu</a:t>
-            </a:r>
-            <a:r>
-              <a:rPr lang="en-US" sz="1600" dirty="0" smtClean="0"/>
-              <a:t> </a:t>
-            </a:r>
-            <a:r>
-              <a:rPr lang="en-US" sz="1600" dirty="0"/>
-              <a:t>began to play </a:t>
-            </a:r>
-            <a:r>
-              <a:rPr lang="en-US" sz="1600" dirty="0" err="1"/>
-              <a:t>joruri</a:t>
-            </a:r>
-            <a:r>
-              <a:rPr lang="en-US" sz="1600" dirty="0"/>
-              <a:t> in Osaka. This type of </a:t>
-            </a:r>
-            <a:r>
-              <a:rPr lang="en-US" sz="1600" dirty="0" err="1" smtClean="0"/>
-              <a:t>joruri</a:t>
-            </a:r>
-            <a:r>
-              <a:rPr lang="en-US" sz="1600" dirty="0" smtClean="0"/>
-              <a:t> </a:t>
-            </a:r>
-            <a:r>
-              <a:rPr lang="en-US" sz="1600" dirty="0"/>
-              <a:t>is for </a:t>
-            </a:r>
-            <a:r>
-              <a:rPr lang="en-US" sz="1600" dirty="0" err="1"/>
-              <a:t>Bunraku</a:t>
-            </a:r>
-            <a:r>
-              <a:rPr lang="en-US" sz="1600" dirty="0"/>
-              <a:t>, (puppet plays). </a:t>
-            </a:r>
-            <a:endParaRPr lang="en-US" sz="1600" dirty="0" smtClean="0"/>
-          </a:p>
-          <a:p>
-            <a:pPr marL="1184148" lvl="3" indent="-342900">
+              <a:t>Kangen = Orchestral Music</a:t>
+            </a:r>
+            <a:endParaRPr lang="en-IN" altLang="en-US" sz="1750" dirty="0" smtClean="0">
+              <a:sym typeface="+mn-ea"/>
+            </a:endParaRPr>
+          </a:p>
+          <a:p>
+            <a:pPr marL="1257300" lvl="2" indent="-342900">
+              <a:buFont typeface="+mj-lt"/>
               <a:buAutoNum type="arabicPeriod"/>
             </a:pPr>
             <a:r>
-              <a:rPr lang="en-US" sz="1600" dirty="0" err="1" smtClean="0">
-                <a:solidFill>
-                  <a:srgbClr val="FF0000"/>
-                </a:solidFill>
+              <a:rPr lang="en-IN" altLang="en-US" sz="1750" dirty="0" smtClean="0">
+                <a:sym typeface="+mn-ea"/>
               </a:rPr>
-              <a:t>Trakiwazu-bushi</a:t>
-            </a:r>
-            <a:r>
-              <a:rPr lang="en-US" sz="1600" dirty="0" smtClean="0"/>
-              <a:t> </a:t>
-            </a:r>
-            <a:r>
-              <a:rPr lang="en-US" sz="1600" dirty="0"/>
-              <a:t>- </a:t>
-            </a:r>
-            <a:r>
-              <a:rPr lang="en-US" sz="1600" dirty="0" err="1" smtClean="0"/>
-              <a:t>Trakiwazu</a:t>
-            </a:r>
-            <a:r>
-              <a:rPr lang="en-US" sz="1600" dirty="0" smtClean="0"/>
-              <a:t> </a:t>
-            </a:r>
-            <a:r>
-              <a:rPr lang="en-US" sz="1600" dirty="0" err="1"/>
-              <a:t>Mojidayu</a:t>
-            </a:r>
-            <a:r>
-              <a:rPr lang="en-US" sz="1600" dirty="0"/>
-              <a:t> began to play this style of </a:t>
-            </a:r>
-            <a:r>
-              <a:rPr lang="en-US" sz="1600" dirty="0" err="1"/>
-              <a:t>joruri</a:t>
-            </a:r>
-            <a:r>
-              <a:rPr lang="en-US" sz="1600" dirty="0"/>
-              <a:t> in Edo</a:t>
-            </a:r>
-            <a:r>
-              <a:rPr lang="en-US" sz="1600" dirty="0" smtClean="0"/>
-              <a:t>. This type of juror is for kabuki dances called </a:t>
-            </a:r>
-            <a:r>
-              <a:rPr lang="en-US" sz="1600" dirty="0" err="1" smtClean="0"/>
-              <a:t>Shosagoto</a:t>
-            </a:r>
-            <a:r>
-              <a:rPr lang="en-US" sz="1600" dirty="0" smtClean="0"/>
-              <a:t>. </a:t>
-            </a:r>
-          </a:p>
-          <a:p>
-            <a:pPr marL="1184148" lvl="3" indent="-342900">
+              <a:t>Bugaku = Dance Music</a:t>
+            </a:r>
+            <a:endParaRPr lang="en-IN" altLang="en-US" sz="1750" dirty="0" smtClean="0">
+              <a:sym typeface="+mn-ea"/>
+            </a:endParaRPr>
+          </a:p>
+          <a:p>
+            <a:pPr marL="1257300" lvl="2" indent="-342900">
+              <a:buFont typeface="+mj-lt"/>
               <a:buAutoNum type="arabicPeriod"/>
             </a:pPr>
             <a:r>
-              <a:rPr lang="en-US" sz="1600" dirty="0" err="1" smtClean="0">
-                <a:solidFill>
-                  <a:srgbClr val="FF0000"/>
-                </a:solidFill>
+              <a:rPr lang="en-IN" altLang="en-US" sz="1750" dirty="0" smtClean="0">
+                <a:sym typeface="+mn-ea"/>
               </a:rPr>
-              <a:t>Kiyomoto-bushi</a:t>
-            </a:r>
-            <a:r>
-              <a:rPr lang="en-US" sz="1600" dirty="0" smtClean="0"/>
-              <a:t> </a:t>
-            </a:r>
-            <a:r>
-              <a:rPr lang="en-US" sz="1600" dirty="0"/>
-              <a:t>- </a:t>
-            </a:r>
-            <a:r>
-              <a:rPr lang="en-US" sz="1600" dirty="0" err="1"/>
-              <a:t>Kiyomoto</a:t>
-            </a:r>
-            <a:r>
-              <a:rPr lang="en-US" sz="1600" dirty="0"/>
-              <a:t> </a:t>
-            </a:r>
-            <a:r>
-              <a:rPr lang="en-US" sz="1600" dirty="0" err="1"/>
-              <a:t>Enjyudayu</a:t>
-            </a:r>
-            <a:r>
-              <a:rPr lang="en-US" sz="1600" dirty="0"/>
-              <a:t> began to play this for kabuki dances in Edo during the late Edo period. He began to play this style in 1814. </a:t>
-            </a:r>
-            <a:endParaRPr lang="en-US" sz="1600" dirty="0" smtClean="0"/>
-          </a:p>
-          <a:p>
-            <a:pPr marL="1184148" lvl="3" indent="-342900">
+              <a:t>Shinto Ceremonies = Only for religious purposes</a:t>
+            </a:r>
+            <a:endParaRPr lang="en-IN" altLang="en-US" sz="1750" dirty="0" smtClean="0">
+              <a:sym typeface="+mn-ea"/>
+            </a:endParaRPr>
+          </a:p>
+          <a:p>
+            <a:pPr marL="1257300" lvl="2" indent="-342900">
+              <a:buFont typeface="Wingdings" panose="05000000000000000000" pitchFamily="2" charset="2"/>
               <a:buAutoNum type="arabicPeriod"/>
             </a:pPr>
-            <a:r>
-              <a:rPr lang="en-US" sz="1600" dirty="0" err="1" smtClean="0">
-                <a:solidFill>
-                  <a:srgbClr val="FF0000"/>
-                </a:solidFill>
-              </a:rPr>
-              <a:t>Shinnai-bushi</a:t>
-            </a:r>
-            <a:r>
-              <a:rPr lang="en-US" sz="1600" dirty="0" smtClean="0"/>
-              <a:t> </a:t>
-            </a:r>
-            <a:r>
-              <a:rPr lang="en-US" sz="1600" dirty="0"/>
-              <a:t>- In the middle of the Edo </a:t>
-            </a:r>
-            <a:r>
-              <a:rPr lang="en-US" sz="1600" dirty="0" smtClean="0"/>
-              <a:t>period</a:t>
-            </a:r>
+            <a:endParaRPr lang="en-US" sz="1750" dirty="0">
+              <a:solidFill>
+                <a:srgbClr val="FF0000"/>
+              </a:solidFill>
+            </a:endParaRPr>
           </a:p>
           <a:p>
             <a:pPr>
@@ -11106,12 +10956,102 @@
           </a:p>
         </p:txBody>
       </p:sp>
+      <p:pic>
+        <p:nvPicPr>
+          <p:cNvPr id="4" name="Content Placeholder 3" descr="130101bugaku"/>
+          <p:cNvPicPr>
+            <a:picLocks noChangeAspect="1"/>
+          </p:cNvPicPr>
+          <p:nvPr>
+            <p:ph sz="half" idx="2"/>
+          </p:nvPr>
+        </p:nvPicPr>
+        <p:blipFill>
+          <a:blip r:embed="rId1"/>
+          <a:stretch>
+            <a:fillRect/>
+          </a:stretch>
+        </p:blipFill>
+        <p:spPr>
+          <a:xfrm>
+            <a:off x="4655820" y="4384040"/>
+            <a:ext cx="2858135" cy="1909445"/>
+          </a:xfrm>
+          <a:prstGeom prst="rect">
+            <a:avLst/>
+          </a:prstGeom>
+          <a:effectLst>
+            <a:outerShdw blurRad="50800" dist="38100" dir="2700000" algn="tl" rotWithShape="0">
+              <a:prstClr val="black">
+                <a:alpha val="40000"/>
+              </a:prstClr>
+            </a:outerShdw>
+          </a:effectLst>
+        </p:spPr>
+      </p:pic>
+      <p:pic>
+        <p:nvPicPr>
+          <p:cNvPr id="5" name="Picture 4" descr="kangen"/>
+          <p:cNvPicPr>
+            <a:picLocks noChangeAspect="1"/>
+          </p:cNvPicPr>
+          <p:nvPr/>
+        </p:nvPicPr>
+        <p:blipFill>
+          <a:blip r:embed="rId2"/>
+          <a:stretch>
+            <a:fillRect/>
+          </a:stretch>
+        </p:blipFill>
+        <p:spPr>
+          <a:xfrm>
+            <a:off x="869315" y="4383405"/>
+            <a:ext cx="2861945" cy="1910080"/>
+          </a:xfrm>
+          <a:prstGeom prst="rect">
+            <a:avLst/>
+          </a:prstGeom>
+          <a:effectLst>
+            <a:outerShdw blurRad="50800" dist="38100" dir="2700000" algn="tl" rotWithShape="0">
+              <a:prstClr val="black">
+                <a:alpha val="40000"/>
+              </a:prstClr>
+            </a:outerShdw>
+          </a:effectLst>
+        </p:spPr>
+      </p:pic>
+      <p:pic>
+        <p:nvPicPr>
+          <p:cNvPr id="6" name="Picture 5" descr="shinto"/>
+          <p:cNvPicPr>
+            <a:picLocks noChangeAspect="1"/>
+          </p:cNvPicPr>
+          <p:nvPr/>
+        </p:nvPicPr>
+        <p:blipFill>
+          <a:blip r:embed="rId3"/>
+          <a:stretch>
+            <a:fillRect/>
+          </a:stretch>
+        </p:blipFill>
+        <p:spPr>
+          <a:xfrm>
+            <a:off x="8306435" y="4384040"/>
+            <a:ext cx="2547620" cy="1909445"/>
+          </a:xfrm>
+          <a:prstGeom prst="rect">
+            <a:avLst/>
+          </a:prstGeom>
+          <a:effectLst>
+            <a:outerShdw blurRad="50800" dist="38100" dir="2700000" algn="tl" rotWithShape="0">
+              <a:prstClr val="black">
+                <a:alpha val="40000"/>
+              </a:prstClr>
+            </a:outerShdw>
+          </a:effectLst>
+        </p:spPr>
+      </p:pic>
     </p:spTree>
-    <p:extLst>
-      <p:ext uri="{BB962C8B-B14F-4D97-AF65-F5344CB8AC3E}">
-        <p14:creationId xmlns:p14="http://schemas.microsoft.com/office/powerpoint/2010/main" val="3002303277"/>
-      </p:ext>
-    </p:extLst>
   </p:cSld>
   <p:clrMapOvr>
     <a:masterClrMapping/>
@@ -11120,6 +11060,479 @@
 </file>
 
 <file path=ppt/slides/slide5.xml><?xml version="1.0" encoding="utf-8"?>
+<p:sld xmlns:a="http://schemas.openxmlformats.org/drawingml/2006/main" xmlns:r="http://schemas.openxmlformats.org/officeDocument/2006/relationships" xmlns:p="http://schemas.openxmlformats.org/presentationml/2006/main">
+  <p:cSld>
+    <p:spTree>
+      <p:nvGrpSpPr>
+        <p:cNvPr id="1" name=""/>
+        <p:cNvGrpSpPr/>
+        <p:nvPr/>
+      </p:nvGrpSpPr>
+      <p:grpSpPr/>
+      <p:sp>
+        <p:nvSpPr>
+          <p:cNvPr id="3" name="Content Placeholder 2"/>
+          <p:cNvSpPr>
+            <a:spLocks noGrp="1"/>
+          </p:cNvSpPr>
+          <p:nvPr>
+            <p:ph sz="half" idx="1"/>
+          </p:nvPr>
+        </p:nvSpPr>
+        <p:spPr>
+          <a:xfrm>
+            <a:off x="454660" y="1282065"/>
+            <a:ext cx="8314055" cy="4601845"/>
+          </a:xfrm>
+        </p:spPr>
+        <p:txBody>
+          <a:bodyPr>
+            <a:noAutofit/>
+          </a:bodyPr>
+          <a:p>
+            <a:pPr lvl="1">
+              <a:buFont typeface="Wingdings" panose="05000000000000000000" pitchFamily="2" charset="2"/>
+              <a:buChar char="q"/>
+            </a:pPr>
+            <a:r>
+              <a:rPr lang="en-US" sz="1800" dirty="0" err="1" smtClean="0">
+                <a:solidFill>
+                  <a:srgbClr val="FF0000"/>
+                </a:solidFill>
+                <a:sym typeface="+mn-ea"/>
+              </a:rPr>
+              <a:t>Shomyo</a:t>
+            </a:r>
+            <a:r>
+              <a:rPr lang="en-US" sz="2000" dirty="0">
+                <a:sym typeface="+mn-ea"/>
+              </a:rPr>
+              <a:t> (</a:t>
+            </a:r>
+            <a:r>
+              <a:rPr lang="ja-JP" altLang="en-US" sz="2000" dirty="0">
+                <a:sym typeface="+mn-ea"/>
+              </a:rPr>
+              <a:t>声明 </a:t>
+            </a:r>
+            <a:r>
+              <a:rPr lang="en-US" altLang="ja-JP" sz="2000" dirty="0">
+                <a:sym typeface="+mn-ea"/>
+              </a:rPr>
+              <a:t>or </a:t>
+            </a:r>
+            <a:r>
+              <a:rPr lang="ja-JP" altLang="en-US" sz="2000" dirty="0">
+                <a:sym typeface="+mn-ea"/>
+              </a:rPr>
+              <a:t>聲明</a:t>
+            </a:r>
+            <a:r>
+              <a:rPr lang="en-US" altLang="ja-JP" sz="2000" dirty="0" smtClean="0">
+                <a:sym typeface="+mn-ea"/>
+              </a:rPr>
+              <a:t>) = </a:t>
+            </a:r>
+            <a:r>
+              <a:rPr lang="en-US" sz="2000" dirty="0" smtClean="0">
+                <a:sym typeface="+mn-ea"/>
+              </a:rPr>
+              <a:t>Buddhist chanting</a:t>
+            </a:r>
+            <a:r>
+              <a:rPr lang="en-IN" altLang="en-US" sz="2000" dirty="0" smtClean="0">
+                <a:sym typeface="+mn-ea"/>
+              </a:rPr>
+              <a:t>. Origin - India.</a:t>
+            </a:r>
+            <a:br>
+              <a:rPr lang="en-IN" altLang="en-US" sz="2000" dirty="0" smtClean="0">
+                <a:sym typeface="+mn-ea"/>
+              </a:rPr>
+            </a:br>
+            <a:endParaRPr lang="en-US" sz="2000" dirty="0" smtClean="0"/>
+          </a:p>
+          <a:p>
+            <a:pPr lvl="1">
+              <a:buFont typeface="Wingdings" panose="05000000000000000000" pitchFamily="2" charset="2"/>
+              <a:buChar char="q"/>
+            </a:pPr>
+            <a:r>
+              <a:rPr lang="en-US" sz="2000" dirty="0" err="1" smtClean="0">
+                <a:solidFill>
+                  <a:srgbClr val="FF0000"/>
+                </a:solidFill>
+                <a:sym typeface="+mn-ea"/>
+              </a:rPr>
+              <a:t>Joruri</a:t>
+            </a:r>
+            <a:r>
+              <a:rPr lang="en-US" sz="2000" dirty="0" smtClean="0">
+                <a:sym typeface="+mn-ea"/>
+              </a:rPr>
+              <a:t>  = A narrative music using the </a:t>
+            </a:r>
+            <a:r>
+              <a:rPr lang="en-US" sz="2000" dirty="0" err="1" smtClean="0">
+                <a:sym typeface="+mn-ea"/>
+              </a:rPr>
+              <a:t>shamisen</a:t>
+            </a:r>
+            <a:endParaRPr lang="en-US" sz="2000" dirty="0" smtClean="0"/>
+          </a:p>
+          <a:p>
+            <a:pPr marL="1184275" lvl="3" indent="-342900">
+              <a:buAutoNum type="arabicPeriod"/>
+            </a:pPr>
+            <a:r>
+              <a:rPr lang="en-US" sz="2000" dirty="0" err="1" smtClean="0">
+                <a:solidFill>
+                  <a:srgbClr val="FF0000"/>
+                </a:solidFill>
+                <a:sym typeface="+mn-ea"/>
+              </a:rPr>
+              <a:t>Gidayu-bushi</a:t>
+            </a:r>
+            <a:r>
+              <a:rPr lang="en-US" sz="2000" dirty="0" smtClean="0">
+                <a:sym typeface="+mn-ea"/>
+              </a:rPr>
+              <a:t> </a:t>
+            </a:r>
+            <a:r>
+              <a:rPr lang="en-US" sz="2000" dirty="0">
+                <a:sym typeface="+mn-ea"/>
+              </a:rPr>
+              <a:t>- During the Edo </a:t>
+            </a:r>
+            <a:r>
+              <a:rPr lang="en-US" sz="2000" dirty="0" smtClean="0">
+                <a:sym typeface="+mn-ea"/>
+              </a:rPr>
+              <a:t>period, </a:t>
+            </a:r>
+            <a:r>
+              <a:rPr lang="en-US" sz="2000" dirty="0" err="1" smtClean="0">
+                <a:solidFill>
+                  <a:srgbClr val="FF0000"/>
+                </a:solidFill>
+                <a:sym typeface="+mn-ea"/>
+              </a:rPr>
+              <a:t>Gidayu</a:t>
+            </a:r>
+            <a:r>
+              <a:rPr lang="en-US" sz="2000" dirty="0" smtClean="0">
+                <a:sym typeface="+mn-ea"/>
+              </a:rPr>
+              <a:t> </a:t>
+            </a:r>
+            <a:r>
+              <a:rPr lang="en-US" sz="2000" dirty="0">
+                <a:sym typeface="+mn-ea"/>
+              </a:rPr>
+              <a:t>began to play </a:t>
+            </a:r>
+            <a:r>
+              <a:rPr lang="en-US" sz="2000" dirty="0" err="1">
+                <a:sym typeface="+mn-ea"/>
+              </a:rPr>
+              <a:t>joruri</a:t>
+            </a:r>
+            <a:r>
+              <a:rPr lang="en-US" sz="2000" dirty="0">
+                <a:sym typeface="+mn-ea"/>
+              </a:rPr>
+              <a:t> in Osaka. This type of </a:t>
+            </a:r>
+            <a:r>
+              <a:rPr lang="en-US" sz="2000" dirty="0" err="1" smtClean="0">
+                <a:sym typeface="+mn-ea"/>
+              </a:rPr>
+              <a:t>joruri</a:t>
+            </a:r>
+            <a:r>
+              <a:rPr lang="en-US" sz="2000" dirty="0" smtClean="0">
+                <a:sym typeface="+mn-ea"/>
+              </a:rPr>
+              <a:t> </a:t>
+            </a:r>
+            <a:r>
+              <a:rPr lang="en-US" sz="2000" dirty="0">
+                <a:sym typeface="+mn-ea"/>
+              </a:rPr>
+              <a:t>is for </a:t>
+            </a:r>
+            <a:r>
+              <a:rPr lang="en-US" sz="2000" dirty="0">
+                <a:solidFill>
+                  <a:srgbClr val="FF0000"/>
+                </a:solidFill>
+                <a:sym typeface="+mn-ea"/>
+              </a:rPr>
+              <a:t>puppet plays</a:t>
+            </a:r>
+            <a:r>
+              <a:rPr lang="en-IN" altLang="en-US" sz="2000" dirty="0">
+                <a:sym typeface="+mn-ea"/>
+              </a:rPr>
+              <a:t>.</a:t>
+            </a:r>
+            <a:r>
+              <a:rPr lang="en-US" sz="2000" dirty="0">
+                <a:sym typeface="+mn-ea"/>
+              </a:rPr>
+              <a:t> </a:t>
+            </a:r>
+            <a:endParaRPr lang="en-US" sz="2000" dirty="0" smtClean="0"/>
+          </a:p>
+          <a:p>
+            <a:pPr marL="1184275" lvl="3" indent="-342900">
+              <a:buAutoNum type="arabicPeriod"/>
+            </a:pPr>
+            <a:r>
+              <a:rPr lang="en-US" sz="2000" dirty="0" err="1" smtClean="0">
+                <a:solidFill>
+                  <a:srgbClr val="FF0000"/>
+                </a:solidFill>
+                <a:sym typeface="+mn-ea"/>
+              </a:rPr>
+              <a:t>Trakiwazu-bushi</a:t>
+            </a:r>
+            <a:r>
+              <a:rPr lang="en-US" sz="2000" dirty="0" smtClean="0">
+                <a:sym typeface="+mn-ea"/>
+              </a:rPr>
+              <a:t> </a:t>
+            </a:r>
+            <a:r>
+              <a:rPr lang="en-US" sz="2000" dirty="0">
+                <a:sym typeface="+mn-ea"/>
+              </a:rPr>
+              <a:t>- </a:t>
+            </a:r>
+            <a:r>
+              <a:rPr lang="en-US" sz="2000" dirty="0" err="1" smtClean="0">
+                <a:solidFill>
+                  <a:srgbClr val="FF0000"/>
+                </a:solidFill>
+                <a:sym typeface="+mn-ea"/>
+              </a:rPr>
+              <a:t>Trakiwazu</a:t>
+            </a:r>
+            <a:r>
+              <a:rPr lang="en-US" sz="2000" dirty="0" smtClean="0">
+                <a:solidFill>
+                  <a:srgbClr val="FF0000"/>
+                </a:solidFill>
+                <a:sym typeface="+mn-ea"/>
+              </a:rPr>
+              <a:t> </a:t>
+            </a:r>
+            <a:r>
+              <a:rPr lang="en-US" sz="2000" dirty="0" err="1">
+                <a:solidFill>
+                  <a:srgbClr val="FF0000"/>
+                </a:solidFill>
+                <a:sym typeface="+mn-ea"/>
+              </a:rPr>
+              <a:t>Mojidayu</a:t>
+            </a:r>
+            <a:r>
+              <a:rPr lang="en-US" sz="2000" dirty="0">
+                <a:sym typeface="+mn-ea"/>
+              </a:rPr>
+              <a:t> began to play this style of </a:t>
+            </a:r>
+            <a:r>
+              <a:rPr lang="en-US" sz="2000" dirty="0" err="1">
+                <a:sym typeface="+mn-ea"/>
+              </a:rPr>
+              <a:t>joruri</a:t>
+            </a:r>
+            <a:r>
+              <a:rPr lang="en-US" sz="2000" dirty="0">
+                <a:sym typeface="+mn-ea"/>
+              </a:rPr>
+              <a:t> in Edo</a:t>
+            </a:r>
+            <a:r>
+              <a:rPr lang="en-US" sz="2000" dirty="0" smtClean="0">
+                <a:sym typeface="+mn-ea"/>
+              </a:rPr>
+              <a:t>. This type of juror is for kabuki dances </a:t>
+            </a:r>
+            <a:endParaRPr lang="en-US" sz="2000" dirty="0" smtClean="0"/>
+          </a:p>
+          <a:p>
+            <a:pPr marL="1184275" lvl="3" indent="-342900">
+              <a:buAutoNum type="arabicPeriod"/>
+            </a:pPr>
+            <a:r>
+              <a:rPr lang="en-US" sz="2000" dirty="0" err="1" smtClean="0">
+                <a:solidFill>
+                  <a:srgbClr val="FF0000"/>
+                </a:solidFill>
+                <a:sym typeface="+mn-ea"/>
+              </a:rPr>
+              <a:t>Kiyomoto-bushi</a:t>
+            </a:r>
+            <a:r>
+              <a:rPr lang="en-US" sz="2000" dirty="0" smtClean="0">
+                <a:sym typeface="+mn-ea"/>
+              </a:rPr>
+              <a:t> </a:t>
+            </a:r>
+            <a:r>
+              <a:rPr lang="en-US" sz="2000" dirty="0">
+                <a:sym typeface="+mn-ea"/>
+              </a:rPr>
+              <a:t>- </a:t>
+            </a:r>
+            <a:r>
+              <a:rPr lang="en-US" sz="2000" dirty="0" err="1">
+                <a:solidFill>
+                  <a:srgbClr val="FF0000"/>
+                </a:solidFill>
+                <a:sym typeface="+mn-ea"/>
+              </a:rPr>
+              <a:t>Kiyomoto</a:t>
+            </a:r>
+            <a:r>
+              <a:rPr lang="en-US" sz="2000" dirty="0">
+                <a:solidFill>
+                  <a:srgbClr val="FF0000"/>
+                </a:solidFill>
+                <a:sym typeface="+mn-ea"/>
+              </a:rPr>
+              <a:t> </a:t>
+            </a:r>
+            <a:r>
+              <a:rPr lang="en-US" sz="2000" dirty="0" err="1">
+                <a:solidFill>
+                  <a:srgbClr val="FF0000"/>
+                </a:solidFill>
+                <a:sym typeface="+mn-ea"/>
+              </a:rPr>
+              <a:t>Enjyudayu</a:t>
+            </a:r>
+            <a:r>
+              <a:rPr lang="en-US" sz="2000" dirty="0">
+                <a:sym typeface="+mn-ea"/>
+              </a:rPr>
+              <a:t> began to play this for kabuki dances in Edo during the late Edo period. He began to play this style in 1814. </a:t>
+            </a:r>
+            <a:endParaRPr lang="en-US" sz="2000" dirty="0" smtClean="0"/>
+          </a:p>
+          <a:p>
+            <a:pPr marL="1184275" lvl="3" indent="-342900">
+              <a:buAutoNum type="arabicPeriod"/>
+            </a:pPr>
+            <a:r>
+              <a:rPr lang="en-US" sz="2000" dirty="0" err="1" smtClean="0">
+                <a:solidFill>
+                  <a:srgbClr val="FF0000"/>
+                </a:solidFill>
+                <a:sym typeface="+mn-ea"/>
+              </a:rPr>
+              <a:t>Shinnai-bushi</a:t>
+            </a:r>
+            <a:r>
+              <a:rPr lang="en-US" sz="2000" dirty="0" smtClean="0">
+                <a:sym typeface="+mn-ea"/>
+              </a:rPr>
+              <a:t> </a:t>
+            </a:r>
+            <a:r>
+              <a:rPr lang="en-US" sz="2000" dirty="0">
+                <a:sym typeface="+mn-ea"/>
+              </a:rPr>
+              <a:t>- In the middle of the Edo </a:t>
+            </a:r>
+            <a:r>
+              <a:rPr lang="en-US" sz="2000" dirty="0" smtClean="0">
+                <a:sym typeface="+mn-ea"/>
+              </a:rPr>
+              <a:t>period</a:t>
+            </a:r>
+            <a:endParaRPr lang="en-US" sz="2000" dirty="0" smtClean="0">
+              <a:sym typeface="+mn-ea"/>
+            </a:endParaRPr>
+          </a:p>
+        </p:txBody>
+      </p:sp>
+      <p:pic>
+        <p:nvPicPr>
+          <p:cNvPr id="4" name="Content Placeholder 3" descr="Shomyo"/>
+          <p:cNvPicPr>
+            <a:picLocks noChangeAspect="1"/>
+          </p:cNvPicPr>
+          <p:nvPr>
+            <p:ph sz="half" idx="2"/>
+          </p:nvPr>
+        </p:nvPicPr>
+        <p:blipFill>
+          <a:blip r:embed="rId1"/>
+          <a:stretch>
+            <a:fillRect/>
+          </a:stretch>
+        </p:blipFill>
+        <p:spPr>
+          <a:xfrm>
+            <a:off x="9194165" y="1282065"/>
+            <a:ext cx="2663825" cy="1775460"/>
+          </a:xfrm>
+          <a:prstGeom prst="rect">
+            <a:avLst/>
+          </a:prstGeom>
+          <a:effectLst>
+            <a:outerShdw blurRad="50800" dist="38100" dir="2700000" algn="tl" rotWithShape="0">
+              <a:prstClr val="black">
+                <a:alpha val="40000"/>
+              </a:prstClr>
+            </a:outerShdw>
+          </a:effectLst>
+        </p:spPr>
+      </p:pic>
+      <p:pic>
+        <p:nvPicPr>
+          <p:cNvPr id="2" name="Picture 1" descr="5152"/>
+          <p:cNvPicPr>
+            <a:picLocks noChangeAspect="1"/>
+          </p:cNvPicPr>
+          <p:nvPr/>
+        </p:nvPicPr>
+        <p:blipFill>
+          <a:blip r:embed="rId2"/>
+          <a:stretch>
+            <a:fillRect/>
+          </a:stretch>
+        </p:blipFill>
+        <p:spPr>
+          <a:xfrm>
+            <a:off x="9194165" y="3966845"/>
+            <a:ext cx="2666365" cy="1917065"/>
+          </a:xfrm>
+          <a:prstGeom prst="rect">
+            <a:avLst/>
+          </a:prstGeom>
+          <a:effectLst>
+            <a:outerShdw blurRad="50800" dist="38100" dir="2700000" algn="tl" rotWithShape="0">
+              <a:prstClr val="black">
+                <a:alpha val="40000"/>
+              </a:prstClr>
+            </a:outerShdw>
+          </a:effectLst>
+        </p:spPr>
+      </p:pic>
+    </p:spTree>
+  </p:cSld>
+  <p:clrMapOvr>
+    <a:masterClrMapping/>
+  </p:clrMapOvr>
+</p:sld>
+</file>
+
+<file path=ppt/slides/slide6.xml><?xml version="1.0" encoding="utf-8"?>
 <p:sld xmlns:a="http://schemas.openxmlformats.org/drawingml/2006/main" xmlns:r="http://schemas.openxmlformats.org/officeDocument/2006/relationships" xmlns:p="http://schemas.openxmlformats.org/presentationml/2006/main">
   <p:cSld>
     <p:spTree>
@@ -11174,13 +11587,7 @@
         <p:nvGraphicFramePr>
           <p:cNvPr id="6" name="Diagram 5"/>
           <p:cNvGraphicFramePr/>
-          <p:nvPr>
-            <p:extLst>
-              <p:ext uri="{D42A27DB-BD31-4B8C-83A1-F6EECF244321}">
-                <p14:modId xmlns:p14="http://schemas.microsoft.com/office/powerpoint/2010/main" val="4128334112"/>
-              </p:ext>
-            </p:extLst>
-          </p:nvPr>
+          <p:nvPr/>
         </p:nvGraphicFramePr>
         <p:xfrm>
           <a:off x="445513" y="804930"/>
@@ -11188,16 +11595,11 @@
         </p:xfrm>
         <a:graphic>
           <a:graphicData uri="http://schemas.openxmlformats.org/drawingml/2006/diagram">
-            <dgm:relIds xmlns:dgm="http://schemas.openxmlformats.org/drawingml/2006/diagram" xmlns:r="http://schemas.openxmlformats.org/officeDocument/2006/relationships" r:dm="rId2" r:lo="rId3" r:qs="rId4" r:cs="rId5"/>
+            <dgm:relIds xmlns:dgm="http://schemas.openxmlformats.org/drawingml/2006/diagram" xmlns:r="http://schemas.openxmlformats.org/officeDocument/2006/relationships" r:dm="rId1" r:lo="rId2" r:qs="rId3" r:cs="rId4"/>
           </a:graphicData>
         </a:graphic>
       </p:graphicFrame>
     </p:spTree>
-    <p:extLst>
-      <p:ext uri="{BB962C8B-B14F-4D97-AF65-F5344CB8AC3E}">
-        <p14:creationId xmlns:p14="http://schemas.microsoft.com/office/powerpoint/2010/main" val="774555132"/>
-      </p:ext>
-    </p:extLst>
   </p:cSld>
   <p:clrMapOvr>
     <a:masterClrMapping/>
@@ -11205,7 +11607,7 @@
 </p:sld>
 </file>
 
-<file path=ppt/slides/slide6.xml><?xml version="1.0" encoding="utf-8"?>
+<file path=ppt/slides/slide7.xml><?xml version="1.0" encoding="utf-8"?>
 <p:sld xmlns:a="http://schemas.openxmlformats.org/drawingml/2006/main" xmlns:r="http://schemas.openxmlformats.org/officeDocument/2006/relationships" xmlns:p="http://schemas.openxmlformats.org/presentationml/2006/main">
   <p:cSld>
     <p:spTree>
@@ -11401,7 +11803,7 @@
           <p:nvPr/>
         </p:nvPicPr>
         <p:blipFill>
-          <a:blip r:embed="rId2">
+          <a:blip r:embed="rId1">
             <a:extLst>
               <a:ext uri="{28A0092B-C50C-407E-A947-70E740481C1C}">
                 <a14:useLocalDpi xmlns:a14="http://schemas.microsoft.com/office/drawing/2010/main" val="0"/>
@@ -11431,7 +11833,7 @@
           <p:nvPr/>
         </p:nvPicPr>
         <p:blipFill>
-          <a:blip r:embed="rId3">
+          <a:blip r:embed="rId2">
             <a:extLst>
               <a:ext uri="{28A0092B-C50C-407E-A947-70E740481C1C}">
                 <a14:useLocalDpi xmlns:a14="http://schemas.microsoft.com/office/drawing/2010/main" val="0"/>
@@ -11453,11 +11855,6 @@
         </p:spPr>
       </p:pic>
     </p:spTree>
-    <p:extLst>
-      <p:ext uri="{BB962C8B-B14F-4D97-AF65-F5344CB8AC3E}">
-        <p14:creationId xmlns:p14="http://schemas.microsoft.com/office/powerpoint/2010/main" val="1525103729"/>
-      </p:ext>
-    </p:extLst>
   </p:cSld>
   <p:clrMapOvr>
     <a:masterClrMapping/>
@@ -11465,7 +11862,7 @@
 </p:sld>
 </file>
 
-<file path=ppt/slides/slide7.xml><?xml version="1.0" encoding="utf-8"?>
+<file path=ppt/slides/slide8.xml><?xml version="1.0" encoding="utf-8"?>
 <p:sld xmlns:a="http://schemas.openxmlformats.org/drawingml/2006/main" xmlns:r="http://schemas.openxmlformats.org/officeDocument/2006/relationships" xmlns:p="http://schemas.openxmlformats.org/presentationml/2006/main">
   <p:cSld>
     <p:spTree>
@@ -11520,6 +11917,7 @@
               <a:rPr lang="en-US" dirty="0" smtClean="0"/>
               <a:t>.</a:t>
             </a:r>
+            <a:endParaRPr lang="en-US" dirty="0" smtClean="0"/>
           </a:p>
           <a:p>
             <a:endParaRPr lang="en-US" dirty="0" smtClean="0"/>
@@ -11555,6 +11953,7 @@
               <a:rPr lang="en-US" dirty="0" smtClean="0"/>
               <a:t>.</a:t>
             </a:r>
+            <a:endParaRPr lang="en-US" dirty="0" smtClean="0"/>
           </a:p>
           <a:p>
             <a:pPr lvl="0"/>
@@ -11576,6 +11975,7 @@
               <a:rPr lang="en-US" dirty="0" smtClean="0"/>
               <a:t>conversation</a:t>
             </a:r>
+            <a:endParaRPr lang="en-US" dirty="0" smtClean="0"/>
           </a:p>
           <a:p>
             <a:endParaRPr lang="en-US" dirty="0"/>
@@ -11621,7 +12021,7 @@
           <p:nvPr/>
         </p:nvPicPr>
         <p:blipFill>
-          <a:blip r:embed="rId2">
+          <a:blip r:embed="rId1">
             <a:extLst>
               <a:ext uri="{28A0092B-C50C-407E-A947-70E740481C1C}">
                 <a14:useLocalDpi xmlns:a14="http://schemas.microsoft.com/office/drawing/2010/main" val="0"/>
@@ -11651,7 +12051,7 @@
           <p:nvPr/>
         </p:nvPicPr>
         <p:blipFill>
-          <a:blip r:embed="rId3">
+          <a:blip r:embed="rId2">
             <a:extLst>
               <a:ext uri="{28A0092B-C50C-407E-A947-70E740481C1C}">
                 <a14:useLocalDpi xmlns:a14="http://schemas.microsoft.com/office/drawing/2010/main" val="0"/>
@@ -11673,11 +12073,6 @@
         </p:spPr>
       </p:pic>
     </p:spTree>
-    <p:extLst>
-      <p:ext uri="{BB962C8B-B14F-4D97-AF65-F5344CB8AC3E}">
-        <p14:creationId xmlns:p14="http://schemas.microsoft.com/office/powerpoint/2010/main" val="1099700712"/>
-      </p:ext>
-    </p:extLst>
   </p:cSld>
   <p:clrMapOvr>
     <a:masterClrMapping/>
@@ -11685,7 +12080,7 @@
 </p:sld>
 </file>
 
-<file path=ppt/slides/slide8.xml><?xml version="1.0" encoding="utf-8"?>
+<file path=ppt/slides/slide9.xml><?xml version="1.0" encoding="utf-8"?>
 <p:sld xmlns:a="http://schemas.openxmlformats.org/drawingml/2006/main" xmlns:r="http://schemas.openxmlformats.org/officeDocument/2006/relationships" xmlns:p="http://schemas.openxmlformats.org/presentationml/2006/main">
   <p:cSld>
     <p:spTree>
@@ -11748,6 +12143,7 @@
               <a:rPr lang="en-US" dirty="0" smtClean="0"/>
               <a:t>ways.</a:t>
             </a:r>
+            <a:endParaRPr lang="en-US" dirty="0" smtClean="0"/>
           </a:p>
           <a:p>
             <a:endParaRPr lang="en-US" dirty="0"/>
@@ -11783,6 +12179,7 @@
               <a:rPr lang="en-US" dirty="0"/>
               <a:t>culture puts heavy emphasis on participation, diligence and performance in people’s professional lives. The workforce is extremely dedicated and there is much pressure to strive for excellence and perfection. </a:t>
             </a:r>
+            <a:endParaRPr lang="en-US" dirty="0"/>
           </a:p>
           <a:p>
             <a:endParaRPr lang="en-US" dirty="0" smtClean="0"/>
@@ -11816,7 +12213,7 @@
           <p:nvPr/>
         </p:nvPicPr>
         <p:blipFill>
-          <a:blip r:embed="rId2">
+          <a:blip r:embed="rId1">
             <a:extLst>
               <a:ext uri="{28A0092B-C50C-407E-A947-70E740481C1C}">
                 <a14:useLocalDpi xmlns:a14="http://schemas.microsoft.com/office/drawing/2010/main" val="0"/>
@@ -11838,69 +12235,6 @@
         </p:spPr>
       </p:pic>
     </p:spTree>
-    <p:extLst>
-      <p:ext uri="{BB962C8B-B14F-4D97-AF65-F5344CB8AC3E}">
-        <p14:creationId xmlns:p14="http://schemas.microsoft.com/office/powerpoint/2010/main" val="1453591812"/>
-      </p:ext>
-    </p:extLst>
-  </p:cSld>
-  <p:clrMapOvr>
-    <a:masterClrMapping/>
-  </p:clrMapOvr>
-</p:sld>
-</file>
-
-<file path=ppt/slides/slide9.xml><?xml version="1.0" encoding="utf-8"?>
-<p:sld xmlns:a="http://schemas.openxmlformats.org/drawingml/2006/main" xmlns:r="http://schemas.openxmlformats.org/officeDocument/2006/relationships" xmlns:p="http://schemas.openxmlformats.org/presentationml/2006/main">
-  <p:cSld>
-    <p:spTree>
-      <p:nvGrpSpPr>
-        <p:cNvPr id="1" name=""/>
-        <p:cNvGrpSpPr/>
-        <p:nvPr/>
-      </p:nvGrpSpPr>
-      <p:grpSpPr>
-        <a:xfrm>
-          <a:off x="0" y="0"/>
-          <a:ext cx="0" cy="0"/>
-          <a:chOff x="0" y="0"/>
-          <a:chExt cx="0" cy="0"/>
-        </a:xfrm>
-      </p:grpSpPr>
-      <p:pic>
-        <p:nvPicPr>
-          <p:cNvPr id="4" name="Content Placeholder 3"/>
-          <p:cNvPicPr>
-            <a:picLocks noGrp="1" noChangeAspect="1"/>
-          </p:cNvPicPr>
-          <p:nvPr>
-            <p:ph idx="1"/>
-          </p:nvPr>
-        </p:nvPicPr>
-        <p:blipFill rotWithShape="1">
-          <a:blip r:embed="rId2">
-            <a:extLst>
-              <a:ext uri="{28A0092B-C50C-407E-A947-70E740481C1C}">
-                <a14:useLocalDpi xmlns:a14="http://schemas.microsoft.com/office/drawing/2010/main" val="0"/>
-              </a:ext>
-            </a:extLst>
-          </a:blip>
-          <a:srcRect l="11202" t="-455" r="10992" b="7692"/>
-          <a:stretch/>
-        </p:blipFill>
-        <p:spPr>
-          <a:xfrm>
-            <a:off x="3245475" y="515155"/>
-            <a:ext cx="5022761" cy="5911403"/>
-          </a:xfrm>
-        </p:spPr>
-      </p:pic>
-    </p:spTree>
-    <p:extLst>
-      <p:ext uri="{BB962C8B-B14F-4D97-AF65-F5344CB8AC3E}">
-        <p14:creationId xmlns:p14="http://schemas.microsoft.com/office/powerpoint/2010/main" val="2527091691"/>
-      </p:ext>
-    </p:extLst>
   </p:cSld>
   <p:clrMapOvr>
     <a:masterClrMapping/>
@@ -11951,7 +12285,7 @@
     </a:clrScheme>
     <a:fontScheme name="Facet">
       <a:majorFont>
-        <a:latin typeface="Trebuchet MS" panose="020B0603020202020204"/>
+        <a:latin typeface="Trebuchet MS"/>
         <a:ea typeface=""/>
         <a:cs typeface=""/>
         <a:font script="Jpan" typeface="メイリオ"/>
@@ -11986,7 +12320,7 @@
         <a:font script="Geor" typeface="Sylfaen"/>
       </a:majorFont>
       <a:minorFont>
-        <a:latin typeface="Trebuchet MS" panose="020B0603020202020204"/>
+        <a:latin typeface="Trebuchet MS"/>
         <a:ea typeface=""/>
         <a:cs typeface=""/>
         <a:font script="Jpan" typeface="メイリオ"/>
@@ -12155,11 +12489,9 @@
       </a:bgFillStyleLst>
     </a:fmtScheme>
   </a:themeElements>
-  <a:objectDefaults/>
-  <a:extraClrSchemeLst/>
   <a:extLst>
     <a:ext uri="{05A4C25C-085E-4340-85A3-A5531E510DB2}">
-      <thm15:themeFamily xmlns:thm15="http://schemas.microsoft.com/office/thememl/2012/main" name="Facet" id="{C0C680CD-088A-49FC-A102-D699147F32B2}" vid="{0B5AB586-D108-4FC1-8368-649FE654B894}"/>
+      <thm15:themeFamily xmlns:thm15="http://schemas.microsoft.com/office/thememl/2012/main" name="Office Theme" id="{62F939B6-93AF-4DB8-9C6B-D6C7DFDC589F}" vid="{4A3C46E8-61CC-4603-A589-7422A47A8E4A}"/>
     </a:ext>
   </a:extLst>
 </a:theme>
